--- a/Presentations/Nederlands/03 - Statements.pptx
+++ b/Presentations/Nederlands/03 - Statements.pptx
@@ -13396,8 +13396,8 @@
         </p:nvSpPr>
         <p:spPr>
           <a:xfrm>
-            <a:off x="1668693" y="365760"/>
-            <a:ext cx="6341451" cy="3447287"/>
+            <a:off x="1002890" y="515792"/>
+            <a:ext cx="7433187" cy="873104"/>
           </a:xfrm>
           <a:prstGeom prst="rect">
             <a:avLst/>
@@ -13405,7 +13405,7 @@
         </p:spPr>
         <p:txBody>
           <a:bodyPr vert="horz" lIns="91440" tIns="45720" rIns="91440" bIns="45720" rtlCol="0" anchor="b">
-            <a:normAutofit/>
+            <a:normAutofit fontScale="90000"/>
           </a:bodyPr>
           <a:lstStyle/>
           <a:p>
@@ -13424,30 +13424,6 @@
                 <a:cs typeface="+mj-cs"/>
               </a:rPr>
               <a:t>Python Fundamentals</a:t>
-            </a:r>
-            <a:br>
-              <a:rPr lang="en-US" sz="6000" b="1" kern="1200" spc="-1" dirty="0">
-                <a:solidFill>
-                  <a:schemeClr val="tx1"/>
-                </a:solidFill>
-                <a:latin typeface="+mj-lt"/>
-                <a:ea typeface="+mj-ea"/>
-                <a:cs typeface="+mj-cs"/>
-              </a:rPr>
-            </a:br>
-            <a:br>
-              <a:rPr lang="en-US" sz="6000" b="1" kern="1200" spc="-1" dirty="0">
-                <a:solidFill>
-                  <a:schemeClr val="tx1"/>
-                </a:solidFill>
-                <a:latin typeface="+mj-lt"/>
-                <a:ea typeface="+mj-ea"/>
-                <a:cs typeface="+mj-cs"/>
-              </a:rPr>
-            </a:br>
-            <a:r>
-              <a:rPr lang="en-US" sz="6000" b="1" spc="-1" dirty="0"/>
-              <a:t>Les006, Les007</a:t>
             </a:r>
             <a:endParaRPr lang="en-US" sz="6000" kern="1200" spc="-1" dirty="0">
               <a:solidFill>
@@ -14713,298 +14689,6 @@
           </a:p>
         </p:txBody>
       </p:sp>
-      <p:sp>
-        <p:nvSpPr>
-          <p:cNvPr id="11" name="Google Shape;69;p15">
-            <a:extLst>
-              <a:ext uri="{FF2B5EF4-FFF2-40B4-BE49-F238E27FC236}">
-                <a16:creationId xmlns:a16="http://schemas.microsoft.com/office/drawing/2014/main" id="{B08810FD-7384-48BB-BE2E-BD313E1BD438}"/>
-              </a:ext>
-            </a:extLst>
-          </p:cNvPr>
-          <p:cNvSpPr txBox="1">
-            <a:spLocks/>
-          </p:cNvSpPr>
-          <p:nvPr/>
-        </p:nvSpPr>
-        <p:spPr>
-          <a:xfrm>
-            <a:off x="317513" y="6163056"/>
-            <a:ext cx="3140592" cy="438149"/>
-          </a:xfrm>
-          <a:prstGeom prst="rect">
-            <a:avLst/>
-          </a:prstGeom>
-          <a:noFill/>
-          <a:ln>
-            <a:noFill/>
-          </a:ln>
-        </p:spPr>
-        <p:txBody>
-          <a:bodyPr spcFirstLastPara="1" wrap="square" lIns="91425" tIns="91425" rIns="91425" bIns="91425" anchor="t" anchorCtr="0">
-            <a:noAutofit/>
-          </a:bodyPr>
-          <a:lstStyle>
-            <a:defPPr marR="0" lvl="0" algn="l" rtl="0">
-              <a:lnSpc>
-                <a:spcPct val="100000"/>
-              </a:lnSpc>
-              <a:spcBef>
-                <a:spcPts val="0"/>
-              </a:spcBef>
-              <a:spcAft>
-                <a:spcPts val="0"/>
-              </a:spcAft>
-            </a:defPPr>
-            <a:lvl1pPr marR="0" lvl="0" algn="ctr" rtl="0">
-              <a:lnSpc>
-                <a:spcPct val="100000"/>
-              </a:lnSpc>
-              <a:spcBef>
-                <a:spcPts val="0"/>
-              </a:spcBef>
-              <a:spcAft>
-                <a:spcPts val="0"/>
-              </a:spcAft>
-              <a:buClr>
-                <a:schemeClr val="dk1"/>
-              </a:buClr>
-              <a:buSzPts val="5200"/>
-              <a:buFont typeface="Arial"/>
-              <a:buNone/>
-              <a:defRPr sz="5200" b="0" i="0" u="none" strike="noStrike" cap="none">
-                <a:solidFill>
-                  <a:schemeClr val="dk1"/>
-                </a:solidFill>
-                <a:latin typeface="Arial"/>
-                <a:ea typeface="Arial"/>
-                <a:cs typeface="Arial"/>
-                <a:sym typeface="Arial"/>
-              </a:defRPr>
-            </a:lvl1pPr>
-            <a:lvl2pPr marR="0" lvl="1" algn="ctr" rtl="0">
-              <a:lnSpc>
-                <a:spcPct val="100000"/>
-              </a:lnSpc>
-              <a:spcBef>
-                <a:spcPts val="0"/>
-              </a:spcBef>
-              <a:spcAft>
-                <a:spcPts val="0"/>
-              </a:spcAft>
-              <a:buClr>
-                <a:schemeClr val="dk1"/>
-              </a:buClr>
-              <a:buSzPts val="5200"/>
-              <a:buFont typeface="Arial"/>
-              <a:buNone/>
-              <a:defRPr sz="5200" b="0" i="0" u="none" strike="noStrike" cap="none">
-                <a:solidFill>
-                  <a:schemeClr val="dk1"/>
-                </a:solidFill>
-                <a:latin typeface="Arial"/>
-                <a:ea typeface="Arial"/>
-                <a:cs typeface="Arial"/>
-                <a:sym typeface="Arial"/>
-              </a:defRPr>
-            </a:lvl2pPr>
-            <a:lvl3pPr marR="0" lvl="2" algn="ctr" rtl="0">
-              <a:lnSpc>
-                <a:spcPct val="100000"/>
-              </a:lnSpc>
-              <a:spcBef>
-                <a:spcPts val="0"/>
-              </a:spcBef>
-              <a:spcAft>
-                <a:spcPts val="0"/>
-              </a:spcAft>
-              <a:buClr>
-                <a:schemeClr val="dk1"/>
-              </a:buClr>
-              <a:buSzPts val="5200"/>
-              <a:buFont typeface="Arial"/>
-              <a:buNone/>
-              <a:defRPr sz="5200" b="0" i="0" u="none" strike="noStrike" cap="none">
-                <a:solidFill>
-                  <a:schemeClr val="dk1"/>
-                </a:solidFill>
-                <a:latin typeface="Arial"/>
-                <a:ea typeface="Arial"/>
-                <a:cs typeface="Arial"/>
-                <a:sym typeface="Arial"/>
-              </a:defRPr>
-            </a:lvl3pPr>
-            <a:lvl4pPr marR="0" lvl="3" algn="ctr" rtl="0">
-              <a:lnSpc>
-                <a:spcPct val="100000"/>
-              </a:lnSpc>
-              <a:spcBef>
-                <a:spcPts val="0"/>
-              </a:spcBef>
-              <a:spcAft>
-                <a:spcPts val="0"/>
-              </a:spcAft>
-              <a:buClr>
-                <a:schemeClr val="dk1"/>
-              </a:buClr>
-              <a:buSzPts val="5200"/>
-              <a:buFont typeface="Arial"/>
-              <a:buNone/>
-              <a:defRPr sz="5200" b="0" i="0" u="none" strike="noStrike" cap="none">
-                <a:solidFill>
-                  <a:schemeClr val="dk1"/>
-                </a:solidFill>
-                <a:latin typeface="Arial"/>
-                <a:ea typeface="Arial"/>
-                <a:cs typeface="Arial"/>
-                <a:sym typeface="Arial"/>
-              </a:defRPr>
-            </a:lvl4pPr>
-            <a:lvl5pPr marR="0" lvl="4" algn="ctr" rtl="0">
-              <a:lnSpc>
-                <a:spcPct val="100000"/>
-              </a:lnSpc>
-              <a:spcBef>
-                <a:spcPts val="0"/>
-              </a:spcBef>
-              <a:spcAft>
-                <a:spcPts val="0"/>
-              </a:spcAft>
-              <a:buClr>
-                <a:schemeClr val="dk1"/>
-              </a:buClr>
-              <a:buSzPts val="5200"/>
-              <a:buFont typeface="Arial"/>
-              <a:buNone/>
-              <a:defRPr sz="5200" b="0" i="0" u="none" strike="noStrike" cap="none">
-                <a:solidFill>
-                  <a:schemeClr val="dk1"/>
-                </a:solidFill>
-                <a:latin typeface="Arial"/>
-                <a:ea typeface="Arial"/>
-                <a:cs typeface="Arial"/>
-                <a:sym typeface="Arial"/>
-              </a:defRPr>
-            </a:lvl5pPr>
-            <a:lvl6pPr marR="0" lvl="5" algn="ctr" rtl="0">
-              <a:lnSpc>
-                <a:spcPct val="100000"/>
-              </a:lnSpc>
-              <a:spcBef>
-                <a:spcPts val="0"/>
-              </a:spcBef>
-              <a:spcAft>
-                <a:spcPts val="0"/>
-              </a:spcAft>
-              <a:buClr>
-                <a:schemeClr val="dk1"/>
-              </a:buClr>
-              <a:buSzPts val="5200"/>
-              <a:buFont typeface="Arial"/>
-              <a:buNone/>
-              <a:defRPr sz="5200" b="0" i="0" u="none" strike="noStrike" cap="none">
-                <a:solidFill>
-                  <a:schemeClr val="dk1"/>
-                </a:solidFill>
-                <a:latin typeface="Arial"/>
-                <a:ea typeface="Arial"/>
-                <a:cs typeface="Arial"/>
-                <a:sym typeface="Arial"/>
-              </a:defRPr>
-            </a:lvl6pPr>
-            <a:lvl7pPr marR="0" lvl="6" algn="ctr" rtl="0">
-              <a:lnSpc>
-                <a:spcPct val="100000"/>
-              </a:lnSpc>
-              <a:spcBef>
-                <a:spcPts val="0"/>
-              </a:spcBef>
-              <a:spcAft>
-                <a:spcPts val="0"/>
-              </a:spcAft>
-              <a:buClr>
-                <a:schemeClr val="dk1"/>
-              </a:buClr>
-              <a:buSzPts val="5200"/>
-              <a:buFont typeface="Arial"/>
-              <a:buNone/>
-              <a:defRPr sz="5200" b="0" i="0" u="none" strike="noStrike" cap="none">
-                <a:solidFill>
-                  <a:schemeClr val="dk1"/>
-                </a:solidFill>
-                <a:latin typeface="Arial"/>
-                <a:ea typeface="Arial"/>
-                <a:cs typeface="Arial"/>
-                <a:sym typeface="Arial"/>
-              </a:defRPr>
-            </a:lvl7pPr>
-            <a:lvl8pPr marR="0" lvl="7" algn="ctr" rtl="0">
-              <a:lnSpc>
-                <a:spcPct val="100000"/>
-              </a:lnSpc>
-              <a:spcBef>
-                <a:spcPts val="0"/>
-              </a:spcBef>
-              <a:spcAft>
-                <a:spcPts val="0"/>
-              </a:spcAft>
-              <a:buClr>
-                <a:schemeClr val="dk1"/>
-              </a:buClr>
-              <a:buSzPts val="5200"/>
-              <a:buFont typeface="Arial"/>
-              <a:buNone/>
-              <a:defRPr sz="5200" b="0" i="0" u="none" strike="noStrike" cap="none">
-                <a:solidFill>
-                  <a:schemeClr val="dk1"/>
-                </a:solidFill>
-                <a:latin typeface="Arial"/>
-                <a:ea typeface="Arial"/>
-                <a:cs typeface="Arial"/>
-                <a:sym typeface="Arial"/>
-              </a:defRPr>
-            </a:lvl8pPr>
-            <a:lvl9pPr marR="0" lvl="8" algn="ctr" rtl="0">
-              <a:lnSpc>
-                <a:spcPct val="100000"/>
-              </a:lnSpc>
-              <a:spcBef>
-                <a:spcPts val="0"/>
-              </a:spcBef>
-              <a:spcAft>
-                <a:spcPts val="0"/>
-              </a:spcAft>
-              <a:buClr>
-                <a:schemeClr val="dk1"/>
-              </a:buClr>
-              <a:buSzPts val="5200"/>
-              <a:buFont typeface="Arial"/>
-              <a:buNone/>
-              <a:defRPr sz="5200" b="0" i="0" u="none" strike="noStrike" cap="none">
-                <a:solidFill>
-                  <a:schemeClr val="dk1"/>
-                </a:solidFill>
-                <a:latin typeface="Arial"/>
-                <a:ea typeface="Arial"/>
-                <a:cs typeface="Arial"/>
-                <a:sym typeface="Arial"/>
-              </a:defRPr>
-            </a:lvl9pPr>
-          </a:lstStyle>
-          <a:p>
-            <a:pPr algn="l"/>
-            <a:r>
-              <a:rPr lang="nl-BE" sz="1400" dirty="0">
-                <a:latin typeface="Cascadia Mono" panose="020B0609020000020004" pitchFamily="49" charset="0"/>
-                <a:ea typeface="Cascadia Mono" panose="020B0609020000020004" pitchFamily="49" charset="0"/>
-                <a:cs typeface="Cascadia Mono" panose="020B0609020000020004" pitchFamily="49" charset="0"/>
-                <a:sym typeface="Montserrat"/>
-              </a:rPr>
-              <a:t>11/02/2022</a:t>
-            </a:r>
-          </a:p>
-        </p:txBody>
-      </p:sp>
     </p:spTree>
   </p:cSld>
   <p:clrMapOvr>
@@ -15555,298 +15239,6 @@
           </a:p>
         </p:txBody>
       </p:sp>
-      <p:sp>
-        <p:nvSpPr>
-          <p:cNvPr id="11" name="Google Shape;69;p15">
-            <a:extLst>
-              <a:ext uri="{FF2B5EF4-FFF2-40B4-BE49-F238E27FC236}">
-                <a16:creationId xmlns:a16="http://schemas.microsoft.com/office/drawing/2014/main" id="{BD14DE67-020F-452C-AEF1-AFB107644D56}"/>
-              </a:ext>
-            </a:extLst>
-          </p:cNvPr>
-          <p:cNvSpPr txBox="1">
-            <a:spLocks/>
-          </p:cNvSpPr>
-          <p:nvPr/>
-        </p:nvSpPr>
-        <p:spPr>
-          <a:xfrm>
-            <a:off x="317513" y="6163056"/>
-            <a:ext cx="3140592" cy="438149"/>
-          </a:xfrm>
-          <a:prstGeom prst="rect">
-            <a:avLst/>
-          </a:prstGeom>
-          <a:noFill/>
-          <a:ln>
-            <a:noFill/>
-          </a:ln>
-        </p:spPr>
-        <p:txBody>
-          <a:bodyPr spcFirstLastPara="1" wrap="square" lIns="91425" tIns="91425" rIns="91425" bIns="91425" anchor="t" anchorCtr="0">
-            <a:noAutofit/>
-          </a:bodyPr>
-          <a:lstStyle>
-            <a:defPPr marR="0" lvl="0" algn="l" rtl="0">
-              <a:lnSpc>
-                <a:spcPct val="100000"/>
-              </a:lnSpc>
-              <a:spcBef>
-                <a:spcPts val="0"/>
-              </a:spcBef>
-              <a:spcAft>
-                <a:spcPts val="0"/>
-              </a:spcAft>
-            </a:defPPr>
-            <a:lvl1pPr marR="0" lvl="0" algn="ctr" rtl="0">
-              <a:lnSpc>
-                <a:spcPct val="100000"/>
-              </a:lnSpc>
-              <a:spcBef>
-                <a:spcPts val="0"/>
-              </a:spcBef>
-              <a:spcAft>
-                <a:spcPts val="0"/>
-              </a:spcAft>
-              <a:buClr>
-                <a:schemeClr val="dk1"/>
-              </a:buClr>
-              <a:buSzPts val="5200"/>
-              <a:buFont typeface="Arial"/>
-              <a:buNone/>
-              <a:defRPr sz="5200" b="0" i="0" u="none" strike="noStrike" cap="none">
-                <a:solidFill>
-                  <a:schemeClr val="dk1"/>
-                </a:solidFill>
-                <a:latin typeface="Arial"/>
-                <a:ea typeface="Arial"/>
-                <a:cs typeface="Arial"/>
-                <a:sym typeface="Arial"/>
-              </a:defRPr>
-            </a:lvl1pPr>
-            <a:lvl2pPr marR="0" lvl="1" algn="ctr" rtl="0">
-              <a:lnSpc>
-                <a:spcPct val="100000"/>
-              </a:lnSpc>
-              <a:spcBef>
-                <a:spcPts val="0"/>
-              </a:spcBef>
-              <a:spcAft>
-                <a:spcPts val="0"/>
-              </a:spcAft>
-              <a:buClr>
-                <a:schemeClr val="dk1"/>
-              </a:buClr>
-              <a:buSzPts val="5200"/>
-              <a:buFont typeface="Arial"/>
-              <a:buNone/>
-              <a:defRPr sz="5200" b="0" i="0" u="none" strike="noStrike" cap="none">
-                <a:solidFill>
-                  <a:schemeClr val="dk1"/>
-                </a:solidFill>
-                <a:latin typeface="Arial"/>
-                <a:ea typeface="Arial"/>
-                <a:cs typeface="Arial"/>
-                <a:sym typeface="Arial"/>
-              </a:defRPr>
-            </a:lvl2pPr>
-            <a:lvl3pPr marR="0" lvl="2" algn="ctr" rtl="0">
-              <a:lnSpc>
-                <a:spcPct val="100000"/>
-              </a:lnSpc>
-              <a:spcBef>
-                <a:spcPts val="0"/>
-              </a:spcBef>
-              <a:spcAft>
-                <a:spcPts val="0"/>
-              </a:spcAft>
-              <a:buClr>
-                <a:schemeClr val="dk1"/>
-              </a:buClr>
-              <a:buSzPts val="5200"/>
-              <a:buFont typeface="Arial"/>
-              <a:buNone/>
-              <a:defRPr sz="5200" b="0" i="0" u="none" strike="noStrike" cap="none">
-                <a:solidFill>
-                  <a:schemeClr val="dk1"/>
-                </a:solidFill>
-                <a:latin typeface="Arial"/>
-                <a:ea typeface="Arial"/>
-                <a:cs typeface="Arial"/>
-                <a:sym typeface="Arial"/>
-              </a:defRPr>
-            </a:lvl3pPr>
-            <a:lvl4pPr marR="0" lvl="3" algn="ctr" rtl="0">
-              <a:lnSpc>
-                <a:spcPct val="100000"/>
-              </a:lnSpc>
-              <a:spcBef>
-                <a:spcPts val="0"/>
-              </a:spcBef>
-              <a:spcAft>
-                <a:spcPts val="0"/>
-              </a:spcAft>
-              <a:buClr>
-                <a:schemeClr val="dk1"/>
-              </a:buClr>
-              <a:buSzPts val="5200"/>
-              <a:buFont typeface="Arial"/>
-              <a:buNone/>
-              <a:defRPr sz="5200" b="0" i="0" u="none" strike="noStrike" cap="none">
-                <a:solidFill>
-                  <a:schemeClr val="dk1"/>
-                </a:solidFill>
-                <a:latin typeface="Arial"/>
-                <a:ea typeface="Arial"/>
-                <a:cs typeface="Arial"/>
-                <a:sym typeface="Arial"/>
-              </a:defRPr>
-            </a:lvl4pPr>
-            <a:lvl5pPr marR="0" lvl="4" algn="ctr" rtl="0">
-              <a:lnSpc>
-                <a:spcPct val="100000"/>
-              </a:lnSpc>
-              <a:spcBef>
-                <a:spcPts val="0"/>
-              </a:spcBef>
-              <a:spcAft>
-                <a:spcPts val="0"/>
-              </a:spcAft>
-              <a:buClr>
-                <a:schemeClr val="dk1"/>
-              </a:buClr>
-              <a:buSzPts val="5200"/>
-              <a:buFont typeface="Arial"/>
-              <a:buNone/>
-              <a:defRPr sz="5200" b="0" i="0" u="none" strike="noStrike" cap="none">
-                <a:solidFill>
-                  <a:schemeClr val="dk1"/>
-                </a:solidFill>
-                <a:latin typeface="Arial"/>
-                <a:ea typeface="Arial"/>
-                <a:cs typeface="Arial"/>
-                <a:sym typeface="Arial"/>
-              </a:defRPr>
-            </a:lvl5pPr>
-            <a:lvl6pPr marR="0" lvl="5" algn="ctr" rtl="0">
-              <a:lnSpc>
-                <a:spcPct val="100000"/>
-              </a:lnSpc>
-              <a:spcBef>
-                <a:spcPts val="0"/>
-              </a:spcBef>
-              <a:spcAft>
-                <a:spcPts val="0"/>
-              </a:spcAft>
-              <a:buClr>
-                <a:schemeClr val="dk1"/>
-              </a:buClr>
-              <a:buSzPts val="5200"/>
-              <a:buFont typeface="Arial"/>
-              <a:buNone/>
-              <a:defRPr sz="5200" b="0" i="0" u="none" strike="noStrike" cap="none">
-                <a:solidFill>
-                  <a:schemeClr val="dk1"/>
-                </a:solidFill>
-                <a:latin typeface="Arial"/>
-                <a:ea typeface="Arial"/>
-                <a:cs typeface="Arial"/>
-                <a:sym typeface="Arial"/>
-              </a:defRPr>
-            </a:lvl6pPr>
-            <a:lvl7pPr marR="0" lvl="6" algn="ctr" rtl="0">
-              <a:lnSpc>
-                <a:spcPct val="100000"/>
-              </a:lnSpc>
-              <a:spcBef>
-                <a:spcPts val="0"/>
-              </a:spcBef>
-              <a:spcAft>
-                <a:spcPts val="0"/>
-              </a:spcAft>
-              <a:buClr>
-                <a:schemeClr val="dk1"/>
-              </a:buClr>
-              <a:buSzPts val="5200"/>
-              <a:buFont typeface="Arial"/>
-              <a:buNone/>
-              <a:defRPr sz="5200" b="0" i="0" u="none" strike="noStrike" cap="none">
-                <a:solidFill>
-                  <a:schemeClr val="dk1"/>
-                </a:solidFill>
-                <a:latin typeface="Arial"/>
-                <a:ea typeface="Arial"/>
-                <a:cs typeface="Arial"/>
-                <a:sym typeface="Arial"/>
-              </a:defRPr>
-            </a:lvl7pPr>
-            <a:lvl8pPr marR="0" lvl="7" algn="ctr" rtl="0">
-              <a:lnSpc>
-                <a:spcPct val="100000"/>
-              </a:lnSpc>
-              <a:spcBef>
-                <a:spcPts val="0"/>
-              </a:spcBef>
-              <a:spcAft>
-                <a:spcPts val="0"/>
-              </a:spcAft>
-              <a:buClr>
-                <a:schemeClr val="dk1"/>
-              </a:buClr>
-              <a:buSzPts val="5200"/>
-              <a:buFont typeface="Arial"/>
-              <a:buNone/>
-              <a:defRPr sz="5200" b="0" i="0" u="none" strike="noStrike" cap="none">
-                <a:solidFill>
-                  <a:schemeClr val="dk1"/>
-                </a:solidFill>
-                <a:latin typeface="Arial"/>
-                <a:ea typeface="Arial"/>
-                <a:cs typeface="Arial"/>
-                <a:sym typeface="Arial"/>
-              </a:defRPr>
-            </a:lvl8pPr>
-            <a:lvl9pPr marR="0" lvl="8" algn="ctr" rtl="0">
-              <a:lnSpc>
-                <a:spcPct val="100000"/>
-              </a:lnSpc>
-              <a:spcBef>
-                <a:spcPts val="0"/>
-              </a:spcBef>
-              <a:spcAft>
-                <a:spcPts val="0"/>
-              </a:spcAft>
-              <a:buClr>
-                <a:schemeClr val="dk1"/>
-              </a:buClr>
-              <a:buSzPts val="5200"/>
-              <a:buFont typeface="Arial"/>
-              <a:buNone/>
-              <a:defRPr sz="5200" b="0" i="0" u="none" strike="noStrike" cap="none">
-                <a:solidFill>
-                  <a:schemeClr val="dk1"/>
-                </a:solidFill>
-                <a:latin typeface="Arial"/>
-                <a:ea typeface="Arial"/>
-                <a:cs typeface="Arial"/>
-                <a:sym typeface="Arial"/>
-              </a:defRPr>
-            </a:lvl9pPr>
-          </a:lstStyle>
-          <a:p>
-            <a:pPr algn="l"/>
-            <a:r>
-              <a:rPr lang="nl-BE" sz="1400" dirty="0">
-                <a:latin typeface="Cascadia Mono" panose="020B0609020000020004" pitchFamily="49" charset="0"/>
-                <a:ea typeface="Cascadia Mono" panose="020B0609020000020004" pitchFamily="49" charset="0"/>
-                <a:cs typeface="Cascadia Mono" panose="020B0609020000020004" pitchFamily="49" charset="0"/>
-                <a:sym typeface="Montserrat"/>
-              </a:rPr>
-              <a:t>11/02/2022</a:t>
-            </a:r>
-          </a:p>
-        </p:txBody>
-      </p:sp>
     </p:spTree>
   </p:cSld>
   <p:clrMapOvr>
@@ -16262,298 +15654,6 @@
                 <a:sym typeface="Montserrat"/>
               </a:rPr>
               <a:t>Python Fundamentals - Les006</a:t>
-            </a:r>
-          </a:p>
-        </p:txBody>
-      </p:sp>
-      <p:sp>
-        <p:nvSpPr>
-          <p:cNvPr id="11" name="Google Shape;69;p15">
-            <a:extLst>
-              <a:ext uri="{FF2B5EF4-FFF2-40B4-BE49-F238E27FC236}">
-                <a16:creationId xmlns:a16="http://schemas.microsoft.com/office/drawing/2014/main" id="{4C5F9FEB-572A-4DBD-886E-D26E17989F44}"/>
-              </a:ext>
-            </a:extLst>
-          </p:cNvPr>
-          <p:cNvSpPr txBox="1">
-            <a:spLocks/>
-          </p:cNvSpPr>
-          <p:nvPr/>
-        </p:nvSpPr>
-        <p:spPr>
-          <a:xfrm>
-            <a:off x="317513" y="6163056"/>
-            <a:ext cx="3140592" cy="438149"/>
-          </a:xfrm>
-          <a:prstGeom prst="rect">
-            <a:avLst/>
-          </a:prstGeom>
-          <a:noFill/>
-          <a:ln>
-            <a:noFill/>
-          </a:ln>
-        </p:spPr>
-        <p:txBody>
-          <a:bodyPr spcFirstLastPara="1" wrap="square" lIns="91425" tIns="91425" rIns="91425" bIns="91425" anchor="t" anchorCtr="0">
-            <a:noAutofit/>
-          </a:bodyPr>
-          <a:lstStyle>
-            <a:defPPr marR="0" lvl="0" algn="l" rtl="0">
-              <a:lnSpc>
-                <a:spcPct val="100000"/>
-              </a:lnSpc>
-              <a:spcBef>
-                <a:spcPts val="0"/>
-              </a:spcBef>
-              <a:spcAft>
-                <a:spcPts val="0"/>
-              </a:spcAft>
-            </a:defPPr>
-            <a:lvl1pPr marR="0" lvl="0" algn="ctr" rtl="0">
-              <a:lnSpc>
-                <a:spcPct val="100000"/>
-              </a:lnSpc>
-              <a:spcBef>
-                <a:spcPts val="0"/>
-              </a:spcBef>
-              <a:spcAft>
-                <a:spcPts val="0"/>
-              </a:spcAft>
-              <a:buClr>
-                <a:schemeClr val="dk1"/>
-              </a:buClr>
-              <a:buSzPts val="5200"/>
-              <a:buFont typeface="Arial"/>
-              <a:buNone/>
-              <a:defRPr sz="5200" b="0" i="0" u="none" strike="noStrike" cap="none">
-                <a:solidFill>
-                  <a:schemeClr val="dk1"/>
-                </a:solidFill>
-                <a:latin typeface="Arial"/>
-                <a:ea typeface="Arial"/>
-                <a:cs typeface="Arial"/>
-                <a:sym typeface="Arial"/>
-              </a:defRPr>
-            </a:lvl1pPr>
-            <a:lvl2pPr marR="0" lvl="1" algn="ctr" rtl="0">
-              <a:lnSpc>
-                <a:spcPct val="100000"/>
-              </a:lnSpc>
-              <a:spcBef>
-                <a:spcPts val="0"/>
-              </a:spcBef>
-              <a:spcAft>
-                <a:spcPts val="0"/>
-              </a:spcAft>
-              <a:buClr>
-                <a:schemeClr val="dk1"/>
-              </a:buClr>
-              <a:buSzPts val="5200"/>
-              <a:buFont typeface="Arial"/>
-              <a:buNone/>
-              <a:defRPr sz="5200" b="0" i="0" u="none" strike="noStrike" cap="none">
-                <a:solidFill>
-                  <a:schemeClr val="dk1"/>
-                </a:solidFill>
-                <a:latin typeface="Arial"/>
-                <a:ea typeface="Arial"/>
-                <a:cs typeface="Arial"/>
-                <a:sym typeface="Arial"/>
-              </a:defRPr>
-            </a:lvl2pPr>
-            <a:lvl3pPr marR="0" lvl="2" algn="ctr" rtl="0">
-              <a:lnSpc>
-                <a:spcPct val="100000"/>
-              </a:lnSpc>
-              <a:spcBef>
-                <a:spcPts val="0"/>
-              </a:spcBef>
-              <a:spcAft>
-                <a:spcPts val="0"/>
-              </a:spcAft>
-              <a:buClr>
-                <a:schemeClr val="dk1"/>
-              </a:buClr>
-              <a:buSzPts val="5200"/>
-              <a:buFont typeface="Arial"/>
-              <a:buNone/>
-              <a:defRPr sz="5200" b="0" i="0" u="none" strike="noStrike" cap="none">
-                <a:solidFill>
-                  <a:schemeClr val="dk1"/>
-                </a:solidFill>
-                <a:latin typeface="Arial"/>
-                <a:ea typeface="Arial"/>
-                <a:cs typeface="Arial"/>
-                <a:sym typeface="Arial"/>
-              </a:defRPr>
-            </a:lvl3pPr>
-            <a:lvl4pPr marR="0" lvl="3" algn="ctr" rtl="0">
-              <a:lnSpc>
-                <a:spcPct val="100000"/>
-              </a:lnSpc>
-              <a:spcBef>
-                <a:spcPts val="0"/>
-              </a:spcBef>
-              <a:spcAft>
-                <a:spcPts val="0"/>
-              </a:spcAft>
-              <a:buClr>
-                <a:schemeClr val="dk1"/>
-              </a:buClr>
-              <a:buSzPts val="5200"/>
-              <a:buFont typeface="Arial"/>
-              <a:buNone/>
-              <a:defRPr sz="5200" b="0" i="0" u="none" strike="noStrike" cap="none">
-                <a:solidFill>
-                  <a:schemeClr val="dk1"/>
-                </a:solidFill>
-                <a:latin typeface="Arial"/>
-                <a:ea typeface="Arial"/>
-                <a:cs typeface="Arial"/>
-                <a:sym typeface="Arial"/>
-              </a:defRPr>
-            </a:lvl4pPr>
-            <a:lvl5pPr marR="0" lvl="4" algn="ctr" rtl="0">
-              <a:lnSpc>
-                <a:spcPct val="100000"/>
-              </a:lnSpc>
-              <a:spcBef>
-                <a:spcPts val="0"/>
-              </a:spcBef>
-              <a:spcAft>
-                <a:spcPts val="0"/>
-              </a:spcAft>
-              <a:buClr>
-                <a:schemeClr val="dk1"/>
-              </a:buClr>
-              <a:buSzPts val="5200"/>
-              <a:buFont typeface="Arial"/>
-              <a:buNone/>
-              <a:defRPr sz="5200" b="0" i="0" u="none" strike="noStrike" cap="none">
-                <a:solidFill>
-                  <a:schemeClr val="dk1"/>
-                </a:solidFill>
-                <a:latin typeface="Arial"/>
-                <a:ea typeface="Arial"/>
-                <a:cs typeface="Arial"/>
-                <a:sym typeface="Arial"/>
-              </a:defRPr>
-            </a:lvl5pPr>
-            <a:lvl6pPr marR="0" lvl="5" algn="ctr" rtl="0">
-              <a:lnSpc>
-                <a:spcPct val="100000"/>
-              </a:lnSpc>
-              <a:spcBef>
-                <a:spcPts val="0"/>
-              </a:spcBef>
-              <a:spcAft>
-                <a:spcPts val="0"/>
-              </a:spcAft>
-              <a:buClr>
-                <a:schemeClr val="dk1"/>
-              </a:buClr>
-              <a:buSzPts val="5200"/>
-              <a:buFont typeface="Arial"/>
-              <a:buNone/>
-              <a:defRPr sz="5200" b="0" i="0" u="none" strike="noStrike" cap="none">
-                <a:solidFill>
-                  <a:schemeClr val="dk1"/>
-                </a:solidFill>
-                <a:latin typeface="Arial"/>
-                <a:ea typeface="Arial"/>
-                <a:cs typeface="Arial"/>
-                <a:sym typeface="Arial"/>
-              </a:defRPr>
-            </a:lvl6pPr>
-            <a:lvl7pPr marR="0" lvl="6" algn="ctr" rtl="0">
-              <a:lnSpc>
-                <a:spcPct val="100000"/>
-              </a:lnSpc>
-              <a:spcBef>
-                <a:spcPts val="0"/>
-              </a:spcBef>
-              <a:spcAft>
-                <a:spcPts val="0"/>
-              </a:spcAft>
-              <a:buClr>
-                <a:schemeClr val="dk1"/>
-              </a:buClr>
-              <a:buSzPts val="5200"/>
-              <a:buFont typeface="Arial"/>
-              <a:buNone/>
-              <a:defRPr sz="5200" b="0" i="0" u="none" strike="noStrike" cap="none">
-                <a:solidFill>
-                  <a:schemeClr val="dk1"/>
-                </a:solidFill>
-                <a:latin typeface="Arial"/>
-                <a:ea typeface="Arial"/>
-                <a:cs typeface="Arial"/>
-                <a:sym typeface="Arial"/>
-              </a:defRPr>
-            </a:lvl7pPr>
-            <a:lvl8pPr marR="0" lvl="7" algn="ctr" rtl="0">
-              <a:lnSpc>
-                <a:spcPct val="100000"/>
-              </a:lnSpc>
-              <a:spcBef>
-                <a:spcPts val="0"/>
-              </a:spcBef>
-              <a:spcAft>
-                <a:spcPts val="0"/>
-              </a:spcAft>
-              <a:buClr>
-                <a:schemeClr val="dk1"/>
-              </a:buClr>
-              <a:buSzPts val="5200"/>
-              <a:buFont typeface="Arial"/>
-              <a:buNone/>
-              <a:defRPr sz="5200" b="0" i="0" u="none" strike="noStrike" cap="none">
-                <a:solidFill>
-                  <a:schemeClr val="dk1"/>
-                </a:solidFill>
-                <a:latin typeface="Arial"/>
-                <a:ea typeface="Arial"/>
-                <a:cs typeface="Arial"/>
-                <a:sym typeface="Arial"/>
-              </a:defRPr>
-            </a:lvl8pPr>
-            <a:lvl9pPr marR="0" lvl="8" algn="ctr" rtl="0">
-              <a:lnSpc>
-                <a:spcPct val="100000"/>
-              </a:lnSpc>
-              <a:spcBef>
-                <a:spcPts val="0"/>
-              </a:spcBef>
-              <a:spcAft>
-                <a:spcPts val="0"/>
-              </a:spcAft>
-              <a:buClr>
-                <a:schemeClr val="dk1"/>
-              </a:buClr>
-              <a:buSzPts val="5200"/>
-              <a:buFont typeface="Arial"/>
-              <a:buNone/>
-              <a:defRPr sz="5200" b="0" i="0" u="none" strike="noStrike" cap="none">
-                <a:solidFill>
-                  <a:schemeClr val="dk1"/>
-                </a:solidFill>
-                <a:latin typeface="Arial"/>
-                <a:ea typeface="Arial"/>
-                <a:cs typeface="Arial"/>
-                <a:sym typeface="Arial"/>
-              </a:defRPr>
-            </a:lvl9pPr>
-          </a:lstStyle>
-          <a:p>
-            <a:pPr algn="l"/>
-            <a:r>
-              <a:rPr lang="nl-BE" sz="1400" dirty="0">
-                <a:latin typeface="Cascadia Mono" panose="020B0609020000020004" pitchFamily="49" charset="0"/>
-                <a:ea typeface="Cascadia Mono" panose="020B0609020000020004" pitchFamily="49" charset="0"/>
-                <a:cs typeface="Cascadia Mono" panose="020B0609020000020004" pitchFamily="49" charset="0"/>
-                <a:sym typeface="Montserrat"/>
-              </a:rPr>
-              <a:t>11/02/2022</a:t>
             </a:r>
           </a:p>
         </p:txBody>
@@ -17192,298 +16292,6 @@
       </p:sp>
       <p:sp>
         <p:nvSpPr>
-          <p:cNvPr id="11" name="Google Shape;69;p15">
-            <a:extLst>
-              <a:ext uri="{FF2B5EF4-FFF2-40B4-BE49-F238E27FC236}">
-                <a16:creationId xmlns:a16="http://schemas.microsoft.com/office/drawing/2014/main" id="{D1061F39-C74C-4DC0-B7F2-F56F58CFA0FA}"/>
-              </a:ext>
-            </a:extLst>
-          </p:cNvPr>
-          <p:cNvSpPr txBox="1">
-            <a:spLocks/>
-          </p:cNvSpPr>
-          <p:nvPr/>
-        </p:nvSpPr>
-        <p:spPr>
-          <a:xfrm>
-            <a:off x="317513" y="6163056"/>
-            <a:ext cx="3140592" cy="438149"/>
-          </a:xfrm>
-          <a:prstGeom prst="rect">
-            <a:avLst/>
-          </a:prstGeom>
-          <a:noFill/>
-          <a:ln>
-            <a:noFill/>
-          </a:ln>
-        </p:spPr>
-        <p:txBody>
-          <a:bodyPr spcFirstLastPara="1" wrap="square" lIns="91425" tIns="91425" rIns="91425" bIns="91425" anchor="t" anchorCtr="0">
-            <a:noAutofit/>
-          </a:bodyPr>
-          <a:lstStyle>
-            <a:defPPr marR="0" lvl="0" algn="l" rtl="0">
-              <a:lnSpc>
-                <a:spcPct val="100000"/>
-              </a:lnSpc>
-              <a:spcBef>
-                <a:spcPts val="0"/>
-              </a:spcBef>
-              <a:spcAft>
-                <a:spcPts val="0"/>
-              </a:spcAft>
-            </a:defPPr>
-            <a:lvl1pPr marR="0" lvl="0" algn="ctr" rtl="0">
-              <a:lnSpc>
-                <a:spcPct val="100000"/>
-              </a:lnSpc>
-              <a:spcBef>
-                <a:spcPts val="0"/>
-              </a:spcBef>
-              <a:spcAft>
-                <a:spcPts val="0"/>
-              </a:spcAft>
-              <a:buClr>
-                <a:schemeClr val="dk1"/>
-              </a:buClr>
-              <a:buSzPts val="5200"/>
-              <a:buFont typeface="Arial"/>
-              <a:buNone/>
-              <a:defRPr sz="5200" b="0" i="0" u="none" strike="noStrike" cap="none">
-                <a:solidFill>
-                  <a:schemeClr val="dk1"/>
-                </a:solidFill>
-                <a:latin typeface="Arial"/>
-                <a:ea typeface="Arial"/>
-                <a:cs typeface="Arial"/>
-                <a:sym typeface="Arial"/>
-              </a:defRPr>
-            </a:lvl1pPr>
-            <a:lvl2pPr marR="0" lvl="1" algn="ctr" rtl="0">
-              <a:lnSpc>
-                <a:spcPct val="100000"/>
-              </a:lnSpc>
-              <a:spcBef>
-                <a:spcPts val="0"/>
-              </a:spcBef>
-              <a:spcAft>
-                <a:spcPts val="0"/>
-              </a:spcAft>
-              <a:buClr>
-                <a:schemeClr val="dk1"/>
-              </a:buClr>
-              <a:buSzPts val="5200"/>
-              <a:buFont typeface="Arial"/>
-              <a:buNone/>
-              <a:defRPr sz="5200" b="0" i="0" u="none" strike="noStrike" cap="none">
-                <a:solidFill>
-                  <a:schemeClr val="dk1"/>
-                </a:solidFill>
-                <a:latin typeface="Arial"/>
-                <a:ea typeface="Arial"/>
-                <a:cs typeface="Arial"/>
-                <a:sym typeface="Arial"/>
-              </a:defRPr>
-            </a:lvl2pPr>
-            <a:lvl3pPr marR="0" lvl="2" algn="ctr" rtl="0">
-              <a:lnSpc>
-                <a:spcPct val="100000"/>
-              </a:lnSpc>
-              <a:spcBef>
-                <a:spcPts val="0"/>
-              </a:spcBef>
-              <a:spcAft>
-                <a:spcPts val="0"/>
-              </a:spcAft>
-              <a:buClr>
-                <a:schemeClr val="dk1"/>
-              </a:buClr>
-              <a:buSzPts val="5200"/>
-              <a:buFont typeface="Arial"/>
-              <a:buNone/>
-              <a:defRPr sz="5200" b="0" i="0" u="none" strike="noStrike" cap="none">
-                <a:solidFill>
-                  <a:schemeClr val="dk1"/>
-                </a:solidFill>
-                <a:latin typeface="Arial"/>
-                <a:ea typeface="Arial"/>
-                <a:cs typeface="Arial"/>
-                <a:sym typeface="Arial"/>
-              </a:defRPr>
-            </a:lvl3pPr>
-            <a:lvl4pPr marR="0" lvl="3" algn="ctr" rtl="0">
-              <a:lnSpc>
-                <a:spcPct val="100000"/>
-              </a:lnSpc>
-              <a:spcBef>
-                <a:spcPts val="0"/>
-              </a:spcBef>
-              <a:spcAft>
-                <a:spcPts val="0"/>
-              </a:spcAft>
-              <a:buClr>
-                <a:schemeClr val="dk1"/>
-              </a:buClr>
-              <a:buSzPts val="5200"/>
-              <a:buFont typeface="Arial"/>
-              <a:buNone/>
-              <a:defRPr sz="5200" b="0" i="0" u="none" strike="noStrike" cap="none">
-                <a:solidFill>
-                  <a:schemeClr val="dk1"/>
-                </a:solidFill>
-                <a:latin typeface="Arial"/>
-                <a:ea typeface="Arial"/>
-                <a:cs typeface="Arial"/>
-                <a:sym typeface="Arial"/>
-              </a:defRPr>
-            </a:lvl4pPr>
-            <a:lvl5pPr marR="0" lvl="4" algn="ctr" rtl="0">
-              <a:lnSpc>
-                <a:spcPct val="100000"/>
-              </a:lnSpc>
-              <a:spcBef>
-                <a:spcPts val="0"/>
-              </a:spcBef>
-              <a:spcAft>
-                <a:spcPts val="0"/>
-              </a:spcAft>
-              <a:buClr>
-                <a:schemeClr val="dk1"/>
-              </a:buClr>
-              <a:buSzPts val="5200"/>
-              <a:buFont typeface="Arial"/>
-              <a:buNone/>
-              <a:defRPr sz="5200" b="0" i="0" u="none" strike="noStrike" cap="none">
-                <a:solidFill>
-                  <a:schemeClr val="dk1"/>
-                </a:solidFill>
-                <a:latin typeface="Arial"/>
-                <a:ea typeface="Arial"/>
-                <a:cs typeface="Arial"/>
-                <a:sym typeface="Arial"/>
-              </a:defRPr>
-            </a:lvl5pPr>
-            <a:lvl6pPr marR="0" lvl="5" algn="ctr" rtl="0">
-              <a:lnSpc>
-                <a:spcPct val="100000"/>
-              </a:lnSpc>
-              <a:spcBef>
-                <a:spcPts val="0"/>
-              </a:spcBef>
-              <a:spcAft>
-                <a:spcPts val="0"/>
-              </a:spcAft>
-              <a:buClr>
-                <a:schemeClr val="dk1"/>
-              </a:buClr>
-              <a:buSzPts val="5200"/>
-              <a:buFont typeface="Arial"/>
-              <a:buNone/>
-              <a:defRPr sz="5200" b="0" i="0" u="none" strike="noStrike" cap="none">
-                <a:solidFill>
-                  <a:schemeClr val="dk1"/>
-                </a:solidFill>
-                <a:latin typeface="Arial"/>
-                <a:ea typeface="Arial"/>
-                <a:cs typeface="Arial"/>
-                <a:sym typeface="Arial"/>
-              </a:defRPr>
-            </a:lvl6pPr>
-            <a:lvl7pPr marR="0" lvl="6" algn="ctr" rtl="0">
-              <a:lnSpc>
-                <a:spcPct val="100000"/>
-              </a:lnSpc>
-              <a:spcBef>
-                <a:spcPts val="0"/>
-              </a:spcBef>
-              <a:spcAft>
-                <a:spcPts val="0"/>
-              </a:spcAft>
-              <a:buClr>
-                <a:schemeClr val="dk1"/>
-              </a:buClr>
-              <a:buSzPts val="5200"/>
-              <a:buFont typeface="Arial"/>
-              <a:buNone/>
-              <a:defRPr sz="5200" b="0" i="0" u="none" strike="noStrike" cap="none">
-                <a:solidFill>
-                  <a:schemeClr val="dk1"/>
-                </a:solidFill>
-                <a:latin typeface="Arial"/>
-                <a:ea typeface="Arial"/>
-                <a:cs typeface="Arial"/>
-                <a:sym typeface="Arial"/>
-              </a:defRPr>
-            </a:lvl7pPr>
-            <a:lvl8pPr marR="0" lvl="7" algn="ctr" rtl="0">
-              <a:lnSpc>
-                <a:spcPct val="100000"/>
-              </a:lnSpc>
-              <a:spcBef>
-                <a:spcPts val="0"/>
-              </a:spcBef>
-              <a:spcAft>
-                <a:spcPts val="0"/>
-              </a:spcAft>
-              <a:buClr>
-                <a:schemeClr val="dk1"/>
-              </a:buClr>
-              <a:buSzPts val="5200"/>
-              <a:buFont typeface="Arial"/>
-              <a:buNone/>
-              <a:defRPr sz="5200" b="0" i="0" u="none" strike="noStrike" cap="none">
-                <a:solidFill>
-                  <a:schemeClr val="dk1"/>
-                </a:solidFill>
-                <a:latin typeface="Arial"/>
-                <a:ea typeface="Arial"/>
-                <a:cs typeface="Arial"/>
-                <a:sym typeface="Arial"/>
-              </a:defRPr>
-            </a:lvl8pPr>
-            <a:lvl9pPr marR="0" lvl="8" algn="ctr" rtl="0">
-              <a:lnSpc>
-                <a:spcPct val="100000"/>
-              </a:lnSpc>
-              <a:spcBef>
-                <a:spcPts val="0"/>
-              </a:spcBef>
-              <a:spcAft>
-                <a:spcPts val="0"/>
-              </a:spcAft>
-              <a:buClr>
-                <a:schemeClr val="dk1"/>
-              </a:buClr>
-              <a:buSzPts val="5200"/>
-              <a:buFont typeface="Arial"/>
-              <a:buNone/>
-              <a:defRPr sz="5200" b="0" i="0" u="none" strike="noStrike" cap="none">
-                <a:solidFill>
-                  <a:schemeClr val="dk1"/>
-                </a:solidFill>
-                <a:latin typeface="Arial"/>
-                <a:ea typeface="Arial"/>
-                <a:cs typeface="Arial"/>
-                <a:sym typeface="Arial"/>
-              </a:defRPr>
-            </a:lvl9pPr>
-          </a:lstStyle>
-          <a:p>
-            <a:pPr algn="l"/>
-            <a:r>
-              <a:rPr lang="nl-BE" sz="1400" dirty="0">
-                <a:latin typeface="Cascadia Mono" panose="020B0609020000020004" pitchFamily="49" charset="0"/>
-                <a:ea typeface="Cascadia Mono" panose="020B0609020000020004" pitchFamily="49" charset="0"/>
-                <a:cs typeface="Cascadia Mono" panose="020B0609020000020004" pitchFamily="49" charset="0"/>
-                <a:sym typeface="Montserrat"/>
-              </a:rPr>
-              <a:t>11/02/2022</a:t>
-            </a:r>
-          </a:p>
-        </p:txBody>
-      </p:sp>
-      <p:sp>
-        <p:nvSpPr>
           <p:cNvPr id="14" name="Google Shape;110;p20">
             <a:extLst>
               <a:ext uri="{FF2B5EF4-FFF2-40B4-BE49-F238E27FC236}">
@@ -18651,298 +17459,6 @@
                 <a:sym typeface="Montserrat"/>
               </a:rPr>
               <a:t>Python Fundamentals - Les006</a:t>
-            </a:r>
-          </a:p>
-        </p:txBody>
-      </p:sp>
-      <p:sp>
-        <p:nvSpPr>
-          <p:cNvPr id="11" name="Google Shape;69;p15">
-            <a:extLst>
-              <a:ext uri="{FF2B5EF4-FFF2-40B4-BE49-F238E27FC236}">
-                <a16:creationId xmlns:a16="http://schemas.microsoft.com/office/drawing/2014/main" id="{86C76DE2-CE24-44EF-88A7-15F6A30009BA}"/>
-              </a:ext>
-            </a:extLst>
-          </p:cNvPr>
-          <p:cNvSpPr txBox="1">
-            <a:spLocks/>
-          </p:cNvSpPr>
-          <p:nvPr/>
-        </p:nvSpPr>
-        <p:spPr>
-          <a:xfrm>
-            <a:off x="317513" y="6163056"/>
-            <a:ext cx="3140592" cy="438149"/>
-          </a:xfrm>
-          <a:prstGeom prst="rect">
-            <a:avLst/>
-          </a:prstGeom>
-          <a:noFill/>
-          <a:ln>
-            <a:noFill/>
-          </a:ln>
-        </p:spPr>
-        <p:txBody>
-          <a:bodyPr spcFirstLastPara="1" wrap="square" lIns="91425" tIns="91425" rIns="91425" bIns="91425" anchor="t" anchorCtr="0">
-            <a:noAutofit/>
-          </a:bodyPr>
-          <a:lstStyle>
-            <a:defPPr marR="0" lvl="0" algn="l" rtl="0">
-              <a:lnSpc>
-                <a:spcPct val="100000"/>
-              </a:lnSpc>
-              <a:spcBef>
-                <a:spcPts val="0"/>
-              </a:spcBef>
-              <a:spcAft>
-                <a:spcPts val="0"/>
-              </a:spcAft>
-            </a:defPPr>
-            <a:lvl1pPr marR="0" lvl="0" algn="ctr" rtl="0">
-              <a:lnSpc>
-                <a:spcPct val="100000"/>
-              </a:lnSpc>
-              <a:spcBef>
-                <a:spcPts val="0"/>
-              </a:spcBef>
-              <a:spcAft>
-                <a:spcPts val="0"/>
-              </a:spcAft>
-              <a:buClr>
-                <a:schemeClr val="dk1"/>
-              </a:buClr>
-              <a:buSzPts val="5200"/>
-              <a:buFont typeface="Arial"/>
-              <a:buNone/>
-              <a:defRPr sz="5200" b="0" i="0" u="none" strike="noStrike" cap="none">
-                <a:solidFill>
-                  <a:schemeClr val="dk1"/>
-                </a:solidFill>
-                <a:latin typeface="Arial"/>
-                <a:ea typeface="Arial"/>
-                <a:cs typeface="Arial"/>
-                <a:sym typeface="Arial"/>
-              </a:defRPr>
-            </a:lvl1pPr>
-            <a:lvl2pPr marR="0" lvl="1" algn="ctr" rtl="0">
-              <a:lnSpc>
-                <a:spcPct val="100000"/>
-              </a:lnSpc>
-              <a:spcBef>
-                <a:spcPts val="0"/>
-              </a:spcBef>
-              <a:spcAft>
-                <a:spcPts val="0"/>
-              </a:spcAft>
-              <a:buClr>
-                <a:schemeClr val="dk1"/>
-              </a:buClr>
-              <a:buSzPts val="5200"/>
-              <a:buFont typeface="Arial"/>
-              <a:buNone/>
-              <a:defRPr sz="5200" b="0" i="0" u="none" strike="noStrike" cap="none">
-                <a:solidFill>
-                  <a:schemeClr val="dk1"/>
-                </a:solidFill>
-                <a:latin typeface="Arial"/>
-                <a:ea typeface="Arial"/>
-                <a:cs typeface="Arial"/>
-                <a:sym typeface="Arial"/>
-              </a:defRPr>
-            </a:lvl2pPr>
-            <a:lvl3pPr marR="0" lvl="2" algn="ctr" rtl="0">
-              <a:lnSpc>
-                <a:spcPct val="100000"/>
-              </a:lnSpc>
-              <a:spcBef>
-                <a:spcPts val="0"/>
-              </a:spcBef>
-              <a:spcAft>
-                <a:spcPts val="0"/>
-              </a:spcAft>
-              <a:buClr>
-                <a:schemeClr val="dk1"/>
-              </a:buClr>
-              <a:buSzPts val="5200"/>
-              <a:buFont typeface="Arial"/>
-              <a:buNone/>
-              <a:defRPr sz="5200" b="0" i="0" u="none" strike="noStrike" cap="none">
-                <a:solidFill>
-                  <a:schemeClr val="dk1"/>
-                </a:solidFill>
-                <a:latin typeface="Arial"/>
-                <a:ea typeface="Arial"/>
-                <a:cs typeface="Arial"/>
-                <a:sym typeface="Arial"/>
-              </a:defRPr>
-            </a:lvl3pPr>
-            <a:lvl4pPr marR="0" lvl="3" algn="ctr" rtl="0">
-              <a:lnSpc>
-                <a:spcPct val="100000"/>
-              </a:lnSpc>
-              <a:spcBef>
-                <a:spcPts val="0"/>
-              </a:spcBef>
-              <a:spcAft>
-                <a:spcPts val="0"/>
-              </a:spcAft>
-              <a:buClr>
-                <a:schemeClr val="dk1"/>
-              </a:buClr>
-              <a:buSzPts val="5200"/>
-              <a:buFont typeface="Arial"/>
-              <a:buNone/>
-              <a:defRPr sz="5200" b="0" i="0" u="none" strike="noStrike" cap="none">
-                <a:solidFill>
-                  <a:schemeClr val="dk1"/>
-                </a:solidFill>
-                <a:latin typeface="Arial"/>
-                <a:ea typeface="Arial"/>
-                <a:cs typeface="Arial"/>
-                <a:sym typeface="Arial"/>
-              </a:defRPr>
-            </a:lvl4pPr>
-            <a:lvl5pPr marR="0" lvl="4" algn="ctr" rtl="0">
-              <a:lnSpc>
-                <a:spcPct val="100000"/>
-              </a:lnSpc>
-              <a:spcBef>
-                <a:spcPts val="0"/>
-              </a:spcBef>
-              <a:spcAft>
-                <a:spcPts val="0"/>
-              </a:spcAft>
-              <a:buClr>
-                <a:schemeClr val="dk1"/>
-              </a:buClr>
-              <a:buSzPts val="5200"/>
-              <a:buFont typeface="Arial"/>
-              <a:buNone/>
-              <a:defRPr sz="5200" b="0" i="0" u="none" strike="noStrike" cap="none">
-                <a:solidFill>
-                  <a:schemeClr val="dk1"/>
-                </a:solidFill>
-                <a:latin typeface="Arial"/>
-                <a:ea typeface="Arial"/>
-                <a:cs typeface="Arial"/>
-                <a:sym typeface="Arial"/>
-              </a:defRPr>
-            </a:lvl5pPr>
-            <a:lvl6pPr marR="0" lvl="5" algn="ctr" rtl="0">
-              <a:lnSpc>
-                <a:spcPct val="100000"/>
-              </a:lnSpc>
-              <a:spcBef>
-                <a:spcPts val="0"/>
-              </a:spcBef>
-              <a:spcAft>
-                <a:spcPts val="0"/>
-              </a:spcAft>
-              <a:buClr>
-                <a:schemeClr val="dk1"/>
-              </a:buClr>
-              <a:buSzPts val="5200"/>
-              <a:buFont typeface="Arial"/>
-              <a:buNone/>
-              <a:defRPr sz="5200" b="0" i="0" u="none" strike="noStrike" cap="none">
-                <a:solidFill>
-                  <a:schemeClr val="dk1"/>
-                </a:solidFill>
-                <a:latin typeface="Arial"/>
-                <a:ea typeface="Arial"/>
-                <a:cs typeface="Arial"/>
-                <a:sym typeface="Arial"/>
-              </a:defRPr>
-            </a:lvl6pPr>
-            <a:lvl7pPr marR="0" lvl="6" algn="ctr" rtl="0">
-              <a:lnSpc>
-                <a:spcPct val="100000"/>
-              </a:lnSpc>
-              <a:spcBef>
-                <a:spcPts val="0"/>
-              </a:spcBef>
-              <a:spcAft>
-                <a:spcPts val="0"/>
-              </a:spcAft>
-              <a:buClr>
-                <a:schemeClr val="dk1"/>
-              </a:buClr>
-              <a:buSzPts val="5200"/>
-              <a:buFont typeface="Arial"/>
-              <a:buNone/>
-              <a:defRPr sz="5200" b="0" i="0" u="none" strike="noStrike" cap="none">
-                <a:solidFill>
-                  <a:schemeClr val="dk1"/>
-                </a:solidFill>
-                <a:latin typeface="Arial"/>
-                <a:ea typeface="Arial"/>
-                <a:cs typeface="Arial"/>
-                <a:sym typeface="Arial"/>
-              </a:defRPr>
-            </a:lvl7pPr>
-            <a:lvl8pPr marR="0" lvl="7" algn="ctr" rtl="0">
-              <a:lnSpc>
-                <a:spcPct val="100000"/>
-              </a:lnSpc>
-              <a:spcBef>
-                <a:spcPts val="0"/>
-              </a:spcBef>
-              <a:spcAft>
-                <a:spcPts val="0"/>
-              </a:spcAft>
-              <a:buClr>
-                <a:schemeClr val="dk1"/>
-              </a:buClr>
-              <a:buSzPts val="5200"/>
-              <a:buFont typeface="Arial"/>
-              <a:buNone/>
-              <a:defRPr sz="5200" b="0" i="0" u="none" strike="noStrike" cap="none">
-                <a:solidFill>
-                  <a:schemeClr val="dk1"/>
-                </a:solidFill>
-                <a:latin typeface="Arial"/>
-                <a:ea typeface="Arial"/>
-                <a:cs typeface="Arial"/>
-                <a:sym typeface="Arial"/>
-              </a:defRPr>
-            </a:lvl8pPr>
-            <a:lvl9pPr marR="0" lvl="8" algn="ctr" rtl="0">
-              <a:lnSpc>
-                <a:spcPct val="100000"/>
-              </a:lnSpc>
-              <a:spcBef>
-                <a:spcPts val="0"/>
-              </a:spcBef>
-              <a:spcAft>
-                <a:spcPts val="0"/>
-              </a:spcAft>
-              <a:buClr>
-                <a:schemeClr val="dk1"/>
-              </a:buClr>
-              <a:buSzPts val="5200"/>
-              <a:buFont typeface="Arial"/>
-              <a:buNone/>
-              <a:defRPr sz="5200" b="0" i="0" u="none" strike="noStrike" cap="none">
-                <a:solidFill>
-                  <a:schemeClr val="dk1"/>
-                </a:solidFill>
-                <a:latin typeface="Arial"/>
-                <a:ea typeface="Arial"/>
-                <a:cs typeface="Arial"/>
-                <a:sym typeface="Arial"/>
-              </a:defRPr>
-            </a:lvl9pPr>
-          </a:lstStyle>
-          <a:p>
-            <a:pPr algn="l"/>
-            <a:r>
-              <a:rPr lang="nl-BE" sz="1400" dirty="0">
-                <a:latin typeface="Cascadia Mono" panose="020B0609020000020004" pitchFamily="49" charset="0"/>
-                <a:ea typeface="Cascadia Mono" panose="020B0609020000020004" pitchFamily="49" charset="0"/>
-                <a:cs typeface="Cascadia Mono" panose="020B0609020000020004" pitchFamily="49" charset="0"/>
-                <a:sym typeface="Montserrat"/>
-              </a:rPr>
-              <a:t>11/02/2022</a:t>
             </a:r>
           </a:p>
         </p:txBody>
@@ -19436,298 +17952,6 @@
                 <a:sym typeface="Montserrat"/>
               </a:rPr>
               <a:t>Python Fundamentals - Les006</a:t>
-            </a:r>
-          </a:p>
-        </p:txBody>
-      </p:sp>
-      <p:sp>
-        <p:nvSpPr>
-          <p:cNvPr id="10" name="Google Shape;69;p15">
-            <a:extLst>
-              <a:ext uri="{FF2B5EF4-FFF2-40B4-BE49-F238E27FC236}">
-                <a16:creationId xmlns:a16="http://schemas.microsoft.com/office/drawing/2014/main" id="{C8B8BD9E-25CB-4918-8D79-9A4A3E4BC1CB}"/>
-              </a:ext>
-            </a:extLst>
-          </p:cNvPr>
-          <p:cNvSpPr txBox="1">
-            <a:spLocks/>
-          </p:cNvSpPr>
-          <p:nvPr/>
-        </p:nvSpPr>
-        <p:spPr>
-          <a:xfrm>
-            <a:off x="317513" y="6163056"/>
-            <a:ext cx="3140592" cy="438149"/>
-          </a:xfrm>
-          <a:prstGeom prst="rect">
-            <a:avLst/>
-          </a:prstGeom>
-          <a:noFill/>
-          <a:ln>
-            <a:noFill/>
-          </a:ln>
-        </p:spPr>
-        <p:txBody>
-          <a:bodyPr spcFirstLastPara="1" wrap="square" lIns="91425" tIns="91425" rIns="91425" bIns="91425" anchor="t" anchorCtr="0">
-            <a:noAutofit/>
-          </a:bodyPr>
-          <a:lstStyle>
-            <a:defPPr marR="0" lvl="0" algn="l" rtl="0">
-              <a:lnSpc>
-                <a:spcPct val="100000"/>
-              </a:lnSpc>
-              <a:spcBef>
-                <a:spcPts val="0"/>
-              </a:spcBef>
-              <a:spcAft>
-                <a:spcPts val="0"/>
-              </a:spcAft>
-            </a:defPPr>
-            <a:lvl1pPr marR="0" lvl="0" algn="ctr" rtl="0">
-              <a:lnSpc>
-                <a:spcPct val="100000"/>
-              </a:lnSpc>
-              <a:spcBef>
-                <a:spcPts val="0"/>
-              </a:spcBef>
-              <a:spcAft>
-                <a:spcPts val="0"/>
-              </a:spcAft>
-              <a:buClr>
-                <a:schemeClr val="dk1"/>
-              </a:buClr>
-              <a:buSzPts val="5200"/>
-              <a:buFont typeface="Arial"/>
-              <a:buNone/>
-              <a:defRPr sz="5200" b="0" i="0" u="none" strike="noStrike" cap="none">
-                <a:solidFill>
-                  <a:schemeClr val="dk1"/>
-                </a:solidFill>
-                <a:latin typeface="Arial"/>
-                <a:ea typeface="Arial"/>
-                <a:cs typeface="Arial"/>
-                <a:sym typeface="Arial"/>
-              </a:defRPr>
-            </a:lvl1pPr>
-            <a:lvl2pPr marR="0" lvl="1" algn="ctr" rtl="0">
-              <a:lnSpc>
-                <a:spcPct val="100000"/>
-              </a:lnSpc>
-              <a:spcBef>
-                <a:spcPts val="0"/>
-              </a:spcBef>
-              <a:spcAft>
-                <a:spcPts val="0"/>
-              </a:spcAft>
-              <a:buClr>
-                <a:schemeClr val="dk1"/>
-              </a:buClr>
-              <a:buSzPts val="5200"/>
-              <a:buFont typeface="Arial"/>
-              <a:buNone/>
-              <a:defRPr sz="5200" b="0" i="0" u="none" strike="noStrike" cap="none">
-                <a:solidFill>
-                  <a:schemeClr val="dk1"/>
-                </a:solidFill>
-                <a:latin typeface="Arial"/>
-                <a:ea typeface="Arial"/>
-                <a:cs typeface="Arial"/>
-                <a:sym typeface="Arial"/>
-              </a:defRPr>
-            </a:lvl2pPr>
-            <a:lvl3pPr marR="0" lvl="2" algn="ctr" rtl="0">
-              <a:lnSpc>
-                <a:spcPct val="100000"/>
-              </a:lnSpc>
-              <a:spcBef>
-                <a:spcPts val="0"/>
-              </a:spcBef>
-              <a:spcAft>
-                <a:spcPts val="0"/>
-              </a:spcAft>
-              <a:buClr>
-                <a:schemeClr val="dk1"/>
-              </a:buClr>
-              <a:buSzPts val="5200"/>
-              <a:buFont typeface="Arial"/>
-              <a:buNone/>
-              <a:defRPr sz="5200" b="0" i="0" u="none" strike="noStrike" cap="none">
-                <a:solidFill>
-                  <a:schemeClr val="dk1"/>
-                </a:solidFill>
-                <a:latin typeface="Arial"/>
-                <a:ea typeface="Arial"/>
-                <a:cs typeface="Arial"/>
-                <a:sym typeface="Arial"/>
-              </a:defRPr>
-            </a:lvl3pPr>
-            <a:lvl4pPr marR="0" lvl="3" algn="ctr" rtl="0">
-              <a:lnSpc>
-                <a:spcPct val="100000"/>
-              </a:lnSpc>
-              <a:spcBef>
-                <a:spcPts val="0"/>
-              </a:spcBef>
-              <a:spcAft>
-                <a:spcPts val="0"/>
-              </a:spcAft>
-              <a:buClr>
-                <a:schemeClr val="dk1"/>
-              </a:buClr>
-              <a:buSzPts val="5200"/>
-              <a:buFont typeface="Arial"/>
-              <a:buNone/>
-              <a:defRPr sz="5200" b="0" i="0" u="none" strike="noStrike" cap="none">
-                <a:solidFill>
-                  <a:schemeClr val="dk1"/>
-                </a:solidFill>
-                <a:latin typeface="Arial"/>
-                <a:ea typeface="Arial"/>
-                <a:cs typeface="Arial"/>
-                <a:sym typeface="Arial"/>
-              </a:defRPr>
-            </a:lvl4pPr>
-            <a:lvl5pPr marR="0" lvl="4" algn="ctr" rtl="0">
-              <a:lnSpc>
-                <a:spcPct val="100000"/>
-              </a:lnSpc>
-              <a:spcBef>
-                <a:spcPts val="0"/>
-              </a:spcBef>
-              <a:spcAft>
-                <a:spcPts val="0"/>
-              </a:spcAft>
-              <a:buClr>
-                <a:schemeClr val="dk1"/>
-              </a:buClr>
-              <a:buSzPts val="5200"/>
-              <a:buFont typeface="Arial"/>
-              <a:buNone/>
-              <a:defRPr sz="5200" b="0" i="0" u="none" strike="noStrike" cap="none">
-                <a:solidFill>
-                  <a:schemeClr val="dk1"/>
-                </a:solidFill>
-                <a:latin typeface="Arial"/>
-                <a:ea typeface="Arial"/>
-                <a:cs typeface="Arial"/>
-                <a:sym typeface="Arial"/>
-              </a:defRPr>
-            </a:lvl5pPr>
-            <a:lvl6pPr marR="0" lvl="5" algn="ctr" rtl="0">
-              <a:lnSpc>
-                <a:spcPct val="100000"/>
-              </a:lnSpc>
-              <a:spcBef>
-                <a:spcPts val="0"/>
-              </a:spcBef>
-              <a:spcAft>
-                <a:spcPts val="0"/>
-              </a:spcAft>
-              <a:buClr>
-                <a:schemeClr val="dk1"/>
-              </a:buClr>
-              <a:buSzPts val="5200"/>
-              <a:buFont typeface="Arial"/>
-              <a:buNone/>
-              <a:defRPr sz="5200" b="0" i="0" u="none" strike="noStrike" cap="none">
-                <a:solidFill>
-                  <a:schemeClr val="dk1"/>
-                </a:solidFill>
-                <a:latin typeface="Arial"/>
-                <a:ea typeface="Arial"/>
-                <a:cs typeface="Arial"/>
-                <a:sym typeface="Arial"/>
-              </a:defRPr>
-            </a:lvl6pPr>
-            <a:lvl7pPr marR="0" lvl="6" algn="ctr" rtl="0">
-              <a:lnSpc>
-                <a:spcPct val="100000"/>
-              </a:lnSpc>
-              <a:spcBef>
-                <a:spcPts val="0"/>
-              </a:spcBef>
-              <a:spcAft>
-                <a:spcPts val="0"/>
-              </a:spcAft>
-              <a:buClr>
-                <a:schemeClr val="dk1"/>
-              </a:buClr>
-              <a:buSzPts val="5200"/>
-              <a:buFont typeface="Arial"/>
-              <a:buNone/>
-              <a:defRPr sz="5200" b="0" i="0" u="none" strike="noStrike" cap="none">
-                <a:solidFill>
-                  <a:schemeClr val="dk1"/>
-                </a:solidFill>
-                <a:latin typeface="Arial"/>
-                <a:ea typeface="Arial"/>
-                <a:cs typeface="Arial"/>
-                <a:sym typeface="Arial"/>
-              </a:defRPr>
-            </a:lvl7pPr>
-            <a:lvl8pPr marR="0" lvl="7" algn="ctr" rtl="0">
-              <a:lnSpc>
-                <a:spcPct val="100000"/>
-              </a:lnSpc>
-              <a:spcBef>
-                <a:spcPts val="0"/>
-              </a:spcBef>
-              <a:spcAft>
-                <a:spcPts val="0"/>
-              </a:spcAft>
-              <a:buClr>
-                <a:schemeClr val="dk1"/>
-              </a:buClr>
-              <a:buSzPts val="5200"/>
-              <a:buFont typeface="Arial"/>
-              <a:buNone/>
-              <a:defRPr sz="5200" b="0" i="0" u="none" strike="noStrike" cap="none">
-                <a:solidFill>
-                  <a:schemeClr val="dk1"/>
-                </a:solidFill>
-                <a:latin typeface="Arial"/>
-                <a:ea typeface="Arial"/>
-                <a:cs typeface="Arial"/>
-                <a:sym typeface="Arial"/>
-              </a:defRPr>
-            </a:lvl8pPr>
-            <a:lvl9pPr marR="0" lvl="8" algn="ctr" rtl="0">
-              <a:lnSpc>
-                <a:spcPct val="100000"/>
-              </a:lnSpc>
-              <a:spcBef>
-                <a:spcPts val="0"/>
-              </a:spcBef>
-              <a:spcAft>
-                <a:spcPts val="0"/>
-              </a:spcAft>
-              <a:buClr>
-                <a:schemeClr val="dk1"/>
-              </a:buClr>
-              <a:buSzPts val="5200"/>
-              <a:buFont typeface="Arial"/>
-              <a:buNone/>
-              <a:defRPr sz="5200" b="0" i="0" u="none" strike="noStrike" cap="none">
-                <a:solidFill>
-                  <a:schemeClr val="dk1"/>
-                </a:solidFill>
-                <a:latin typeface="Arial"/>
-                <a:ea typeface="Arial"/>
-                <a:cs typeface="Arial"/>
-                <a:sym typeface="Arial"/>
-              </a:defRPr>
-            </a:lvl9pPr>
-          </a:lstStyle>
-          <a:p>
-            <a:pPr algn="l"/>
-            <a:r>
-              <a:rPr lang="nl-BE" sz="1400" dirty="0">
-                <a:latin typeface="Cascadia Mono" panose="020B0609020000020004" pitchFamily="49" charset="0"/>
-                <a:ea typeface="Cascadia Mono" panose="020B0609020000020004" pitchFamily="49" charset="0"/>
-                <a:cs typeface="Cascadia Mono" panose="020B0609020000020004" pitchFamily="49" charset="0"/>
-                <a:sym typeface="Montserrat"/>
-              </a:rPr>
-              <a:t>11/02/2022</a:t>
             </a:r>
           </a:p>
         </p:txBody>
@@ -20509,298 +18733,6 @@
           </a:p>
         </p:txBody>
       </p:sp>
-      <p:sp>
-        <p:nvSpPr>
-          <p:cNvPr id="11" name="Google Shape;69;p15">
-            <a:extLst>
-              <a:ext uri="{FF2B5EF4-FFF2-40B4-BE49-F238E27FC236}">
-                <a16:creationId xmlns:a16="http://schemas.microsoft.com/office/drawing/2014/main" id="{E4F43D97-B07C-402D-B884-136B206B9FFC}"/>
-              </a:ext>
-            </a:extLst>
-          </p:cNvPr>
-          <p:cNvSpPr txBox="1">
-            <a:spLocks/>
-          </p:cNvSpPr>
-          <p:nvPr/>
-        </p:nvSpPr>
-        <p:spPr>
-          <a:xfrm>
-            <a:off x="317513" y="6163056"/>
-            <a:ext cx="3140592" cy="438149"/>
-          </a:xfrm>
-          <a:prstGeom prst="rect">
-            <a:avLst/>
-          </a:prstGeom>
-          <a:noFill/>
-          <a:ln>
-            <a:noFill/>
-          </a:ln>
-        </p:spPr>
-        <p:txBody>
-          <a:bodyPr spcFirstLastPara="1" wrap="square" lIns="91425" tIns="91425" rIns="91425" bIns="91425" anchor="t" anchorCtr="0">
-            <a:noAutofit/>
-          </a:bodyPr>
-          <a:lstStyle>
-            <a:defPPr marR="0" lvl="0" algn="l" rtl="0">
-              <a:lnSpc>
-                <a:spcPct val="100000"/>
-              </a:lnSpc>
-              <a:spcBef>
-                <a:spcPts val="0"/>
-              </a:spcBef>
-              <a:spcAft>
-                <a:spcPts val="0"/>
-              </a:spcAft>
-            </a:defPPr>
-            <a:lvl1pPr marR="0" lvl="0" algn="ctr" rtl="0">
-              <a:lnSpc>
-                <a:spcPct val="100000"/>
-              </a:lnSpc>
-              <a:spcBef>
-                <a:spcPts val="0"/>
-              </a:spcBef>
-              <a:spcAft>
-                <a:spcPts val="0"/>
-              </a:spcAft>
-              <a:buClr>
-                <a:schemeClr val="dk1"/>
-              </a:buClr>
-              <a:buSzPts val="5200"/>
-              <a:buFont typeface="Arial"/>
-              <a:buNone/>
-              <a:defRPr sz="5200" b="0" i="0" u="none" strike="noStrike" cap="none">
-                <a:solidFill>
-                  <a:schemeClr val="dk1"/>
-                </a:solidFill>
-                <a:latin typeface="Arial"/>
-                <a:ea typeface="Arial"/>
-                <a:cs typeface="Arial"/>
-                <a:sym typeface="Arial"/>
-              </a:defRPr>
-            </a:lvl1pPr>
-            <a:lvl2pPr marR="0" lvl="1" algn="ctr" rtl="0">
-              <a:lnSpc>
-                <a:spcPct val="100000"/>
-              </a:lnSpc>
-              <a:spcBef>
-                <a:spcPts val="0"/>
-              </a:spcBef>
-              <a:spcAft>
-                <a:spcPts val="0"/>
-              </a:spcAft>
-              <a:buClr>
-                <a:schemeClr val="dk1"/>
-              </a:buClr>
-              <a:buSzPts val="5200"/>
-              <a:buFont typeface="Arial"/>
-              <a:buNone/>
-              <a:defRPr sz="5200" b="0" i="0" u="none" strike="noStrike" cap="none">
-                <a:solidFill>
-                  <a:schemeClr val="dk1"/>
-                </a:solidFill>
-                <a:latin typeface="Arial"/>
-                <a:ea typeface="Arial"/>
-                <a:cs typeface="Arial"/>
-                <a:sym typeface="Arial"/>
-              </a:defRPr>
-            </a:lvl2pPr>
-            <a:lvl3pPr marR="0" lvl="2" algn="ctr" rtl="0">
-              <a:lnSpc>
-                <a:spcPct val="100000"/>
-              </a:lnSpc>
-              <a:spcBef>
-                <a:spcPts val="0"/>
-              </a:spcBef>
-              <a:spcAft>
-                <a:spcPts val="0"/>
-              </a:spcAft>
-              <a:buClr>
-                <a:schemeClr val="dk1"/>
-              </a:buClr>
-              <a:buSzPts val="5200"/>
-              <a:buFont typeface="Arial"/>
-              <a:buNone/>
-              <a:defRPr sz="5200" b="0" i="0" u="none" strike="noStrike" cap="none">
-                <a:solidFill>
-                  <a:schemeClr val="dk1"/>
-                </a:solidFill>
-                <a:latin typeface="Arial"/>
-                <a:ea typeface="Arial"/>
-                <a:cs typeface="Arial"/>
-                <a:sym typeface="Arial"/>
-              </a:defRPr>
-            </a:lvl3pPr>
-            <a:lvl4pPr marR="0" lvl="3" algn="ctr" rtl="0">
-              <a:lnSpc>
-                <a:spcPct val="100000"/>
-              </a:lnSpc>
-              <a:spcBef>
-                <a:spcPts val="0"/>
-              </a:spcBef>
-              <a:spcAft>
-                <a:spcPts val="0"/>
-              </a:spcAft>
-              <a:buClr>
-                <a:schemeClr val="dk1"/>
-              </a:buClr>
-              <a:buSzPts val="5200"/>
-              <a:buFont typeface="Arial"/>
-              <a:buNone/>
-              <a:defRPr sz="5200" b="0" i="0" u="none" strike="noStrike" cap="none">
-                <a:solidFill>
-                  <a:schemeClr val="dk1"/>
-                </a:solidFill>
-                <a:latin typeface="Arial"/>
-                <a:ea typeface="Arial"/>
-                <a:cs typeface="Arial"/>
-                <a:sym typeface="Arial"/>
-              </a:defRPr>
-            </a:lvl4pPr>
-            <a:lvl5pPr marR="0" lvl="4" algn="ctr" rtl="0">
-              <a:lnSpc>
-                <a:spcPct val="100000"/>
-              </a:lnSpc>
-              <a:spcBef>
-                <a:spcPts val="0"/>
-              </a:spcBef>
-              <a:spcAft>
-                <a:spcPts val="0"/>
-              </a:spcAft>
-              <a:buClr>
-                <a:schemeClr val="dk1"/>
-              </a:buClr>
-              <a:buSzPts val="5200"/>
-              <a:buFont typeface="Arial"/>
-              <a:buNone/>
-              <a:defRPr sz="5200" b="0" i="0" u="none" strike="noStrike" cap="none">
-                <a:solidFill>
-                  <a:schemeClr val="dk1"/>
-                </a:solidFill>
-                <a:latin typeface="Arial"/>
-                <a:ea typeface="Arial"/>
-                <a:cs typeface="Arial"/>
-                <a:sym typeface="Arial"/>
-              </a:defRPr>
-            </a:lvl5pPr>
-            <a:lvl6pPr marR="0" lvl="5" algn="ctr" rtl="0">
-              <a:lnSpc>
-                <a:spcPct val="100000"/>
-              </a:lnSpc>
-              <a:spcBef>
-                <a:spcPts val="0"/>
-              </a:spcBef>
-              <a:spcAft>
-                <a:spcPts val="0"/>
-              </a:spcAft>
-              <a:buClr>
-                <a:schemeClr val="dk1"/>
-              </a:buClr>
-              <a:buSzPts val="5200"/>
-              <a:buFont typeface="Arial"/>
-              <a:buNone/>
-              <a:defRPr sz="5200" b="0" i="0" u="none" strike="noStrike" cap="none">
-                <a:solidFill>
-                  <a:schemeClr val="dk1"/>
-                </a:solidFill>
-                <a:latin typeface="Arial"/>
-                <a:ea typeface="Arial"/>
-                <a:cs typeface="Arial"/>
-                <a:sym typeface="Arial"/>
-              </a:defRPr>
-            </a:lvl6pPr>
-            <a:lvl7pPr marR="0" lvl="6" algn="ctr" rtl="0">
-              <a:lnSpc>
-                <a:spcPct val="100000"/>
-              </a:lnSpc>
-              <a:spcBef>
-                <a:spcPts val="0"/>
-              </a:spcBef>
-              <a:spcAft>
-                <a:spcPts val="0"/>
-              </a:spcAft>
-              <a:buClr>
-                <a:schemeClr val="dk1"/>
-              </a:buClr>
-              <a:buSzPts val="5200"/>
-              <a:buFont typeface="Arial"/>
-              <a:buNone/>
-              <a:defRPr sz="5200" b="0" i="0" u="none" strike="noStrike" cap="none">
-                <a:solidFill>
-                  <a:schemeClr val="dk1"/>
-                </a:solidFill>
-                <a:latin typeface="Arial"/>
-                <a:ea typeface="Arial"/>
-                <a:cs typeface="Arial"/>
-                <a:sym typeface="Arial"/>
-              </a:defRPr>
-            </a:lvl7pPr>
-            <a:lvl8pPr marR="0" lvl="7" algn="ctr" rtl="0">
-              <a:lnSpc>
-                <a:spcPct val="100000"/>
-              </a:lnSpc>
-              <a:spcBef>
-                <a:spcPts val="0"/>
-              </a:spcBef>
-              <a:spcAft>
-                <a:spcPts val="0"/>
-              </a:spcAft>
-              <a:buClr>
-                <a:schemeClr val="dk1"/>
-              </a:buClr>
-              <a:buSzPts val="5200"/>
-              <a:buFont typeface="Arial"/>
-              <a:buNone/>
-              <a:defRPr sz="5200" b="0" i="0" u="none" strike="noStrike" cap="none">
-                <a:solidFill>
-                  <a:schemeClr val="dk1"/>
-                </a:solidFill>
-                <a:latin typeface="Arial"/>
-                <a:ea typeface="Arial"/>
-                <a:cs typeface="Arial"/>
-                <a:sym typeface="Arial"/>
-              </a:defRPr>
-            </a:lvl8pPr>
-            <a:lvl9pPr marR="0" lvl="8" algn="ctr" rtl="0">
-              <a:lnSpc>
-                <a:spcPct val="100000"/>
-              </a:lnSpc>
-              <a:spcBef>
-                <a:spcPts val="0"/>
-              </a:spcBef>
-              <a:spcAft>
-                <a:spcPts val="0"/>
-              </a:spcAft>
-              <a:buClr>
-                <a:schemeClr val="dk1"/>
-              </a:buClr>
-              <a:buSzPts val="5200"/>
-              <a:buFont typeface="Arial"/>
-              <a:buNone/>
-              <a:defRPr sz="5200" b="0" i="0" u="none" strike="noStrike" cap="none">
-                <a:solidFill>
-                  <a:schemeClr val="dk1"/>
-                </a:solidFill>
-                <a:latin typeface="Arial"/>
-                <a:ea typeface="Arial"/>
-                <a:cs typeface="Arial"/>
-                <a:sym typeface="Arial"/>
-              </a:defRPr>
-            </a:lvl9pPr>
-          </a:lstStyle>
-          <a:p>
-            <a:pPr algn="l"/>
-            <a:r>
-              <a:rPr lang="nl-BE" sz="1400" dirty="0">
-                <a:latin typeface="Cascadia Mono" panose="020B0609020000020004" pitchFamily="49" charset="0"/>
-                <a:ea typeface="Cascadia Mono" panose="020B0609020000020004" pitchFamily="49" charset="0"/>
-                <a:cs typeface="Cascadia Mono" panose="020B0609020000020004" pitchFamily="49" charset="0"/>
-                <a:sym typeface="Montserrat"/>
-              </a:rPr>
-              <a:t>11/02/2022</a:t>
-            </a:r>
-          </a:p>
-        </p:txBody>
-      </p:sp>
     </p:spTree>
   </p:cSld>
   <p:clrMapOvr>
@@ -21552,298 +19484,6 @@
           </a:p>
         </p:txBody>
       </p:sp>
-      <p:sp>
-        <p:nvSpPr>
-          <p:cNvPr id="11" name="Google Shape;69;p15">
-            <a:extLst>
-              <a:ext uri="{FF2B5EF4-FFF2-40B4-BE49-F238E27FC236}">
-                <a16:creationId xmlns:a16="http://schemas.microsoft.com/office/drawing/2014/main" id="{578B59FA-2CB5-4DC5-B648-D9CA87BB986B}"/>
-              </a:ext>
-            </a:extLst>
-          </p:cNvPr>
-          <p:cNvSpPr txBox="1">
-            <a:spLocks/>
-          </p:cNvSpPr>
-          <p:nvPr/>
-        </p:nvSpPr>
-        <p:spPr>
-          <a:xfrm>
-            <a:off x="317513" y="6163056"/>
-            <a:ext cx="3140592" cy="438149"/>
-          </a:xfrm>
-          <a:prstGeom prst="rect">
-            <a:avLst/>
-          </a:prstGeom>
-          <a:noFill/>
-          <a:ln>
-            <a:noFill/>
-          </a:ln>
-        </p:spPr>
-        <p:txBody>
-          <a:bodyPr spcFirstLastPara="1" wrap="square" lIns="91425" tIns="91425" rIns="91425" bIns="91425" anchor="t" anchorCtr="0">
-            <a:noAutofit/>
-          </a:bodyPr>
-          <a:lstStyle>
-            <a:defPPr marR="0" lvl="0" algn="l" rtl="0">
-              <a:lnSpc>
-                <a:spcPct val="100000"/>
-              </a:lnSpc>
-              <a:spcBef>
-                <a:spcPts val="0"/>
-              </a:spcBef>
-              <a:spcAft>
-                <a:spcPts val="0"/>
-              </a:spcAft>
-            </a:defPPr>
-            <a:lvl1pPr marR="0" lvl="0" algn="ctr" rtl="0">
-              <a:lnSpc>
-                <a:spcPct val="100000"/>
-              </a:lnSpc>
-              <a:spcBef>
-                <a:spcPts val="0"/>
-              </a:spcBef>
-              <a:spcAft>
-                <a:spcPts val="0"/>
-              </a:spcAft>
-              <a:buClr>
-                <a:schemeClr val="dk1"/>
-              </a:buClr>
-              <a:buSzPts val="5200"/>
-              <a:buFont typeface="Arial"/>
-              <a:buNone/>
-              <a:defRPr sz="5200" b="0" i="0" u="none" strike="noStrike" cap="none">
-                <a:solidFill>
-                  <a:schemeClr val="dk1"/>
-                </a:solidFill>
-                <a:latin typeface="Arial"/>
-                <a:ea typeface="Arial"/>
-                <a:cs typeface="Arial"/>
-                <a:sym typeface="Arial"/>
-              </a:defRPr>
-            </a:lvl1pPr>
-            <a:lvl2pPr marR="0" lvl="1" algn="ctr" rtl="0">
-              <a:lnSpc>
-                <a:spcPct val="100000"/>
-              </a:lnSpc>
-              <a:spcBef>
-                <a:spcPts val="0"/>
-              </a:spcBef>
-              <a:spcAft>
-                <a:spcPts val="0"/>
-              </a:spcAft>
-              <a:buClr>
-                <a:schemeClr val="dk1"/>
-              </a:buClr>
-              <a:buSzPts val="5200"/>
-              <a:buFont typeface="Arial"/>
-              <a:buNone/>
-              <a:defRPr sz="5200" b="0" i="0" u="none" strike="noStrike" cap="none">
-                <a:solidFill>
-                  <a:schemeClr val="dk1"/>
-                </a:solidFill>
-                <a:latin typeface="Arial"/>
-                <a:ea typeface="Arial"/>
-                <a:cs typeface="Arial"/>
-                <a:sym typeface="Arial"/>
-              </a:defRPr>
-            </a:lvl2pPr>
-            <a:lvl3pPr marR="0" lvl="2" algn="ctr" rtl="0">
-              <a:lnSpc>
-                <a:spcPct val="100000"/>
-              </a:lnSpc>
-              <a:spcBef>
-                <a:spcPts val="0"/>
-              </a:spcBef>
-              <a:spcAft>
-                <a:spcPts val="0"/>
-              </a:spcAft>
-              <a:buClr>
-                <a:schemeClr val="dk1"/>
-              </a:buClr>
-              <a:buSzPts val="5200"/>
-              <a:buFont typeface="Arial"/>
-              <a:buNone/>
-              <a:defRPr sz="5200" b="0" i="0" u="none" strike="noStrike" cap="none">
-                <a:solidFill>
-                  <a:schemeClr val="dk1"/>
-                </a:solidFill>
-                <a:latin typeface="Arial"/>
-                <a:ea typeface="Arial"/>
-                <a:cs typeface="Arial"/>
-                <a:sym typeface="Arial"/>
-              </a:defRPr>
-            </a:lvl3pPr>
-            <a:lvl4pPr marR="0" lvl="3" algn="ctr" rtl="0">
-              <a:lnSpc>
-                <a:spcPct val="100000"/>
-              </a:lnSpc>
-              <a:spcBef>
-                <a:spcPts val="0"/>
-              </a:spcBef>
-              <a:spcAft>
-                <a:spcPts val="0"/>
-              </a:spcAft>
-              <a:buClr>
-                <a:schemeClr val="dk1"/>
-              </a:buClr>
-              <a:buSzPts val="5200"/>
-              <a:buFont typeface="Arial"/>
-              <a:buNone/>
-              <a:defRPr sz="5200" b="0" i="0" u="none" strike="noStrike" cap="none">
-                <a:solidFill>
-                  <a:schemeClr val="dk1"/>
-                </a:solidFill>
-                <a:latin typeface="Arial"/>
-                <a:ea typeface="Arial"/>
-                <a:cs typeface="Arial"/>
-                <a:sym typeface="Arial"/>
-              </a:defRPr>
-            </a:lvl4pPr>
-            <a:lvl5pPr marR="0" lvl="4" algn="ctr" rtl="0">
-              <a:lnSpc>
-                <a:spcPct val="100000"/>
-              </a:lnSpc>
-              <a:spcBef>
-                <a:spcPts val="0"/>
-              </a:spcBef>
-              <a:spcAft>
-                <a:spcPts val="0"/>
-              </a:spcAft>
-              <a:buClr>
-                <a:schemeClr val="dk1"/>
-              </a:buClr>
-              <a:buSzPts val="5200"/>
-              <a:buFont typeface="Arial"/>
-              <a:buNone/>
-              <a:defRPr sz="5200" b="0" i="0" u="none" strike="noStrike" cap="none">
-                <a:solidFill>
-                  <a:schemeClr val="dk1"/>
-                </a:solidFill>
-                <a:latin typeface="Arial"/>
-                <a:ea typeface="Arial"/>
-                <a:cs typeface="Arial"/>
-                <a:sym typeface="Arial"/>
-              </a:defRPr>
-            </a:lvl5pPr>
-            <a:lvl6pPr marR="0" lvl="5" algn="ctr" rtl="0">
-              <a:lnSpc>
-                <a:spcPct val="100000"/>
-              </a:lnSpc>
-              <a:spcBef>
-                <a:spcPts val="0"/>
-              </a:spcBef>
-              <a:spcAft>
-                <a:spcPts val="0"/>
-              </a:spcAft>
-              <a:buClr>
-                <a:schemeClr val="dk1"/>
-              </a:buClr>
-              <a:buSzPts val="5200"/>
-              <a:buFont typeface="Arial"/>
-              <a:buNone/>
-              <a:defRPr sz="5200" b="0" i="0" u="none" strike="noStrike" cap="none">
-                <a:solidFill>
-                  <a:schemeClr val="dk1"/>
-                </a:solidFill>
-                <a:latin typeface="Arial"/>
-                <a:ea typeface="Arial"/>
-                <a:cs typeface="Arial"/>
-                <a:sym typeface="Arial"/>
-              </a:defRPr>
-            </a:lvl6pPr>
-            <a:lvl7pPr marR="0" lvl="6" algn="ctr" rtl="0">
-              <a:lnSpc>
-                <a:spcPct val="100000"/>
-              </a:lnSpc>
-              <a:spcBef>
-                <a:spcPts val="0"/>
-              </a:spcBef>
-              <a:spcAft>
-                <a:spcPts val="0"/>
-              </a:spcAft>
-              <a:buClr>
-                <a:schemeClr val="dk1"/>
-              </a:buClr>
-              <a:buSzPts val="5200"/>
-              <a:buFont typeface="Arial"/>
-              <a:buNone/>
-              <a:defRPr sz="5200" b="0" i="0" u="none" strike="noStrike" cap="none">
-                <a:solidFill>
-                  <a:schemeClr val="dk1"/>
-                </a:solidFill>
-                <a:latin typeface="Arial"/>
-                <a:ea typeface="Arial"/>
-                <a:cs typeface="Arial"/>
-                <a:sym typeface="Arial"/>
-              </a:defRPr>
-            </a:lvl7pPr>
-            <a:lvl8pPr marR="0" lvl="7" algn="ctr" rtl="0">
-              <a:lnSpc>
-                <a:spcPct val="100000"/>
-              </a:lnSpc>
-              <a:spcBef>
-                <a:spcPts val="0"/>
-              </a:spcBef>
-              <a:spcAft>
-                <a:spcPts val="0"/>
-              </a:spcAft>
-              <a:buClr>
-                <a:schemeClr val="dk1"/>
-              </a:buClr>
-              <a:buSzPts val="5200"/>
-              <a:buFont typeface="Arial"/>
-              <a:buNone/>
-              <a:defRPr sz="5200" b="0" i="0" u="none" strike="noStrike" cap="none">
-                <a:solidFill>
-                  <a:schemeClr val="dk1"/>
-                </a:solidFill>
-                <a:latin typeface="Arial"/>
-                <a:ea typeface="Arial"/>
-                <a:cs typeface="Arial"/>
-                <a:sym typeface="Arial"/>
-              </a:defRPr>
-            </a:lvl8pPr>
-            <a:lvl9pPr marR="0" lvl="8" algn="ctr" rtl="0">
-              <a:lnSpc>
-                <a:spcPct val="100000"/>
-              </a:lnSpc>
-              <a:spcBef>
-                <a:spcPts val="0"/>
-              </a:spcBef>
-              <a:spcAft>
-                <a:spcPts val="0"/>
-              </a:spcAft>
-              <a:buClr>
-                <a:schemeClr val="dk1"/>
-              </a:buClr>
-              <a:buSzPts val="5200"/>
-              <a:buFont typeface="Arial"/>
-              <a:buNone/>
-              <a:defRPr sz="5200" b="0" i="0" u="none" strike="noStrike" cap="none">
-                <a:solidFill>
-                  <a:schemeClr val="dk1"/>
-                </a:solidFill>
-                <a:latin typeface="Arial"/>
-                <a:ea typeface="Arial"/>
-                <a:cs typeface="Arial"/>
-                <a:sym typeface="Arial"/>
-              </a:defRPr>
-            </a:lvl9pPr>
-          </a:lstStyle>
-          <a:p>
-            <a:pPr algn="l"/>
-            <a:r>
-              <a:rPr lang="nl-BE" sz="1400" dirty="0">
-                <a:latin typeface="Cascadia Mono" panose="020B0609020000020004" pitchFamily="49" charset="0"/>
-                <a:ea typeface="Cascadia Mono" panose="020B0609020000020004" pitchFamily="49" charset="0"/>
-                <a:cs typeface="Cascadia Mono" panose="020B0609020000020004" pitchFamily="49" charset="0"/>
-                <a:sym typeface="Montserrat"/>
-              </a:rPr>
-              <a:t>11/02/2022</a:t>
-            </a:r>
-          </a:p>
-        </p:txBody>
-      </p:sp>
     </p:spTree>
   </p:cSld>
   <p:clrMapOvr>
@@ -22634,298 +20274,6 @@
                 <a:sym typeface="Montserrat"/>
               </a:rPr>
               <a:t>Python Fundamentals - Les006</a:t>
-            </a:r>
-          </a:p>
-        </p:txBody>
-      </p:sp>
-      <p:sp>
-        <p:nvSpPr>
-          <p:cNvPr id="11" name="Google Shape;69;p15">
-            <a:extLst>
-              <a:ext uri="{FF2B5EF4-FFF2-40B4-BE49-F238E27FC236}">
-                <a16:creationId xmlns:a16="http://schemas.microsoft.com/office/drawing/2014/main" id="{5422367F-FAD4-454C-883D-6CD918ABC883}"/>
-              </a:ext>
-            </a:extLst>
-          </p:cNvPr>
-          <p:cNvSpPr txBox="1">
-            <a:spLocks/>
-          </p:cNvSpPr>
-          <p:nvPr/>
-        </p:nvSpPr>
-        <p:spPr>
-          <a:xfrm>
-            <a:off x="317513" y="6163056"/>
-            <a:ext cx="3140592" cy="438149"/>
-          </a:xfrm>
-          <a:prstGeom prst="rect">
-            <a:avLst/>
-          </a:prstGeom>
-          <a:noFill/>
-          <a:ln>
-            <a:noFill/>
-          </a:ln>
-        </p:spPr>
-        <p:txBody>
-          <a:bodyPr spcFirstLastPara="1" wrap="square" lIns="91425" tIns="91425" rIns="91425" bIns="91425" anchor="t" anchorCtr="0">
-            <a:noAutofit/>
-          </a:bodyPr>
-          <a:lstStyle>
-            <a:defPPr marR="0" lvl="0" algn="l" rtl="0">
-              <a:lnSpc>
-                <a:spcPct val="100000"/>
-              </a:lnSpc>
-              <a:spcBef>
-                <a:spcPts val="0"/>
-              </a:spcBef>
-              <a:spcAft>
-                <a:spcPts val="0"/>
-              </a:spcAft>
-            </a:defPPr>
-            <a:lvl1pPr marR="0" lvl="0" algn="ctr" rtl="0">
-              <a:lnSpc>
-                <a:spcPct val="100000"/>
-              </a:lnSpc>
-              <a:spcBef>
-                <a:spcPts val="0"/>
-              </a:spcBef>
-              <a:spcAft>
-                <a:spcPts val="0"/>
-              </a:spcAft>
-              <a:buClr>
-                <a:schemeClr val="dk1"/>
-              </a:buClr>
-              <a:buSzPts val="5200"/>
-              <a:buFont typeface="Arial"/>
-              <a:buNone/>
-              <a:defRPr sz="5200" b="0" i="0" u="none" strike="noStrike" cap="none">
-                <a:solidFill>
-                  <a:schemeClr val="dk1"/>
-                </a:solidFill>
-                <a:latin typeface="Arial"/>
-                <a:ea typeface="Arial"/>
-                <a:cs typeface="Arial"/>
-                <a:sym typeface="Arial"/>
-              </a:defRPr>
-            </a:lvl1pPr>
-            <a:lvl2pPr marR="0" lvl="1" algn="ctr" rtl="0">
-              <a:lnSpc>
-                <a:spcPct val="100000"/>
-              </a:lnSpc>
-              <a:spcBef>
-                <a:spcPts val="0"/>
-              </a:spcBef>
-              <a:spcAft>
-                <a:spcPts val="0"/>
-              </a:spcAft>
-              <a:buClr>
-                <a:schemeClr val="dk1"/>
-              </a:buClr>
-              <a:buSzPts val="5200"/>
-              <a:buFont typeface="Arial"/>
-              <a:buNone/>
-              <a:defRPr sz="5200" b="0" i="0" u="none" strike="noStrike" cap="none">
-                <a:solidFill>
-                  <a:schemeClr val="dk1"/>
-                </a:solidFill>
-                <a:latin typeface="Arial"/>
-                <a:ea typeface="Arial"/>
-                <a:cs typeface="Arial"/>
-                <a:sym typeface="Arial"/>
-              </a:defRPr>
-            </a:lvl2pPr>
-            <a:lvl3pPr marR="0" lvl="2" algn="ctr" rtl="0">
-              <a:lnSpc>
-                <a:spcPct val="100000"/>
-              </a:lnSpc>
-              <a:spcBef>
-                <a:spcPts val="0"/>
-              </a:spcBef>
-              <a:spcAft>
-                <a:spcPts val="0"/>
-              </a:spcAft>
-              <a:buClr>
-                <a:schemeClr val="dk1"/>
-              </a:buClr>
-              <a:buSzPts val="5200"/>
-              <a:buFont typeface="Arial"/>
-              <a:buNone/>
-              <a:defRPr sz="5200" b="0" i="0" u="none" strike="noStrike" cap="none">
-                <a:solidFill>
-                  <a:schemeClr val="dk1"/>
-                </a:solidFill>
-                <a:latin typeface="Arial"/>
-                <a:ea typeface="Arial"/>
-                <a:cs typeface="Arial"/>
-                <a:sym typeface="Arial"/>
-              </a:defRPr>
-            </a:lvl3pPr>
-            <a:lvl4pPr marR="0" lvl="3" algn="ctr" rtl="0">
-              <a:lnSpc>
-                <a:spcPct val="100000"/>
-              </a:lnSpc>
-              <a:spcBef>
-                <a:spcPts val="0"/>
-              </a:spcBef>
-              <a:spcAft>
-                <a:spcPts val="0"/>
-              </a:spcAft>
-              <a:buClr>
-                <a:schemeClr val="dk1"/>
-              </a:buClr>
-              <a:buSzPts val="5200"/>
-              <a:buFont typeface="Arial"/>
-              <a:buNone/>
-              <a:defRPr sz="5200" b="0" i="0" u="none" strike="noStrike" cap="none">
-                <a:solidFill>
-                  <a:schemeClr val="dk1"/>
-                </a:solidFill>
-                <a:latin typeface="Arial"/>
-                <a:ea typeface="Arial"/>
-                <a:cs typeface="Arial"/>
-                <a:sym typeface="Arial"/>
-              </a:defRPr>
-            </a:lvl4pPr>
-            <a:lvl5pPr marR="0" lvl="4" algn="ctr" rtl="0">
-              <a:lnSpc>
-                <a:spcPct val="100000"/>
-              </a:lnSpc>
-              <a:spcBef>
-                <a:spcPts val="0"/>
-              </a:spcBef>
-              <a:spcAft>
-                <a:spcPts val="0"/>
-              </a:spcAft>
-              <a:buClr>
-                <a:schemeClr val="dk1"/>
-              </a:buClr>
-              <a:buSzPts val="5200"/>
-              <a:buFont typeface="Arial"/>
-              <a:buNone/>
-              <a:defRPr sz="5200" b="0" i="0" u="none" strike="noStrike" cap="none">
-                <a:solidFill>
-                  <a:schemeClr val="dk1"/>
-                </a:solidFill>
-                <a:latin typeface="Arial"/>
-                <a:ea typeface="Arial"/>
-                <a:cs typeface="Arial"/>
-                <a:sym typeface="Arial"/>
-              </a:defRPr>
-            </a:lvl5pPr>
-            <a:lvl6pPr marR="0" lvl="5" algn="ctr" rtl="0">
-              <a:lnSpc>
-                <a:spcPct val="100000"/>
-              </a:lnSpc>
-              <a:spcBef>
-                <a:spcPts val="0"/>
-              </a:spcBef>
-              <a:spcAft>
-                <a:spcPts val="0"/>
-              </a:spcAft>
-              <a:buClr>
-                <a:schemeClr val="dk1"/>
-              </a:buClr>
-              <a:buSzPts val="5200"/>
-              <a:buFont typeface="Arial"/>
-              <a:buNone/>
-              <a:defRPr sz="5200" b="0" i="0" u="none" strike="noStrike" cap="none">
-                <a:solidFill>
-                  <a:schemeClr val="dk1"/>
-                </a:solidFill>
-                <a:latin typeface="Arial"/>
-                <a:ea typeface="Arial"/>
-                <a:cs typeface="Arial"/>
-                <a:sym typeface="Arial"/>
-              </a:defRPr>
-            </a:lvl6pPr>
-            <a:lvl7pPr marR="0" lvl="6" algn="ctr" rtl="0">
-              <a:lnSpc>
-                <a:spcPct val="100000"/>
-              </a:lnSpc>
-              <a:spcBef>
-                <a:spcPts val="0"/>
-              </a:spcBef>
-              <a:spcAft>
-                <a:spcPts val="0"/>
-              </a:spcAft>
-              <a:buClr>
-                <a:schemeClr val="dk1"/>
-              </a:buClr>
-              <a:buSzPts val="5200"/>
-              <a:buFont typeface="Arial"/>
-              <a:buNone/>
-              <a:defRPr sz="5200" b="0" i="0" u="none" strike="noStrike" cap="none">
-                <a:solidFill>
-                  <a:schemeClr val="dk1"/>
-                </a:solidFill>
-                <a:latin typeface="Arial"/>
-                <a:ea typeface="Arial"/>
-                <a:cs typeface="Arial"/>
-                <a:sym typeface="Arial"/>
-              </a:defRPr>
-            </a:lvl7pPr>
-            <a:lvl8pPr marR="0" lvl="7" algn="ctr" rtl="0">
-              <a:lnSpc>
-                <a:spcPct val="100000"/>
-              </a:lnSpc>
-              <a:spcBef>
-                <a:spcPts val="0"/>
-              </a:spcBef>
-              <a:spcAft>
-                <a:spcPts val="0"/>
-              </a:spcAft>
-              <a:buClr>
-                <a:schemeClr val="dk1"/>
-              </a:buClr>
-              <a:buSzPts val="5200"/>
-              <a:buFont typeface="Arial"/>
-              <a:buNone/>
-              <a:defRPr sz="5200" b="0" i="0" u="none" strike="noStrike" cap="none">
-                <a:solidFill>
-                  <a:schemeClr val="dk1"/>
-                </a:solidFill>
-                <a:latin typeface="Arial"/>
-                <a:ea typeface="Arial"/>
-                <a:cs typeface="Arial"/>
-                <a:sym typeface="Arial"/>
-              </a:defRPr>
-            </a:lvl8pPr>
-            <a:lvl9pPr marR="0" lvl="8" algn="ctr" rtl="0">
-              <a:lnSpc>
-                <a:spcPct val="100000"/>
-              </a:lnSpc>
-              <a:spcBef>
-                <a:spcPts val="0"/>
-              </a:spcBef>
-              <a:spcAft>
-                <a:spcPts val="0"/>
-              </a:spcAft>
-              <a:buClr>
-                <a:schemeClr val="dk1"/>
-              </a:buClr>
-              <a:buSzPts val="5200"/>
-              <a:buFont typeface="Arial"/>
-              <a:buNone/>
-              <a:defRPr sz="5200" b="0" i="0" u="none" strike="noStrike" cap="none">
-                <a:solidFill>
-                  <a:schemeClr val="dk1"/>
-                </a:solidFill>
-                <a:latin typeface="Arial"/>
-                <a:ea typeface="Arial"/>
-                <a:cs typeface="Arial"/>
-                <a:sym typeface="Arial"/>
-              </a:defRPr>
-            </a:lvl9pPr>
-          </a:lstStyle>
-          <a:p>
-            <a:pPr algn="l"/>
-            <a:r>
-              <a:rPr lang="nl-BE" sz="1400" dirty="0">
-                <a:latin typeface="Cascadia Mono" panose="020B0609020000020004" pitchFamily="49" charset="0"/>
-                <a:ea typeface="Cascadia Mono" panose="020B0609020000020004" pitchFamily="49" charset="0"/>
-                <a:cs typeface="Cascadia Mono" panose="020B0609020000020004" pitchFamily="49" charset="0"/>
-                <a:sym typeface="Montserrat"/>
-              </a:rPr>
-              <a:t>11/02/2022</a:t>
             </a:r>
           </a:p>
         </p:txBody>
@@ -23740,298 +21088,6 @@
           </a:p>
         </p:txBody>
       </p:sp>
-      <p:sp>
-        <p:nvSpPr>
-          <p:cNvPr id="12" name="Google Shape;69;p15">
-            <a:extLst>
-              <a:ext uri="{FF2B5EF4-FFF2-40B4-BE49-F238E27FC236}">
-                <a16:creationId xmlns:a16="http://schemas.microsoft.com/office/drawing/2014/main" id="{4F7F3BA9-EA76-4A6E-B4D7-063858032BF4}"/>
-              </a:ext>
-            </a:extLst>
-          </p:cNvPr>
-          <p:cNvSpPr txBox="1">
-            <a:spLocks/>
-          </p:cNvSpPr>
-          <p:nvPr/>
-        </p:nvSpPr>
-        <p:spPr>
-          <a:xfrm>
-            <a:off x="317513" y="6163056"/>
-            <a:ext cx="3140592" cy="438149"/>
-          </a:xfrm>
-          <a:prstGeom prst="rect">
-            <a:avLst/>
-          </a:prstGeom>
-          <a:noFill/>
-          <a:ln>
-            <a:noFill/>
-          </a:ln>
-        </p:spPr>
-        <p:txBody>
-          <a:bodyPr spcFirstLastPara="1" wrap="square" lIns="91425" tIns="91425" rIns="91425" bIns="91425" anchor="t" anchorCtr="0">
-            <a:noAutofit/>
-          </a:bodyPr>
-          <a:lstStyle>
-            <a:defPPr marR="0" lvl="0" algn="l" rtl="0">
-              <a:lnSpc>
-                <a:spcPct val="100000"/>
-              </a:lnSpc>
-              <a:spcBef>
-                <a:spcPts val="0"/>
-              </a:spcBef>
-              <a:spcAft>
-                <a:spcPts val="0"/>
-              </a:spcAft>
-            </a:defPPr>
-            <a:lvl1pPr marR="0" lvl="0" algn="ctr" rtl="0">
-              <a:lnSpc>
-                <a:spcPct val="100000"/>
-              </a:lnSpc>
-              <a:spcBef>
-                <a:spcPts val="0"/>
-              </a:spcBef>
-              <a:spcAft>
-                <a:spcPts val="0"/>
-              </a:spcAft>
-              <a:buClr>
-                <a:schemeClr val="dk1"/>
-              </a:buClr>
-              <a:buSzPts val="5200"/>
-              <a:buFont typeface="Arial"/>
-              <a:buNone/>
-              <a:defRPr sz="5200" b="0" i="0" u="none" strike="noStrike" cap="none">
-                <a:solidFill>
-                  <a:schemeClr val="dk1"/>
-                </a:solidFill>
-                <a:latin typeface="Arial"/>
-                <a:ea typeface="Arial"/>
-                <a:cs typeface="Arial"/>
-                <a:sym typeface="Arial"/>
-              </a:defRPr>
-            </a:lvl1pPr>
-            <a:lvl2pPr marR="0" lvl="1" algn="ctr" rtl="0">
-              <a:lnSpc>
-                <a:spcPct val="100000"/>
-              </a:lnSpc>
-              <a:spcBef>
-                <a:spcPts val="0"/>
-              </a:spcBef>
-              <a:spcAft>
-                <a:spcPts val="0"/>
-              </a:spcAft>
-              <a:buClr>
-                <a:schemeClr val="dk1"/>
-              </a:buClr>
-              <a:buSzPts val="5200"/>
-              <a:buFont typeface="Arial"/>
-              <a:buNone/>
-              <a:defRPr sz="5200" b="0" i="0" u="none" strike="noStrike" cap="none">
-                <a:solidFill>
-                  <a:schemeClr val="dk1"/>
-                </a:solidFill>
-                <a:latin typeface="Arial"/>
-                <a:ea typeface="Arial"/>
-                <a:cs typeface="Arial"/>
-                <a:sym typeface="Arial"/>
-              </a:defRPr>
-            </a:lvl2pPr>
-            <a:lvl3pPr marR="0" lvl="2" algn="ctr" rtl="0">
-              <a:lnSpc>
-                <a:spcPct val="100000"/>
-              </a:lnSpc>
-              <a:spcBef>
-                <a:spcPts val="0"/>
-              </a:spcBef>
-              <a:spcAft>
-                <a:spcPts val="0"/>
-              </a:spcAft>
-              <a:buClr>
-                <a:schemeClr val="dk1"/>
-              </a:buClr>
-              <a:buSzPts val="5200"/>
-              <a:buFont typeface="Arial"/>
-              <a:buNone/>
-              <a:defRPr sz="5200" b="0" i="0" u="none" strike="noStrike" cap="none">
-                <a:solidFill>
-                  <a:schemeClr val="dk1"/>
-                </a:solidFill>
-                <a:latin typeface="Arial"/>
-                <a:ea typeface="Arial"/>
-                <a:cs typeface="Arial"/>
-                <a:sym typeface="Arial"/>
-              </a:defRPr>
-            </a:lvl3pPr>
-            <a:lvl4pPr marR="0" lvl="3" algn="ctr" rtl="0">
-              <a:lnSpc>
-                <a:spcPct val="100000"/>
-              </a:lnSpc>
-              <a:spcBef>
-                <a:spcPts val="0"/>
-              </a:spcBef>
-              <a:spcAft>
-                <a:spcPts val="0"/>
-              </a:spcAft>
-              <a:buClr>
-                <a:schemeClr val="dk1"/>
-              </a:buClr>
-              <a:buSzPts val="5200"/>
-              <a:buFont typeface="Arial"/>
-              <a:buNone/>
-              <a:defRPr sz="5200" b="0" i="0" u="none" strike="noStrike" cap="none">
-                <a:solidFill>
-                  <a:schemeClr val="dk1"/>
-                </a:solidFill>
-                <a:latin typeface="Arial"/>
-                <a:ea typeface="Arial"/>
-                <a:cs typeface="Arial"/>
-                <a:sym typeface="Arial"/>
-              </a:defRPr>
-            </a:lvl4pPr>
-            <a:lvl5pPr marR="0" lvl="4" algn="ctr" rtl="0">
-              <a:lnSpc>
-                <a:spcPct val="100000"/>
-              </a:lnSpc>
-              <a:spcBef>
-                <a:spcPts val="0"/>
-              </a:spcBef>
-              <a:spcAft>
-                <a:spcPts val="0"/>
-              </a:spcAft>
-              <a:buClr>
-                <a:schemeClr val="dk1"/>
-              </a:buClr>
-              <a:buSzPts val="5200"/>
-              <a:buFont typeface="Arial"/>
-              <a:buNone/>
-              <a:defRPr sz="5200" b="0" i="0" u="none" strike="noStrike" cap="none">
-                <a:solidFill>
-                  <a:schemeClr val="dk1"/>
-                </a:solidFill>
-                <a:latin typeface="Arial"/>
-                <a:ea typeface="Arial"/>
-                <a:cs typeface="Arial"/>
-                <a:sym typeface="Arial"/>
-              </a:defRPr>
-            </a:lvl5pPr>
-            <a:lvl6pPr marR="0" lvl="5" algn="ctr" rtl="0">
-              <a:lnSpc>
-                <a:spcPct val="100000"/>
-              </a:lnSpc>
-              <a:spcBef>
-                <a:spcPts val="0"/>
-              </a:spcBef>
-              <a:spcAft>
-                <a:spcPts val="0"/>
-              </a:spcAft>
-              <a:buClr>
-                <a:schemeClr val="dk1"/>
-              </a:buClr>
-              <a:buSzPts val="5200"/>
-              <a:buFont typeface="Arial"/>
-              <a:buNone/>
-              <a:defRPr sz="5200" b="0" i="0" u="none" strike="noStrike" cap="none">
-                <a:solidFill>
-                  <a:schemeClr val="dk1"/>
-                </a:solidFill>
-                <a:latin typeface="Arial"/>
-                <a:ea typeface="Arial"/>
-                <a:cs typeface="Arial"/>
-                <a:sym typeface="Arial"/>
-              </a:defRPr>
-            </a:lvl6pPr>
-            <a:lvl7pPr marR="0" lvl="6" algn="ctr" rtl="0">
-              <a:lnSpc>
-                <a:spcPct val="100000"/>
-              </a:lnSpc>
-              <a:spcBef>
-                <a:spcPts val="0"/>
-              </a:spcBef>
-              <a:spcAft>
-                <a:spcPts val="0"/>
-              </a:spcAft>
-              <a:buClr>
-                <a:schemeClr val="dk1"/>
-              </a:buClr>
-              <a:buSzPts val="5200"/>
-              <a:buFont typeface="Arial"/>
-              <a:buNone/>
-              <a:defRPr sz="5200" b="0" i="0" u="none" strike="noStrike" cap="none">
-                <a:solidFill>
-                  <a:schemeClr val="dk1"/>
-                </a:solidFill>
-                <a:latin typeface="Arial"/>
-                <a:ea typeface="Arial"/>
-                <a:cs typeface="Arial"/>
-                <a:sym typeface="Arial"/>
-              </a:defRPr>
-            </a:lvl7pPr>
-            <a:lvl8pPr marR="0" lvl="7" algn="ctr" rtl="0">
-              <a:lnSpc>
-                <a:spcPct val="100000"/>
-              </a:lnSpc>
-              <a:spcBef>
-                <a:spcPts val="0"/>
-              </a:spcBef>
-              <a:spcAft>
-                <a:spcPts val="0"/>
-              </a:spcAft>
-              <a:buClr>
-                <a:schemeClr val="dk1"/>
-              </a:buClr>
-              <a:buSzPts val="5200"/>
-              <a:buFont typeface="Arial"/>
-              <a:buNone/>
-              <a:defRPr sz="5200" b="0" i="0" u="none" strike="noStrike" cap="none">
-                <a:solidFill>
-                  <a:schemeClr val="dk1"/>
-                </a:solidFill>
-                <a:latin typeface="Arial"/>
-                <a:ea typeface="Arial"/>
-                <a:cs typeface="Arial"/>
-                <a:sym typeface="Arial"/>
-              </a:defRPr>
-            </a:lvl8pPr>
-            <a:lvl9pPr marR="0" lvl="8" algn="ctr" rtl="0">
-              <a:lnSpc>
-                <a:spcPct val="100000"/>
-              </a:lnSpc>
-              <a:spcBef>
-                <a:spcPts val="0"/>
-              </a:spcBef>
-              <a:spcAft>
-                <a:spcPts val="0"/>
-              </a:spcAft>
-              <a:buClr>
-                <a:schemeClr val="dk1"/>
-              </a:buClr>
-              <a:buSzPts val="5200"/>
-              <a:buFont typeface="Arial"/>
-              <a:buNone/>
-              <a:defRPr sz="5200" b="0" i="0" u="none" strike="noStrike" cap="none">
-                <a:solidFill>
-                  <a:schemeClr val="dk1"/>
-                </a:solidFill>
-                <a:latin typeface="Arial"/>
-                <a:ea typeface="Arial"/>
-                <a:cs typeface="Arial"/>
-                <a:sym typeface="Arial"/>
-              </a:defRPr>
-            </a:lvl9pPr>
-          </a:lstStyle>
-          <a:p>
-            <a:pPr algn="l"/>
-            <a:r>
-              <a:rPr lang="nl-BE" sz="1400" dirty="0">
-                <a:latin typeface="Cascadia Mono" panose="020B0609020000020004" pitchFamily="49" charset="0"/>
-                <a:ea typeface="Cascadia Mono" panose="020B0609020000020004" pitchFamily="49" charset="0"/>
-                <a:cs typeface="Cascadia Mono" panose="020B0609020000020004" pitchFamily="49" charset="0"/>
-                <a:sym typeface="Montserrat"/>
-              </a:rPr>
-              <a:t>11/02/2022</a:t>
-            </a:r>
-          </a:p>
-        </p:txBody>
-      </p:sp>
     </p:spTree>
   </p:cSld>
   <p:clrMapOvr>
@@ -24516,301 +21572,6 @@
                 <a:sym typeface="Montserrat"/>
               </a:rPr>
               <a:t>Python Fundamentals - Les006</a:t>
-            </a:r>
-          </a:p>
-        </p:txBody>
-      </p:sp>
-      <p:sp>
-        <p:nvSpPr>
-          <p:cNvPr id="9" name="Google Shape;69;p15">
-            <a:extLst>
-              <a:ext uri="{FF2B5EF4-FFF2-40B4-BE49-F238E27FC236}">
-                <a16:creationId xmlns:a16="http://schemas.microsoft.com/office/drawing/2014/main" id="{8820BCD8-F07B-498C-A51D-22E0280E0F9D}"/>
-              </a:ext>
-            </a:extLst>
-          </p:cNvPr>
-          <p:cNvSpPr txBox="1">
-            <a:spLocks/>
-          </p:cNvSpPr>
-          <p:nvPr/>
-        </p:nvSpPr>
-        <p:spPr>
-          <a:xfrm>
-            <a:off x="317513" y="6130399"/>
-            <a:ext cx="3140592" cy="438149"/>
-          </a:xfrm>
-          <a:prstGeom prst="rect">
-            <a:avLst/>
-          </a:prstGeom>
-          <a:noFill/>
-          <a:ln>
-            <a:noFill/>
-          </a:ln>
-        </p:spPr>
-        <p:txBody>
-          <a:bodyPr spcFirstLastPara="1" wrap="square" lIns="91425" tIns="91425" rIns="91425" bIns="91425" anchor="t" anchorCtr="0">
-            <a:noAutofit/>
-          </a:bodyPr>
-          <a:lstStyle>
-            <a:defPPr marR="0" lvl="0" algn="l" rtl="0">
-              <a:lnSpc>
-                <a:spcPct val="100000"/>
-              </a:lnSpc>
-              <a:spcBef>
-                <a:spcPts val="0"/>
-              </a:spcBef>
-              <a:spcAft>
-                <a:spcPts val="0"/>
-              </a:spcAft>
-            </a:defPPr>
-            <a:lvl1pPr marR="0" lvl="0" algn="ctr" rtl="0">
-              <a:lnSpc>
-                <a:spcPct val="100000"/>
-              </a:lnSpc>
-              <a:spcBef>
-                <a:spcPts val="0"/>
-              </a:spcBef>
-              <a:spcAft>
-                <a:spcPts val="0"/>
-              </a:spcAft>
-              <a:buClr>
-                <a:schemeClr val="dk1"/>
-              </a:buClr>
-              <a:buSzPts val="5200"/>
-              <a:buFont typeface="Arial"/>
-              <a:buNone/>
-              <a:defRPr sz="5200" b="0" i="0" u="none" strike="noStrike" cap="none">
-                <a:solidFill>
-                  <a:schemeClr val="dk1"/>
-                </a:solidFill>
-                <a:latin typeface="Arial"/>
-                <a:ea typeface="Arial"/>
-                <a:cs typeface="Arial"/>
-                <a:sym typeface="Arial"/>
-              </a:defRPr>
-            </a:lvl1pPr>
-            <a:lvl2pPr marR="0" lvl="1" algn="ctr" rtl="0">
-              <a:lnSpc>
-                <a:spcPct val="100000"/>
-              </a:lnSpc>
-              <a:spcBef>
-                <a:spcPts val="0"/>
-              </a:spcBef>
-              <a:spcAft>
-                <a:spcPts val="0"/>
-              </a:spcAft>
-              <a:buClr>
-                <a:schemeClr val="dk1"/>
-              </a:buClr>
-              <a:buSzPts val="5200"/>
-              <a:buFont typeface="Arial"/>
-              <a:buNone/>
-              <a:defRPr sz="5200" b="0" i="0" u="none" strike="noStrike" cap="none">
-                <a:solidFill>
-                  <a:schemeClr val="dk1"/>
-                </a:solidFill>
-                <a:latin typeface="Arial"/>
-                <a:ea typeface="Arial"/>
-                <a:cs typeface="Arial"/>
-                <a:sym typeface="Arial"/>
-              </a:defRPr>
-            </a:lvl2pPr>
-            <a:lvl3pPr marR="0" lvl="2" algn="ctr" rtl="0">
-              <a:lnSpc>
-                <a:spcPct val="100000"/>
-              </a:lnSpc>
-              <a:spcBef>
-                <a:spcPts val="0"/>
-              </a:spcBef>
-              <a:spcAft>
-                <a:spcPts val="0"/>
-              </a:spcAft>
-              <a:buClr>
-                <a:schemeClr val="dk1"/>
-              </a:buClr>
-              <a:buSzPts val="5200"/>
-              <a:buFont typeface="Arial"/>
-              <a:buNone/>
-              <a:defRPr sz="5200" b="0" i="0" u="none" strike="noStrike" cap="none">
-                <a:solidFill>
-                  <a:schemeClr val="dk1"/>
-                </a:solidFill>
-                <a:latin typeface="Arial"/>
-                <a:ea typeface="Arial"/>
-                <a:cs typeface="Arial"/>
-                <a:sym typeface="Arial"/>
-              </a:defRPr>
-            </a:lvl3pPr>
-            <a:lvl4pPr marR="0" lvl="3" algn="ctr" rtl="0">
-              <a:lnSpc>
-                <a:spcPct val="100000"/>
-              </a:lnSpc>
-              <a:spcBef>
-                <a:spcPts val="0"/>
-              </a:spcBef>
-              <a:spcAft>
-                <a:spcPts val="0"/>
-              </a:spcAft>
-              <a:buClr>
-                <a:schemeClr val="dk1"/>
-              </a:buClr>
-              <a:buSzPts val="5200"/>
-              <a:buFont typeface="Arial"/>
-              <a:buNone/>
-              <a:defRPr sz="5200" b="0" i="0" u="none" strike="noStrike" cap="none">
-                <a:solidFill>
-                  <a:schemeClr val="dk1"/>
-                </a:solidFill>
-                <a:latin typeface="Arial"/>
-                <a:ea typeface="Arial"/>
-                <a:cs typeface="Arial"/>
-                <a:sym typeface="Arial"/>
-              </a:defRPr>
-            </a:lvl4pPr>
-            <a:lvl5pPr marR="0" lvl="4" algn="ctr" rtl="0">
-              <a:lnSpc>
-                <a:spcPct val="100000"/>
-              </a:lnSpc>
-              <a:spcBef>
-                <a:spcPts val="0"/>
-              </a:spcBef>
-              <a:spcAft>
-                <a:spcPts val="0"/>
-              </a:spcAft>
-              <a:buClr>
-                <a:schemeClr val="dk1"/>
-              </a:buClr>
-              <a:buSzPts val="5200"/>
-              <a:buFont typeface="Arial"/>
-              <a:buNone/>
-              <a:defRPr sz="5200" b="0" i="0" u="none" strike="noStrike" cap="none">
-                <a:solidFill>
-                  <a:schemeClr val="dk1"/>
-                </a:solidFill>
-                <a:latin typeface="Arial"/>
-                <a:ea typeface="Arial"/>
-                <a:cs typeface="Arial"/>
-                <a:sym typeface="Arial"/>
-              </a:defRPr>
-            </a:lvl5pPr>
-            <a:lvl6pPr marR="0" lvl="5" algn="ctr" rtl="0">
-              <a:lnSpc>
-                <a:spcPct val="100000"/>
-              </a:lnSpc>
-              <a:spcBef>
-                <a:spcPts val="0"/>
-              </a:spcBef>
-              <a:spcAft>
-                <a:spcPts val="0"/>
-              </a:spcAft>
-              <a:buClr>
-                <a:schemeClr val="dk1"/>
-              </a:buClr>
-              <a:buSzPts val="5200"/>
-              <a:buFont typeface="Arial"/>
-              <a:buNone/>
-              <a:defRPr sz="5200" b="0" i="0" u="none" strike="noStrike" cap="none">
-                <a:solidFill>
-                  <a:schemeClr val="dk1"/>
-                </a:solidFill>
-                <a:latin typeface="Arial"/>
-                <a:ea typeface="Arial"/>
-                <a:cs typeface="Arial"/>
-                <a:sym typeface="Arial"/>
-              </a:defRPr>
-            </a:lvl6pPr>
-            <a:lvl7pPr marR="0" lvl="6" algn="ctr" rtl="0">
-              <a:lnSpc>
-                <a:spcPct val="100000"/>
-              </a:lnSpc>
-              <a:spcBef>
-                <a:spcPts val="0"/>
-              </a:spcBef>
-              <a:spcAft>
-                <a:spcPts val="0"/>
-              </a:spcAft>
-              <a:buClr>
-                <a:schemeClr val="dk1"/>
-              </a:buClr>
-              <a:buSzPts val="5200"/>
-              <a:buFont typeface="Arial"/>
-              <a:buNone/>
-              <a:defRPr sz="5200" b="0" i="0" u="none" strike="noStrike" cap="none">
-                <a:solidFill>
-                  <a:schemeClr val="dk1"/>
-                </a:solidFill>
-                <a:latin typeface="Arial"/>
-                <a:ea typeface="Arial"/>
-                <a:cs typeface="Arial"/>
-                <a:sym typeface="Arial"/>
-              </a:defRPr>
-            </a:lvl7pPr>
-            <a:lvl8pPr marR="0" lvl="7" algn="ctr" rtl="0">
-              <a:lnSpc>
-                <a:spcPct val="100000"/>
-              </a:lnSpc>
-              <a:spcBef>
-                <a:spcPts val="0"/>
-              </a:spcBef>
-              <a:spcAft>
-                <a:spcPts val="0"/>
-              </a:spcAft>
-              <a:buClr>
-                <a:schemeClr val="dk1"/>
-              </a:buClr>
-              <a:buSzPts val="5200"/>
-              <a:buFont typeface="Arial"/>
-              <a:buNone/>
-              <a:defRPr sz="5200" b="0" i="0" u="none" strike="noStrike" cap="none">
-                <a:solidFill>
-                  <a:schemeClr val="dk1"/>
-                </a:solidFill>
-                <a:latin typeface="Arial"/>
-                <a:ea typeface="Arial"/>
-                <a:cs typeface="Arial"/>
-                <a:sym typeface="Arial"/>
-              </a:defRPr>
-            </a:lvl8pPr>
-            <a:lvl9pPr marR="0" lvl="8" algn="ctr" rtl="0">
-              <a:lnSpc>
-                <a:spcPct val="100000"/>
-              </a:lnSpc>
-              <a:spcBef>
-                <a:spcPts val="0"/>
-              </a:spcBef>
-              <a:spcAft>
-                <a:spcPts val="0"/>
-              </a:spcAft>
-              <a:buClr>
-                <a:schemeClr val="dk1"/>
-              </a:buClr>
-              <a:buSzPts val="5200"/>
-              <a:buFont typeface="Arial"/>
-              <a:buNone/>
-              <a:defRPr sz="5200" b="0" i="0" u="none" strike="noStrike" cap="none">
-                <a:solidFill>
-                  <a:schemeClr val="dk1"/>
-                </a:solidFill>
-                <a:latin typeface="Arial"/>
-                <a:ea typeface="Arial"/>
-                <a:cs typeface="Arial"/>
-                <a:sym typeface="Arial"/>
-              </a:defRPr>
-            </a:lvl9pPr>
-          </a:lstStyle>
-          <a:p>
-            <a:pPr algn="l"/>
-            <a:r>
-              <a:rPr lang="nl-BE" sz="1400" dirty="0">
-                <a:solidFill>
-                  <a:schemeClr val="bg1"/>
-                </a:solidFill>
-                <a:latin typeface="Cascadia Mono" panose="020B0609020000020004" pitchFamily="49" charset="0"/>
-                <a:ea typeface="Cascadia Mono" panose="020B0609020000020004" pitchFamily="49" charset="0"/>
-                <a:cs typeface="Cascadia Mono" panose="020B0609020000020004" pitchFamily="49" charset="0"/>
-                <a:sym typeface="Montserrat"/>
-              </a:rPr>
-              <a:t>11/02/2022</a:t>
             </a:r>
           </a:p>
         </p:txBody>
@@ -25625,298 +22386,6 @@
           </a:p>
         </p:txBody>
       </p:sp>
-      <p:sp>
-        <p:nvSpPr>
-          <p:cNvPr id="12" name="Google Shape;69;p15">
-            <a:extLst>
-              <a:ext uri="{FF2B5EF4-FFF2-40B4-BE49-F238E27FC236}">
-                <a16:creationId xmlns:a16="http://schemas.microsoft.com/office/drawing/2014/main" id="{3FECF26B-17FB-40D2-ABA2-9DDA1168E080}"/>
-              </a:ext>
-            </a:extLst>
-          </p:cNvPr>
-          <p:cNvSpPr txBox="1">
-            <a:spLocks/>
-          </p:cNvSpPr>
-          <p:nvPr/>
-        </p:nvSpPr>
-        <p:spPr>
-          <a:xfrm>
-            <a:off x="317513" y="6163056"/>
-            <a:ext cx="3140592" cy="438149"/>
-          </a:xfrm>
-          <a:prstGeom prst="rect">
-            <a:avLst/>
-          </a:prstGeom>
-          <a:noFill/>
-          <a:ln>
-            <a:noFill/>
-          </a:ln>
-        </p:spPr>
-        <p:txBody>
-          <a:bodyPr spcFirstLastPara="1" wrap="square" lIns="91425" tIns="91425" rIns="91425" bIns="91425" anchor="t" anchorCtr="0">
-            <a:noAutofit/>
-          </a:bodyPr>
-          <a:lstStyle>
-            <a:defPPr marR="0" lvl="0" algn="l" rtl="0">
-              <a:lnSpc>
-                <a:spcPct val="100000"/>
-              </a:lnSpc>
-              <a:spcBef>
-                <a:spcPts val="0"/>
-              </a:spcBef>
-              <a:spcAft>
-                <a:spcPts val="0"/>
-              </a:spcAft>
-            </a:defPPr>
-            <a:lvl1pPr marR="0" lvl="0" algn="ctr" rtl="0">
-              <a:lnSpc>
-                <a:spcPct val="100000"/>
-              </a:lnSpc>
-              <a:spcBef>
-                <a:spcPts val="0"/>
-              </a:spcBef>
-              <a:spcAft>
-                <a:spcPts val="0"/>
-              </a:spcAft>
-              <a:buClr>
-                <a:schemeClr val="dk1"/>
-              </a:buClr>
-              <a:buSzPts val="5200"/>
-              <a:buFont typeface="Arial"/>
-              <a:buNone/>
-              <a:defRPr sz="5200" b="0" i="0" u="none" strike="noStrike" cap="none">
-                <a:solidFill>
-                  <a:schemeClr val="dk1"/>
-                </a:solidFill>
-                <a:latin typeface="Arial"/>
-                <a:ea typeface="Arial"/>
-                <a:cs typeface="Arial"/>
-                <a:sym typeface="Arial"/>
-              </a:defRPr>
-            </a:lvl1pPr>
-            <a:lvl2pPr marR="0" lvl="1" algn="ctr" rtl="0">
-              <a:lnSpc>
-                <a:spcPct val="100000"/>
-              </a:lnSpc>
-              <a:spcBef>
-                <a:spcPts val="0"/>
-              </a:spcBef>
-              <a:spcAft>
-                <a:spcPts val="0"/>
-              </a:spcAft>
-              <a:buClr>
-                <a:schemeClr val="dk1"/>
-              </a:buClr>
-              <a:buSzPts val="5200"/>
-              <a:buFont typeface="Arial"/>
-              <a:buNone/>
-              <a:defRPr sz="5200" b="0" i="0" u="none" strike="noStrike" cap="none">
-                <a:solidFill>
-                  <a:schemeClr val="dk1"/>
-                </a:solidFill>
-                <a:latin typeface="Arial"/>
-                <a:ea typeface="Arial"/>
-                <a:cs typeface="Arial"/>
-                <a:sym typeface="Arial"/>
-              </a:defRPr>
-            </a:lvl2pPr>
-            <a:lvl3pPr marR="0" lvl="2" algn="ctr" rtl="0">
-              <a:lnSpc>
-                <a:spcPct val="100000"/>
-              </a:lnSpc>
-              <a:spcBef>
-                <a:spcPts val="0"/>
-              </a:spcBef>
-              <a:spcAft>
-                <a:spcPts val="0"/>
-              </a:spcAft>
-              <a:buClr>
-                <a:schemeClr val="dk1"/>
-              </a:buClr>
-              <a:buSzPts val="5200"/>
-              <a:buFont typeface="Arial"/>
-              <a:buNone/>
-              <a:defRPr sz="5200" b="0" i="0" u="none" strike="noStrike" cap="none">
-                <a:solidFill>
-                  <a:schemeClr val="dk1"/>
-                </a:solidFill>
-                <a:latin typeface="Arial"/>
-                <a:ea typeface="Arial"/>
-                <a:cs typeface="Arial"/>
-                <a:sym typeface="Arial"/>
-              </a:defRPr>
-            </a:lvl3pPr>
-            <a:lvl4pPr marR="0" lvl="3" algn="ctr" rtl="0">
-              <a:lnSpc>
-                <a:spcPct val="100000"/>
-              </a:lnSpc>
-              <a:spcBef>
-                <a:spcPts val="0"/>
-              </a:spcBef>
-              <a:spcAft>
-                <a:spcPts val="0"/>
-              </a:spcAft>
-              <a:buClr>
-                <a:schemeClr val="dk1"/>
-              </a:buClr>
-              <a:buSzPts val="5200"/>
-              <a:buFont typeface="Arial"/>
-              <a:buNone/>
-              <a:defRPr sz="5200" b="0" i="0" u="none" strike="noStrike" cap="none">
-                <a:solidFill>
-                  <a:schemeClr val="dk1"/>
-                </a:solidFill>
-                <a:latin typeface="Arial"/>
-                <a:ea typeface="Arial"/>
-                <a:cs typeface="Arial"/>
-                <a:sym typeface="Arial"/>
-              </a:defRPr>
-            </a:lvl4pPr>
-            <a:lvl5pPr marR="0" lvl="4" algn="ctr" rtl="0">
-              <a:lnSpc>
-                <a:spcPct val="100000"/>
-              </a:lnSpc>
-              <a:spcBef>
-                <a:spcPts val="0"/>
-              </a:spcBef>
-              <a:spcAft>
-                <a:spcPts val="0"/>
-              </a:spcAft>
-              <a:buClr>
-                <a:schemeClr val="dk1"/>
-              </a:buClr>
-              <a:buSzPts val="5200"/>
-              <a:buFont typeface="Arial"/>
-              <a:buNone/>
-              <a:defRPr sz="5200" b="0" i="0" u="none" strike="noStrike" cap="none">
-                <a:solidFill>
-                  <a:schemeClr val="dk1"/>
-                </a:solidFill>
-                <a:latin typeface="Arial"/>
-                <a:ea typeface="Arial"/>
-                <a:cs typeface="Arial"/>
-                <a:sym typeface="Arial"/>
-              </a:defRPr>
-            </a:lvl5pPr>
-            <a:lvl6pPr marR="0" lvl="5" algn="ctr" rtl="0">
-              <a:lnSpc>
-                <a:spcPct val="100000"/>
-              </a:lnSpc>
-              <a:spcBef>
-                <a:spcPts val="0"/>
-              </a:spcBef>
-              <a:spcAft>
-                <a:spcPts val="0"/>
-              </a:spcAft>
-              <a:buClr>
-                <a:schemeClr val="dk1"/>
-              </a:buClr>
-              <a:buSzPts val="5200"/>
-              <a:buFont typeface="Arial"/>
-              <a:buNone/>
-              <a:defRPr sz="5200" b="0" i="0" u="none" strike="noStrike" cap="none">
-                <a:solidFill>
-                  <a:schemeClr val="dk1"/>
-                </a:solidFill>
-                <a:latin typeface="Arial"/>
-                <a:ea typeface="Arial"/>
-                <a:cs typeface="Arial"/>
-                <a:sym typeface="Arial"/>
-              </a:defRPr>
-            </a:lvl6pPr>
-            <a:lvl7pPr marR="0" lvl="6" algn="ctr" rtl="0">
-              <a:lnSpc>
-                <a:spcPct val="100000"/>
-              </a:lnSpc>
-              <a:spcBef>
-                <a:spcPts val="0"/>
-              </a:spcBef>
-              <a:spcAft>
-                <a:spcPts val="0"/>
-              </a:spcAft>
-              <a:buClr>
-                <a:schemeClr val="dk1"/>
-              </a:buClr>
-              <a:buSzPts val="5200"/>
-              <a:buFont typeface="Arial"/>
-              <a:buNone/>
-              <a:defRPr sz="5200" b="0" i="0" u="none" strike="noStrike" cap="none">
-                <a:solidFill>
-                  <a:schemeClr val="dk1"/>
-                </a:solidFill>
-                <a:latin typeface="Arial"/>
-                <a:ea typeface="Arial"/>
-                <a:cs typeface="Arial"/>
-                <a:sym typeface="Arial"/>
-              </a:defRPr>
-            </a:lvl7pPr>
-            <a:lvl8pPr marR="0" lvl="7" algn="ctr" rtl="0">
-              <a:lnSpc>
-                <a:spcPct val="100000"/>
-              </a:lnSpc>
-              <a:spcBef>
-                <a:spcPts val="0"/>
-              </a:spcBef>
-              <a:spcAft>
-                <a:spcPts val="0"/>
-              </a:spcAft>
-              <a:buClr>
-                <a:schemeClr val="dk1"/>
-              </a:buClr>
-              <a:buSzPts val="5200"/>
-              <a:buFont typeface="Arial"/>
-              <a:buNone/>
-              <a:defRPr sz="5200" b="0" i="0" u="none" strike="noStrike" cap="none">
-                <a:solidFill>
-                  <a:schemeClr val="dk1"/>
-                </a:solidFill>
-                <a:latin typeface="Arial"/>
-                <a:ea typeface="Arial"/>
-                <a:cs typeface="Arial"/>
-                <a:sym typeface="Arial"/>
-              </a:defRPr>
-            </a:lvl8pPr>
-            <a:lvl9pPr marR="0" lvl="8" algn="ctr" rtl="0">
-              <a:lnSpc>
-                <a:spcPct val="100000"/>
-              </a:lnSpc>
-              <a:spcBef>
-                <a:spcPts val="0"/>
-              </a:spcBef>
-              <a:spcAft>
-                <a:spcPts val="0"/>
-              </a:spcAft>
-              <a:buClr>
-                <a:schemeClr val="dk1"/>
-              </a:buClr>
-              <a:buSzPts val="5200"/>
-              <a:buFont typeface="Arial"/>
-              <a:buNone/>
-              <a:defRPr sz="5200" b="0" i="0" u="none" strike="noStrike" cap="none">
-                <a:solidFill>
-                  <a:schemeClr val="dk1"/>
-                </a:solidFill>
-                <a:latin typeface="Arial"/>
-                <a:ea typeface="Arial"/>
-                <a:cs typeface="Arial"/>
-                <a:sym typeface="Arial"/>
-              </a:defRPr>
-            </a:lvl9pPr>
-          </a:lstStyle>
-          <a:p>
-            <a:pPr algn="l"/>
-            <a:r>
-              <a:rPr lang="nl-BE" sz="1400" dirty="0">
-                <a:latin typeface="Cascadia Mono" panose="020B0609020000020004" pitchFamily="49" charset="0"/>
-                <a:ea typeface="Cascadia Mono" panose="020B0609020000020004" pitchFamily="49" charset="0"/>
-                <a:cs typeface="Cascadia Mono" panose="020B0609020000020004" pitchFamily="49" charset="0"/>
-                <a:sym typeface="Montserrat"/>
-              </a:rPr>
-              <a:t>11/02/2022</a:t>
-            </a:r>
-          </a:p>
-        </p:txBody>
-      </p:sp>
     </p:spTree>
   </p:cSld>
   <p:clrMapOvr>
@@ -26727,298 +23196,6 @@
           </a:p>
         </p:txBody>
       </p:sp>
-      <p:sp>
-        <p:nvSpPr>
-          <p:cNvPr id="12" name="Google Shape;69;p15">
-            <a:extLst>
-              <a:ext uri="{FF2B5EF4-FFF2-40B4-BE49-F238E27FC236}">
-                <a16:creationId xmlns:a16="http://schemas.microsoft.com/office/drawing/2014/main" id="{5D3F2911-D7D0-4AD0-954B-845BFD9A1263}"/>
-              </a:ext>
-            </a:extLst>
-          </p:cNvPr>
-          <p:cNvSpPr txBox="1">
-            <a:spLocks/>
-          </p:cNvSpPr>
-          <p:nvPr/>
-        </p:nvSpPr>
-        <p:spPr>
-          <a:xfrm>
-            <a:off x="317513" y="6163056"/>
-            <a:ext cx="3140592" cy="438149"/>
-          </a:xfrm>
-          <a:prstGeom prst="rect">
-            <a:avLst/>
-          </a:prstGeom>
-          <a:noFill/>
-          <a:ln>
-            <a:noFill/>
-          </a:ln>
-        </p:spPr>
-        <p:txBody>
-          <a:bodyPr spcFirstLastPara="1" wrap="square" lIns="91425" tIns="91425" rIns="91425" bIns="91425" anchor="t" anchorCtr="0">
-            <a:noAutofit/>
-          </a:bodyPr>
-          <a:lstStyle>
-            <a:defPPr marR="0" lvl="0" algn="l" rtl="0">
-              <a:lnSpc>
-                <a:spcPct val="100000"/>
-              </a:lnSpc>
-              <a:spcBef>
-                <a:spcPts val="0"/>
-              </a:spcBef>
-              <a:spcAft>
-                <a:spcPts val="0"/>
-              </a:spcAft>
-            </a:defPPr>
-            <a:lvl1pPr marR="0" lvl="0" algn="ctr" rtl="0">
-              <a:lnSpc>
-                <a:spcPct val="100000"/>
-              </a:lnSpc>
-              <a:spcBef>
-                <a:spcPts val="0"/>
-              </a:spcBef>
-              <a:spcAft>
-                <a:spcPts val="0"/>
-              </a:spcAft>
-              <a:buClr>
-                <a:schemeClr val="dk1"/>
-              </a:buClr>
-              <a:buSzPts val="5200"/>
-              <a:buFont typeface="Arial"/>
-              <a:buNone/>
-              <a:defRPr sz="5200" b="0" i="0" u="none" strike="noStrike" cap="none">
-                <a:solidFill>
-                  <a:schemeClr val="dk1"/>
-                </a:solidFill>
-                <a:latin typeface="Arial"/>
-                <a:ea typeface="Arial"/>
-                <a:cs typeface="Arial"/>
-                <a:sym typeface="Arial"/>
-              </a:defRPr>
-            </a:lvl1pPr>
-            <a:lvl2pPr marR="0" lvl="1" algn="ctr" rtl="0">
-              <a:lnSpc>
-                <a:spcPct val="100000"/>
-              </a:lnSpc>
-              <a:spcBef>
-                <a:spcPts val="0"/>
-              </a:spcBef>
-              <a:spcAft>
-                <a:spcPts val="0"/>
-              </a:spcAft>
-              <a:buClr>
-                <a:schemeClr val="dk1"/>
-              </a:buClr>
-              <a:buSzPts val="5200"/>
-              <a:buFont typeface="Arial"/>
-              <a:buNone/>
-              <a:defRPr sz="5200" b="0" i="0" u="none" strike="noStrike" cap="none">
-                <a:solidFill>
-                  <a:schemeClr val="dk1"/>
-                </a:solidFill>
-                <a:latin typeface="Arial"/>
-                <a:ea typeface="Arial"/>
-                <a:cs typeface="Arial"/>
-                <a:sym typeface="Arial"/>
-              </a:defRPr>
-            </a:lvl2pPr>
-            <a:lvl3pPr marR="0" lvl="2" algn="ctr" rtl="0">
-              <a:lnSpc>
-                <a:spcPct val="100000"/>
-              </a:lnSpc>
-              <a:spcBef>
-                <a:spcPts val="0"/>
-              </a:spcBef>
-              <a:spcAft>
-                <a:spcPts val="0"/>
-              </a:spcAft>
-              <a:buClr>
-                <a:schemeClr val="dk1"/>
-              </a:buClr>
-              <a:buSzPts val="5200"/>
-              <a:buFont typeface="Arial"/>
-              <a:buNone/>
-              <a:defRPr sz="5200" b="0" i="0" u="none" strike="noStrike" cap="none">
-                <a:solidFill>
-                  <a:schemeClr val="dk1"/>
-                </a:solidFill>
-                <a:latin typeface="Arial"/>
-                <a:ea typeface="Arial"/>
-                <a:cs typeface="Arial"/>
-                <a:sym typeface="Arial"/>
-              </a:defRPr>
-            </a:lvl3pPr>
-            <a:lvl4pPr marR="0" lvl="3" algn="ctr" rtl="0">
-              <a:lnSpc>
-                <a:spcPct val="100000"/>
-              </a:lnSpc>
-              <a:spcBef>
-                <a:spcPts val="0"/>
-              </a:spcBef>
-              <a:spcAft>
-                <a:spcPts val="0"/>
-              </a:spcAft>
-              <a:buClr>
-                <a:schemeClr val="dk1"/>
-              </a:buClr>
-              <a:buSzPts val="5200"/>
-              <a:buFont typeface="Arial"/>
-              <a:buNone/>
-              <a:defRPr sz="5200" b="0" i="0" u="none" strike="noStrike" cap="none">
-                <a:solidFill>
-                  <a:schemeClr val="dk1"/>
-                </a:solidFill>
-                <a:latin typeface="Arial"/>
-                <a:ea typeface="Arial"/>
-                <a:cs typeface="Arial"/>
-                <a:sym typeface="Arial"/>
-              </a:defRPr>
-            </a:lvl4pPr>
-            <a:lvl5pPr marR="0" lvl="4" algn="ctr" rtl="0">
-              <a:lnSpc>
-                <a:spcPct val="100000"/>
-              </a:lnSpc>
-              <a:spcBef>
-                <a:spcPts val="0"/>
-              </a:spcBef>
-              <a:spcAft>
-                <a:spcPts val="0"/>
-              </a:spcAft>
-              <a:buClr>
-                <a:schemeClr val="dk1"/>
-              </a:buClr>
-              <a:buSzPts val="5200"/>
-              <a:buFont typeface="Arial"/>
-              <a:buNone/>
-              <a:defRPr sz="5200" b="0" i="0" u="none" strike="noStrike" cap="none">
-                <a:solidFill>
-                  <a:schemeClr val="dk1"/>
-                </a:solidFill>
-                <a:latin typeface="Arial"/>
-                <a:ea typeface="Arial"/>
-                <a:cs typeface="Arial"/>
-                <a:sym typeface="Arial"/>
-              </a:defRPr>
-            </a:lvl5pPr>
-            <a:lvl6pPr marR="0" lvl="5" algn="ctr" rtl="0">
-              <a:lnSpc>
-                <a:spcPct val="100000"/>
-              </a:lnSpc>
-              <a:spcBef>
-                <a:spcPts val="0"/>
-              </a:spcBef>
-              <a:spcAft>
-                <a:spcPts val="0"/>
-              </a:spcAft>
-              <a:buClr>
-                <a:schemeClr val="dk1"/>
-              </a:buClr>
-              <a:buSzPts val="5200"/>
-              <a:buFont typeface="Arial"/>
-              <a:buNone/>
-              <a:defRPr sz="5200" b="0" i="0" u="none" strike="noStrike" cap="none">
-                <a:solidFill>
-                  <a:schemeClr val="dk1"/>
-                </a:solidFill>
-                <a:latin typeface="Arial"/>
-                <a:ea typeface="Arial"/>
-                <a:cs typeface="Arial"/>
-                <a:sym typeface="Arial"/>
-              </a:defRPr>
-            </a:lvl6pPr>
-            <a:lvl7pPr marR="0" lvl="6" algn="ctr" rtl="0">
-              <a:lnSpc>
-                <a:spcPct val="100000"/>
-              </a:lnSpc>
-              <a:spcBef>
-                <a:spcPts val="0"/>
-              </a:spcBef>
-              <a:spcAft>
-                <a:spcPts val="0"/>
-              </a:spcAft>
-              <a:buClr>
-                <a:schemeClr val="dk1"/>
-              </a:buClr>
-              <a:buSzPts val="5200"/>
-              <a:buFont typeface="Arial"/>
-              <a:buNone/>
-              <a:defRPr sz="5200" b="0" i="0" u="none" strike="noStrike" cap="none">
-                <a:solidFill>
-                  <a:schemeClr val="dk1"/>
-                </a:solidFill>
-                <a:latin typeface="Arial"/>
-                <a:ea typeface="Arial"/>
-                <a:cs typeface="Arial"/>
-                <a:sym typeface="Arial"/>
-              </a:defRPr>
-            </a:lvl7pPr>
-            <a:lvl8pPr marR="0" lvl="7" algn="ctr" rtl="0">
-              <a:lnSpc>
-                <a:spcPct val="100000"/>
-              </a:lnSpc>
-              <a:spcBef>
-                <a:spcPts val="0"/>
-              </a:spcBef>
-              <a:spcAft>
-                <a:spcPts val="0"/>
-              </a:spcAft>
-              <a:buClr>
-                <a:schemeClr val="dk1"/>
-              </a:buClr>
-              <a:buSzPts val="5200"/>
-              <a:buFont typeface="Arial"/>
-              <a:buNone/>
-              <a:defRPr sz="5200" b="0" i="0" u="none" strike="noStrike" cap="none">
-                <a:solidFill>
-                  <a:schemeClr val="dk1"/>
-                </a:solidFill>
-                <a:latin typeface="Arial"/>
-                <a:ea typeface="Arial"/>
-                <a:cs typeface="Arial"/>
-                <a:sym typeface="Arial"/>
-              </a:defRPr>
-            </a:lvl8pPr>
-            <a:lvl9pPr marR="0" lvl="8" algn="ctr" rtl="0">
-              <a:lnSpc>
-                <a:spcPct val="100000"/>
-              </a:lnSpc>
-              <a:spcBef>
-                <a:spcPts val="0"/>
-              </a:spcBef>
-              <a:spcAft>
-                <a:spcPts val="0"/>
-              </a:spcAft>
-              <a:buClr>
-                <a:schemeClr val="dk1"/>
-              </a:buClr>
-              <a:buSzPts val="5200"/>
-              <a:buFont typeface="Arial"/>
-              <a:buNone/>
-              <a:defRPr sz="5200" b="0" i="0" u="none" strike="noStrike" cap="none">
-                <a:solidFill>
-                  <a:schemeClr val="dk1"/>
-                </a:solidFill>
-                <a:latin typeface="Arial"/>
-                <a:ea typeface="Arial"/>
-                <a:cs typeface="Arial"/>
-                <a:sym typeface="Arial"/>
-              </a:defRPr>
-            </a:lvl9pPr>
-          </a:lstStyle>
-          <a:p>
-            <a:pPr algn="l"/>
-            <a:r>
-              <a:rPr lang="nl-BE" sz="1400" dirty="0">
-                <a:latin typeface="Cascadia Mono" panose="020B0609020000020004" pitchFamily="49" charset="0"/>
-                <a:ea typeface="Cascadia Mono" panose="020B0609020000020004" pitchFamily="49" charset="0"/>
-                <a:cs typeface="Cascadia Mono" panose="020B0609020000020004" pitchFamily="49" charset="0"/>
-                <a:sym typeface="Montserrat"/>
-              </a:rPr>
-              <a:t>11/02/2022</a:t>
-            </a:r>
-          </a:p>
-        </p:txBody>
-      </p:sp>
     </p:spTree>
   </p:cSld>
   <p:clrMapOvr>
@@ -27825,298 +24002,6 @@
                 <a:sym typeface="Montserrat"/>
               </a:rPr>
               <a:t>Python Fundamentals - Les006</a:t>
-            </a:r>
-          </a:p>
-        </p:txBody>
-      </p:sp>
-      <p:sp>
-        <p:nvSpPr>
-          <p:cNvPr id="12" name="Google Shape;69;p15">
-            <a:extLst>
-              <a:ext uri="{FF2B5EF4-FFF2-40B4-BE49-F238E27FC236}">
-                <a16:creationId xmlns:a16="http://schemas.microsoft.com/office/drawing/2014/main" id="{CD40A368-775E-43C1-9841-3180E355B241}"/>
-              </a:ext>
-            </a:extLst>
-          </p:cNvPr>
-          <p:cNvSpPr txBox="1">
-            <a:spLocks/>
-          </p:cNvSpPr>
-          <p:nvPr/>
-        </p:nvSpPr>
-        <p:spPr>
-          <a:xfrm>
-            <a:off x="317513" y="6163056"/>
-            <a:ext cx="3140592" cy="438149"/>
-          </a:xfrm>
-          <a:prstGeom prst="rect">
-            <a:avLst/>
-          </a:prstGeom>
-          <a:noFill/>
-          <a:ln>
-            <a:noFill/>
-          </a:ln>
-        </p:spPr>
-        <p:txBody>
-          <a:bodyPr spcFirstLastPara="1" wrap="square" lIns="91425" tIns="91425" rIns="91425" bIns="91425" anchor="t" anchorCtr="0">
-            <a:noAutofit/>
-          </a:bodyPr>
-          <a:lstStyle>
-            <a:defPPr marR="0" lvl="0" algn="l" rtl="0">
-              <a:lnSpc>
-                <a:spcPct val="100000"/>
-              </a:lnSpc>
-              <a:spcBef>
-                <a:spcPts val="0"/>
-              </a:spcBef>
-              <a:spcAft>
-                <a:spcPts val="0"/>
-              </a:spcAft>
-            </a:defPPr>
-            <a:lvl1pPr marR="0" lvl="0" algn="ctr" rtl="0">
-              <a:lnSpc>
-                <a:spcPct val="100000"/>
-              </a:lnSpc>
-              <a:spcBef>
-                <a:spcPts val="0"/>
-              </a:spcBef>
-              <a:spcAft>
-                <a:spcPts val="0"/>
-              </a:spcAft>
-              <a:buClr>
-                <a:schemeClr val="dk1"/>
-              </a:buClr>
-              <a:buSzPts val="5200"/>
-              <a:buFont typeface="Arial"/>
-              <a:buNone/>
-              <a:defRPr sz="5200" b="0" i="0" u="none" strike="noStrike" cap="none">
-                <a:solidFill>
-                  <a:schemeClr val="dk1"/>
-                </a:solidFill>
-                <a:latin typeface="Arial"/>
-                <a:ea typeface="Arial"/>
-                <a:cs typeface="Arial"/>
-                <a:sym typeface="Arial"/>
-              </a:defRPr>
-            </a:lvl1pPr>
-            <a:lvl2pPr marR="0" lvl="1" algn="ctr" rtl="0">
-              <a:lnSpc>
-                <a:spcPct val="100000"/>
-              </a:lnSpc>
-              <a:spcBef>
-                <a:spcPts val="0"/>
-              </a:spcBef>
-              <a:spcAft>
-                <a:spcPts val="0"/>
-              </a:spcAft>
-              <a:buClr>
-                <a:schemeClr val="dk1"/>
-              </a:buClr>
-              <a:buSzPts val="5200"/>
-              <a:buFont typeface="Arial"/>
-              <a:buNone/>
-              <a:defRPr sz="5200" b="0" i="0" u="none" strike="noStrike" cap="none">
-                <a:solidFill>
-                  <a:schemeClr val="dk1"/>
-                </a:solidFill>
-                <a:latin typeface="Arial"/>
-                <a:ea typeface="Arial"/>
-                <a:cs typeface="Arial"/>
-                <a:sym typeface="Arial"/>
-              </a:defRPr>
-            </a:lvl2pPr>
-            <a:lvl3pPr marR="0" lvl="2" algn="ctr" rtl="0">
-              <a:lnSpc>
-                <a:spcPct val="100000"/>
-              </a:lnSpc>
-              <a:spcBef>
-                <a:spcPts val="0"/>
-              </a:spcBef>
-              <a:spcAft>
-                <a:spcPts val="0"/>
-              </a:spcAft>
-              <a:buClr>
-                <a:schemeClr val="dk1"/>
-              </a:buClr>
-              <a:buSzPts val="5200"/>
-              <a:buFont typeface="Arial"/>
-              <a:buNone/>
-              <a:defRPr sz="5200" b="0" i="0" u="none" strike="noStrike" cap="none">
-                <a:solidFill>
-                  <a:schemeClr val="dk1"/>
-                </a:solidFill>
-                <a:latin typeface="Arial"/>
-                <a:ea typeface="Arial"/>
-                <a:cs typeface="Arial"/>
-                <a:sym typeface="Arial"/>
-              </a:defRPr>
-            </a:lvl3pPr>
-            <a:lvl4pPr marR="0" lvl="3" algn="ctr" rtl="0">
-              <a:lnSpc>
-                <a:spcPct val="100000"/>
-              </a:lnSpc>
-              <a:spcBef>
-                <a:spcPts val="0"/>
-              </a:spcBef>
-              <a:spcAft>
-                <a:spcPts val="0"/>
-              </a:spcAft>
-              <a:buClr>
-                <a:schemeClr val="dk1"/>
-              </a:buClr>
-              <a:buSzPts val="5200"/>
-              <a:buFont typeface="Arial"/>
-              <a:buNone/>
-              <a:defRPr sz="5200" b="0" i="0" u="none" strike="noStrike" cap="none">
-                <a:solidFill>
-                  <a:schemeClr val="dk1"/>
-                </a:solidFill>
-                <a:latin typeface="Arial"/>
-                <a:ea typeface="Arial"/>
-                <a:cs typeface="Arial"/>
-                <a:sym typeface="Arial"/>
-              </a:defRPr>
-            </a:lvl4pPr>
-            <a:lvl5pPr marR="0" lvl="4" algn="ctr" rtl="0">
-              <a:lnSpc>
-                <a:spcPct val="100000"/>
-              </a:lnSpc>
-              <a:spcBef>
-                <a:spcPts val="0"/>
-              </a:spcBef>
-              <a:spcAft>
-                <a:spcPts val="0"/>
-              </a:spcAft>
-              <a:buClr>
-                <a:schemeClr val="dk1"/>
-              </a:buClr>
-              <a:buSzPts val="5200"/>
-              <a:buFont typeface="Arial"/>
-              <a:buNone/>
-              <a:defRPr sz="5200" b="0" i="0" u="none" strike="noStrike" cap="none">
-                <a:solidFill>
-                  <a:schemeClr val="dk1"/>
-                </a:solidFill>
-                <a:latin typeface="Arial"/>
-                <a:ea typeface="Arial"/>
-                <a:cs typeface="Arial"/>
-                <a:sym typeface="Arial"/>
-              </a:defRPr>
-            </a:lvl5pPr>
-            <a:lvl6pPr marR="0" lvl="5" algn="ctr" rtl="0">
-              <a:lnSpc>
-                <a:spcPct val="100000"/>
-              </a:lnSpc>
-              <a:spcBef>
-                <a:spcPts val="0"/>
-              </a:spcBef>
-              <a:spcAft>
-                <a:spcPts val="0"/>
-              </a:spcAft>
-              <a:buClr>
-                <a:schemeClr val="dk1"/>
-              </a:buClr>
-              <a:buSzPts val="5200"/>
-              <a:buFont typeface="Arial"/>
-              <a:buNone/>
-              <a:defRPr sz="5200" b="0" i="0" u="none" strike="noStrike" cap="none">
-                <a:solidFill>
-                  <a:schemeClr val="dk1"/>
-                </a:solidFill>
-                <a:latin typeface="Arial"/>
-                <a:ea typeface="Arial"/>
-                <a:cs typeface="Arial"/>
-                <a:sym typeface="Arial"/>
-              </a:defRPr>
-            </a:lvl6pPr>
-            <a:lvl7pPr marR="0" lvl="6" algn="ctr" rtl="0">
-              <a:lnSpc>
-                <a:spcPct val="100000"/>
-              </a:lnSpc>
-              <a:spcBef>
-                <a:spcPts val="0"/>
-              </a:spcBef>
-              <a:spcAft>
-                <a:spcPts val="0"/>
-              </a:spcAft>
-              <a:buClr>
-                <a:schemeClr val="dk1"/>
-              </a:buClr>
-              <a:buSzPts val="5200"/>
-              <a:buFont typeface="Arial"/>
-              <a:buNone/>
-              <a:defRPr sz="5200" b="0" i="0" u="none" strike="noStrike" cap="none">
-                <a:solidFill>
-                  <a:schemeClr val="dk1"/>
-                </a:solidFill>
-                <a:latin typeface="Arial"/>
-                <a:ea typeface="Arial"/>
-                <a:cs typeface="Arial"/>
-                <a:sym typeface="Arial"/>
-              </a:defRPr>
-            </a:lvl7pPr>
-            <a:lvl8pPr marR="0" lvl="7" algn="ctr" rtl="0">
-              <a:lnSpc>
-                <a:spcPct val="100000"/>
-              </a:lnSpc>
-              <a:spcBef>
-                <a:spcPts val="0"/>
-              </a:spcBef>
-              <a:spcAft>
-                <a:spcPts val="0"/>
-              </a:spcAft>
-              <a:buClr>
-                <a:schemeClr val="dk1"/>
-              </a:buClr>
-              <a:buSzPts val="5200"/>
-              <a:buFont typeface="Arial"/>
-              <a:buNone/>
-              <a:defRPr sz="5200" b="0" i="0" u="none" strike="noStrike" cap="none">
-                <a:solidFill>
-                  <a:schemeClr val="dk1"/>
-                </a:solidFill>
-                <a:latin typeface="Arial"/>
-                <a:ea typeface="Arial"/>
-                <a:cs typeface="Arial"/>
-                <a:sym typeface="Arial"/>
-              </a:defRPr>
-            </a:lvl8pPr>
-            <a:lvl9pPr marR="0" lvl="8" algn="ctr" rtl="0">
-              <a:lnSpc>
-                <a:spcPct val="100000"/>
-              </a:lnSpc>
-              <a:spcBef>
-                <a:spcPts val="0"/>
-              </a:spcBef>
-              <a:spcAft>
-                <a:spcPts val="0"/>
-              </a:spcAft>
-              <a:buClr>
-                <a:schemeClr val="dk1"/>
-              </a:buClr>
-              <a:buSzPts val="5200"/>
-              <a:buFont typeface="Arial"/>
-              <a:buNone/>
-              <a:defRPr sz="5200" b="0" i="0" u="none" strike="noStrike" cap="none">
-                <a:solidFill>
-                  <a:schemeClr val="dk1"/>
-                </a:solidFill>
-                <a:latin typeface="Arial"/>
-                <a:ea typeface="Arial"/>
-                <a:cs typeface="Arial"/>
-                <a:sym typeface="Arial"/>
-              </a:defRPr>
-            </a:lvl9pPr>
-          </a:lstStyle>
-          <a:p>
-            <a:pPr algn="l"/>
-            <a:r>
-              <a:rPr lang="nl-BE" sz="1400" dirty="0">
-                <a:latin typeface="Cascadia Mono" panose="020B0609020000020004" pitchFamily="49" charset="0"/>
-                <a:ea typeface="Cascadia Mono" panose="020B0609020000020004" pitchFamily="49" charset="0"/>
-                <a:cs typeface="Cascadia Mono" panose="020B0609020000020004" pitchFamily="49" charset="0"/>
-                <a:sym typeface="Montserrat"/>
-              </a:rPr>
-              <a:t>11/02/2022</a:t>
             </a:r>
           </a:p>
         </p:txBody>
@@ -29714,298 +25599,6 @@
                 <a:sym typeface="Montserrat"/>
               </a:rPr>
               <a:t>Python Fundamentals - Les007</a:t>
-            </a:r>
-          </a:p>
-        </p:txBody>
-      </p:sp>
-      <p:sp>
-        <p:nvSpPr>
-          <p:cNvPr id="10" name="Google Shape;69;p15">
-            <a:extLst>
-              <a:ext uri="{FF2B5EF4-FFF2-40B4-BE49-F238E27FC236}">
-                <a16:creationId xmlns:a16="http://schemas.microsoft.com/office/drawing/2014/main" id="{0CE10819-23E4-41C8-8D7F-F4183B4E02A8}"/>
-              </a:ext>
-            </a:extLst>
-          </p:cNvPr>
-          <p:cNvSpPr txBox="1">
-            <a:spLocks/>
-          </p:cNvSpPr>
-          <p:nvPr/>
-        </p:nvSpPr>
-        <p:spPr>
-          <a:xfrm>
-            <a:off x="317513" y="6163056"/>
-            <a:ext cx="3140592" cy="438149"/>
-          </a:xfrm>
-          <a:prstGeom prst="rect">
-            <a:avLst/>
-          </a:prstGeom>
-          <a:noFill/>
-          <a:ln>
-            <a:noFill/>
-          </a:ln>
-        </p:spPr>
-        <p:txBody>
-          <a:bodyPr spcFirstLastPara="1" wrap="square" lIns="91425" tIns="91425" rIns="91425" bIns="91425" anchor="t" anchorCtr="0">
-            <a:noAutofit/>
-          </a:bodyPr>
-          <a:lstStyle>
-            <a:defPPr marR="0" lvl="0" algn="l" rtl="0">
-              <a:lnSpc>
-                <a:spcPct val="100000"/>
-              </a:lnSpc>
-              <a:spcBef>
-                <a:spcPts val="0"/>
-              </a:spcBef>
-              <a:spcAft>
-                <a:spcPts val="0"/>
-              </a:spcAft>
-            </a:defPPr>
-            <a:lvl1pPr marR="0" lvl="0" algn="ctr" rtl="0">
-              <a:lnSpc>
-                <a:spcPct val="100000"/>
-              </a:lnSpc>
-              <a:spcBef>
-                <a:spcPts val="0"/>
-              </a:spcBef>
-              <a:spcAft>
-                <a:spcPts val="0"/>
-              </a:spcAft>
-              <a:buClr>
-                <a:schemeClr val="dk1"/>
-              </a:buClr>
-              <a:buSzPts val="5200"/>
-              <a:buFont typeface="Arial"/>
-              <a:buNone/>
-              <a:defRPr sz="5200" b="0" i="0" u="none" strike="noStrike" cap="none">
-                <a:solidFill>
-                  <a:schemeClr val="dk1"/>
-                </a:solidFill>
-                <a:latin typeface="Arial"/>
-                <a:ea typeface="Arial"/>
-                <a:cs typeface="Arial"/>
-                <a:sym typeface="Arial"/>
-              </a:defRPr>
-            </a:lvl1pPr>
-            <a:lvl2pPr marR="0" lvl="1" algn="ctr" rtl="0">
-              <a:lnSpc>
-                <a:spcPct val="100000"/>
-              </a:lnSpc>
-              <a:spcBef>
-                <a:spcPts val="0"/>
-              </a:spcBef>
-              <a:spcAft>
-                <a:spcPts val="0"/>
-              </a:spcAft>
-              <a:buClr>
-                <a:schemeClr val="dk1"/>
-              </a:buClr>
-              <a:buSzPts val="5200"/>
-              <a:buFont typeface="Arial"/>
-              <a:buNone/>
-              <a:defRPr sz="5200" b="0" i="0" u="none" strike="noStrike" cap="none">
-                <a:solidFill>
-                  <a:schemeClr val="dk1"/>
-                </a:solidFill>
-                <a:latin typeface="Arial"/>
-                <a:ea typeface="Arial"/>
-                <a:cs typeface="Arial"/>
-                <a:sym typeface="Arial"/>
-              </a:defRPr>
-            </a:lvl2pPr>
-            <a:lvl3pPr marR="0" lvl="2" algn="ctr" rtl="0">
-              <a:lnSpc>
-                <a:spcPct val="100000"/>
-              </a:lnSpc>
-              <a:spcBef>
-                <a:spcPts val="0"/>
-              </a:spcBef>
-              <a:spcAft>
-                <a:spcPts val="0"/>
-              </a:spcAft>
-              <a:buClr>
-                <a:schemeClr val="dk1"/>
-              </a:buClr>
-              <a:buSzPts val="5200"/>
-              <a:buFont typeface="Arial"/>
-              <a:buNone/>
-              <a:defRPr sz="5200" b="0" i="0" u="none" strike="noStrike" cap="none">
-                <a:solidFill>
-                  <a:schemeClr val="dk1"/>
-                </a:solidFill>
-                <a:latin typeface="Arial"/>
-                <a:ea typeface="Arial"/>
-                <a:cs typeface="Arial"/>
-                <a:sym typeface="Arial"/>
-              </a:defRPr>
-            </a:lvl3pPr>
-            <a:lvl4pPr marR="0" lvl="3" algn="ctr" rtl="0">
-              <a:lnSpc>
-                <a:spcPct val="100000"/>
-              </a:lnSpc>
-              <a:spcBef>
-                <a:spcPts val="0"/>
-              </a:spcBef>
-              <a:spcAft>
-                <a:spcPts val="0"/>
-              </a:spcAft>
-              <a:buClr>
-                <a:schemeClr val="dk1"/>
-              </a:buClr>
-              <a:buSzPts val="5200"/>
-              <a:buFont typeface="Arial"/>
-              <a:buNone/>
-              <a:defRPr sz="5200" b="0" i="0" u="none" strike="noStrike" cap="none">
-                <a:solidFill>
-                  <a:schemeClr val="dk1"/>
-                </a:solidFill>
-                <a:latin typeface="Arial"/>
-                <a:ea typeface="Arial"/>
-                <a:cs typeface="Arial"/>
-                <a:sym typeface="Arial"/>
-              </a:defRPr>
-            </a:lvl4pPr>
-            <a:lvl5pPr marR="0" lvl="4" algn="ctr" rtl="0">
-              <a:lnSpc>
-                <a:spcPct val="100000"/>
-              </a:lnSpc>
-              <a:spcBef>
-                <a:spcPts val="0"/>
-              </a:spcBef>
-              <a:spcAft>
-                <a:spcPts val="0"/>
-              </a:spcAft>
-              <a:buClr>
-                <a:schemeClr val="dk1"/>
-              </a:buClr>
-              <a:buSzPts val="5200"/>
-              <a:buFont typeface="Arial"/>
-              <a:buNone/>
-              <a:defRPr sz="5200" b="0" i="0" u="none" strike="noStrike" cap="none">
-                <a:solidFill>
-                  <a:schemeClr val="dk1"/>
-                </a:solidFill>
-                <a:latin typeface="Arial"/>
-                <a:ea typeface="Arial"/>
-                <a:cs typeface="Arial"/>
-                <a:sym typeface="Arial"/>
-              </a:defRPr>
-            </a:lvl5pPr>
-            <a:lvl6pPr marR="0" lvl="5" algn="ctr" rtl="0">
-              <a:lnSpc>
-                <a:spcPct val="100000"/>
-              </a:lnSpc>
-              <a:spcBef>
-                <a:spcPts val="0"/>
-              </a:spcBef>
-              <a:spcAft>
-                <a:spcPts val="0"/>
-              </a:spcAft>
-              <a:buClr>
-                <a:schemeClr val="dk1"/>
-              </a:buClr>
-              <a:buSzPts val="5200"/>
-              <a:buFont typeface="Arial"/>
-              <a:buNone/>
-              <a:defRPr sz="5200" b="0" i="0" u="none" strike="noStrike" cap="none">
-                <a:solidFill>
-                  <a:schemeClr val="dk1"/>
-                </a:solidFill>
-                <a:latin typeface="Arial"/>
-                <a:ea typeface="Arial"/>
-                <a:cs typeface="Arial"/>
-                <a:sym typeface="Arial"/>
-              </a:defRPr>
-            </a:lvl6pPr>
-            <a:lvl7pPr marR="0" lvl="6" algn="ctr" rtl="0">
-              <a:lnSpc>
-                <a:spcPct val="100000"/>
-              </a:lnSpc>
-              <a:spcBef>
-                <a:spcPts val="0"/>
-              </a:spcBef>
-              <a:spcAft>
-                <a:spcPts val="0"/>
-              </a:spcAft>
-              <a:buClr>
-                <a:schemeClr val="dk1"/>
-              </a:buClr>
-              <a:buSzPts val="5200"/>
-              <a:buFont typeface="Arial"/>
-              <a:buNone/>
-              <a:defRPr sz="5200" b="0" i="0" u="none" strike="noStrike" cap="none">
-                <a:solidFill>
-                  <a:schemeClr val="dk1"/>
-                </a:solidFill>
-                <a:latin typeface="Arial"/>
-                <a:ea typeface="Arial"/>
-                <a:cs typeface="Arial"/>
-                <a:sym typeface="Arial"/>
-              </a:defRPr>
-            </a:lvl7pPr>
-            <a:lvl8pPr marR="0" lvl="7" algn="ctr" rtl="0">
-              <a:lnSpc>
-                <a:spcPct val="100000"/>
-              </a:lnSpc>
-              <a:spcBef>
-                <a:spcPts val="0"/>
-              </a:spcBef>
-              <a:spcAft>
-                <a:spcPts val="0"/>
-              </a:spcAft>
-              <a:buClr>
-                <a:schemeClr val="dk1"/>
-              </a:buClr>
-              <a:buSzPts val="5200"/>
-              <a:buFont typeface="Arial"/>
-              <a:buNone/>
-              <a:defRPr sz="5200" b="0" i="0" u="none" strike="noStrike" cap="none">
-                <a:solidFill>
-                  <a:schemeClr val="dk1"/>
-                </a:solidFill>
-                <a:latin typeface="Arial"/>
-                <a:ea typeface="Arial"/>
-                <a:cs typeface="Arial"/>
-                <a:sym typeface="Arial"/>
-              </a:defRPr>
-            </a:lvl8pPr>
-            <a:lvl9pPr marR="0" lvl="8" algn="ctr" rtl="0">
-              <a:lnSpc>
-                <a:spcPct val="100000"/>
-              </a:lnSpc>
-              <a:spcBef>
-                <a:spcPts val="0"/>
-              </a:spcBef>
-              <a:spcAft>
-                <a:spcPts val="0"/>
-              </a:spcAft>
-              <a:buClr>
-                <a:schemeClr val="dk1"/>
-              </a:buClr>
-              <a:buSzPts val="5200"/>
-              <a:buFont typeface="Arial"/>
-              <a:buNone/>
-              <a:defRPr sz="5200" b="0" i="0" u="none" strike="noStrike" cap="none">
-                <a:solidFill>
-                  <a:schemeClr val="dk1"/>
-                </a:solidFill>
-                <a:latin typeface="Arial"/>
-                <a:ea typeface="Arial"/>
-                <a:cs typeface="Arial"/>
-                <a:sym typeface="Arial"/>
-              </a:defRPr>
-            </a:lvl9pPr>
-          </a:lstStyle>
-          <a:p>
-            <a:pPr algn="l"/>
-            <a:r>
-              <a:rPr lang="nl-BE" sz="1400" dirty="0">
-                <a:latin typeface="Cascadia Mono" panose="020B0609020000020004" pitchFamily="49" charset="0"/>
-                <a:ea typeface="Cascadia Mono" panose="020B0609020000020004" pitchFamily="49" charset="0"/>
-                <a:cs typeface="Cascadia Mono" panose="020B0609020000020004" pitchFamily="49" charset="0"/>
-                <a:sym typeface="Montserrat"/>
-              </a:rPr>
-              <a:t>11/02/2022</a:t>
             </a:r>
           </a:p>
         </p:txBody>
@@ -30881,298 +26474,6 @@
           </a:p>
         </p:txBody>
       </p:sp>
-      <p:sp>
-        <p:nvSpPr>
-          <p:cNvPr id="11" name="Google Shape;69;p15">
-            <a:extLst>
-              <a:ext uri="{FF2B5EF4-FFF2-40B4-BE49-F238E27FC236}">
-                <a16:creationId xmlns:a16="http://schemas.microsoft.com/office/drawing/2014/main" id="{0169916F-EC43-4786-AB33-13257BBB7D74}"/>
-              </a:ext>
-            </a:extLst>
-          </p:cNvPr>
-          <p:cNvSpPr txBox="1">
-            <a:spLocks/>
-          </p:cNvSpPr>
-          <p:nvPr/>
-        </p:nvSpPr>
-        <p:spPr>
-          <a:xfrm>
-            <a:off x="317513" y="6163056"/>
-            <a:ext cx="3140592" cy="438149"/>
-          </a:xfrm>
-          <a:prstGeom prst="rect">
-            <a:avLst/>
-          </a:prstGeom>
-          <a:noFill/>
-          <a:ln>
-            <a:noFill/>
-          </a:ln>
-        </p:spPr>
-        <p:txBody>
-          <a:bodyPr spcFirstLastPara="1" wrap="square" lIns="91425" tIns="91425" rIns="91425" bIns="91425" anchor="t" anchorCtr="0">
-            <a:noAutofit/>
-          </a:bodyPr>
-          <a:lstStyle>
-            <a:defPPr marR="0" lvl="0" algn="l" rtl="0">
-              <a:lnSpc>
-                <a:spcPct val="100000"/>
-              </a:lnSpc>
-              <a:spcBef>
-                <a:spcPts val="0"/>
-              </a:spcBef>
-              <a:spcAft>
-                <a:spcPts val="0"/>
-              </a:spcAft>
-            </a:defPPr>
-            <a:lvl1pPr marR="0" lvl="0" algn="ctr" rtl="0">
-              <a:lnSpc>
-                <a:spcPct val="100000"/>
-              </a:lnSpc>
-              <a:spcBef>
-                <a:spcPts val="0"/>
-              </a:spcBef>
-              <a:spcAft>
-                <a:spcPts val="0"/>
-              </a:spcAft>
-              <a:buClr>
-                <a:schemeClr val="dk1"/>
-              </a:buClr>
-              <a:buSzPts val="5200"/>
-              <a:buFont typeface="Arial"/>
-              <a:buNone/>
-              <a:defRPr sz="5200" b="0" i="0" u="none" strike="noStrike" cap="none">
-                <a:solidFill>
-                  <a:schemeClr val="dk1"/>
-                </a:solidFill>
-                <a:latin typeface="Arial"/>
-                <a:ea typeface="Arial"/>
-                <a:cs typeface="Arial"/>
-                <a:sym typeface="Arial"/>
-              </a:defRPr>
-            </a:lvl1pPr>
-            <a:lvl2pPr marR="0" lvl="1" algn="ctr" rtl="0">
-              <a:lnSpc>
-                <a:spcPct val="100000"/>
-              </a:lnSpc>
-              <a:spcBef>
-                <a:spcPts val="0"/>
-              </a:spcBef>
-              <a:spcAft>
-                <a:spcPts val="0"/>
-              </a:spcAft>
-              <a:buClr>
-                <a:schemeClr val="dk1"/>
-              </a:buClr>
-              <a:buSzPts val="5200"/>
-              <a:buFont typeface="Arial"/>
-              <a:buNone/>
-              <a:defRPr sz="5200" b="0" i="0" u="none" strike="noStrike" cap="none">
-                <a:solidFill>
-                  <a:schemeClr val="dk1"/>
-                </a:solidFill>
-                <a:latin typeface="Arial"/>
-                <a:ea typeface="Arial"/>
-                <a:cs typeface="Arial"/>
-                <a:sym typeface="Arial"/>
-              </a:defRPr>
-            </a:lvl2pPr>
-            <a:lvl3pPr marR="0" lvl="2" algn="ctr" rtl="0">
-              <a:lnSpc>
-                <a:spcPct val="100000"/>
-              </a:lnSpc>
-              <a:spcBef>
-                <a:spcPts val="0"/>
-              </a:spcBef>
-              <a:spcAft>
-                <a:spcPts val="0"/>
-              </a:spcAft>
-              <a:buClr>
-                <a:schemeClr val="dk1"/>
-              </a:buClr>
-              <a:buSzPts val="5200"/>
-              <a:buFont typeface="Arial"/>
-              <a:buNone/>
-              <a:defRPr sz="5200" b="0" i="0" u="none" strike="noStrike" cap="none">
-                <a:solidFill>
-                  <a:schemeClr val="dk1"/>
-                </a:solidFill>
-                <a:latin typeface="Arial"/>
-                <a:ea typeface="Arial"/>
-                <a:cs typeface="Arial"/>
-                <a:sym typeface="Arial"/>
-              </a:defRPr>
-            </a:lvl3pPr>
-            <a:lvl4pPr marR="0" lvl="3" algn="ctr" rtl="0">
-              <a:lnSpc>
-                <a:spcPct val="100000"/>
-              </a:lnSpc>
-              <a:spcBef>
-                <a:spcPts val="0"/>
-              </a:spcBef>
-              <a:spcAft>
-                <a:spcPts val="0"/>
-              </a:spcAft>
-              <a:buClr>
-                <a:schemeClr val="dk1"/>
-              </a:buClr>
-              <a:buSzPts val="5200"/>
-              <a:buFont typeface="Arial"/>
-              <a:buNone/>
-              <a:defRPr sz="5200" b="0" i="0" u="none" strike="noStrike" cap="none">
-                <a:solidFill>
-                  <a:schemeClr val="dk1"/>
-                </a:solidFill>
-                <a:latin typeface="Arial"/>
-                <a:ea typeface="Arial"/>
-                <a:cs typeface="Arial"/>
-                <a:sym typeface="Arial"/>
-              </a:defRPr>
-            </a:lvl4pPr>
-            <a:lvl5pPr marR="0" lvl="4" algn="ctr" rtl="0">
-              <a:lnSpc>
-                <a:spcPct val="100000"/>
-              </a:lnSpc>
-              <a:spcBef>
-                <a:spcPts val="0"/>
-              </a:spcBef>
-              <a:spcAft>
-                <a:spcPts val="0"/>
-              </a:spcAft>
-              <a:buClr>
-                <a:schemeClr val="dk1"/>
-              </a:buClr>
-              <a:buSzPts val="5200"/>
-              <a:buFont typeface="Arial"/>
-              <a:buNone/>
-              <a:defRPr sz="5200" b="0" i="0" u="none" strike="noStrike" cap="none">
-                <a:solidFill>
-                  <a:schemeClr val="dk1"/>
-                </a:solidFill>
-                <a:latin typeface="Arial"/>
-                <a:ea typeface="Arial"/>
-                <a:cs typeface="Arial"/>
-                <a:sym typeface="Arial"/>
-              </a:defRPr>
-            </a:lvl5pPr>
-            <a:lvl6pPr marR="0" lvl="5" algn="ctr" rtl="0">
-              <a:lnSpc>
-                <a:spcPct val="100000"/>
-              </a:lnSpc>
-              <a:spcBef>
-                <a:spcPts val="0"/>
-              </a:spcBef>
-              <a:spcAft>
-                <a:spcPts val="0"/>
-              </a:spcAft>
-              <a:buClr>
-                <a:schemeClr val="dk1"/>
-              </a:buClr>
-              <a:buSzPts val="5200"/>
-              <a:buFont typeface="Arial"/>
-              <a:buNone/>
-              <a:defRPr sz="5200" b="0" i="0" u="none" strike="noStrike" cap="none">
-                <a:solidFill>
-                  <a:schemeClr val="dk1"/>
-                </a:solidFill>
-                <a:latin typeface="Arial"/>
-                <a:ea typeface="Arial"/>
-                <a:cs typeface="Arial"/>
-                <a:sym typeface="Arial"/>
-              </a:defRPr>
-            </a:lvl6pPr>
-            <a:lvl7pPr marR="0" lvl="6" algn="ctr" rtl="0">
-              <a:lnSpc>
-                <a:spcPct val="100000"/>
-              </a:lnSpc>
-              <a:spcBef>
-                <a:spcPts val="0"/>
-              </a:spcBef>
-              <a:spcAft>
-                <a:spcPts val="0"/>
-              </a:spcAft>
-              <a:buClr>
-                <a:schemeClr val="dk1"/>
-              </a:buClr>
-              <a:buSzPts val="5200"/>
-              <a:buFont typeface="Arial"/>
-              <a:buNone/>
-              <a:defRPr sz="5200" b="0" i="0" u="none" strike="noStrike" cap="none">
-                <a:solidFill>
-                  <a:schemeClr val="dk1"/>
-                </a:solidFill>
-                <a:latin typeface="Arial"/>
-                <a:ea typeface="Arial"/>
-                <a:cs typeface="Arial"/>
-                <a:sym typeface="Arial"/>
-              </a:defRPr>
-            </a:lvl7pPr>
-            <a:lvl8pPr marR="0" lvl="7" algn="ctr" rtl="0">
-              <a:lnSpc>
-                <a:spcPct val="100000"/>
-              </a:lnSpc>
-              <a:spcBef>
-                <a:spcPts val="0"/>
-              </a:spcBef>
-              <a:spcAft>
-                <a:spcPts val="0"/>
-              </a:spcAft>
-              <a:buClr>
-                <a:schemeClr val="dk1"/>
-              </a:buClr>
-              <a:buSzPts val="5200"/>
-              <a:buFont typeface="Arial"/>
-              <a:buNone/>
-              <a:defRPr sz="5200" b="0" i="0" u="none" strike="noStrike" cap="none">
-                <a:solidFill>
-                  <a:schemeClr val="dk1"/>
-                </a:solidFill>
-                <a:latin typeface="Arial"/>
-                <a:ea typeface="Arial"/>
-                <a:cs typeface="Arial"/>
-                <a:sym typeface="Arial"/>
-              </a:defRPr>
-            </a:lvl8pPr>
-            <a:lvl9pPr marR="0" lvl="8" algn="ctr" rtl="0">
-              <a:lnSpc>
-                <a:spcPct val="100000"/>
-              </a:lnSpc>
-              <a:spcBef>
-                <a:spcPts val="0"/>
-              </a:spcBef>
-              <a:spcAft>
-                <a:spcPts val="0"/>
-              </a:spcAft>
-              <a:buClr>
-                <a:schemeClr val="dk1"/>
-              </a:buClr>
-              <a:buSzPts val="5200"/>
-              <a:buFont typeface="Arial"/>
-              <a:buNone/>
-              <a:defRPr sz="5200" b="0" i="0" u="none" strike="noStrike" cap="none">
-                <a:solidFill>
-                  <a:schemeClr val="dk1"/>
-                </a:solidFill>
-                <a:latin typeface="Arial"/>
-                <a:ea typeface="Arial"/>
-                <a:cs typeface="Arial"/>
-                <a:sym typeface="Arial"/>
-              </a:defRPr>
-            </a:lvl9pPr>
-          </a:lstStyle>
-          <a:p>
-            <a:pPr algn="l"/>
-            <a:r>
-              <a:rPr lang="nl-BE" sz="1400" dirty="0">
-                <a:latin typeface="Cascadia Mono" panose="020B0609020000020004" pitchFamily="49" charset="0"/>
-                <a:ea typeface="Cascadia Mono" panose="020B0609020000020004" pitchFamily="49" charset="0"/>
-                <a:cs typeface="Cascadia Mono" panose="020B0609020000020004" pitchFamily="49" charset="0"/>
-                <a:sym typeface="Montserrat"/>
-              </a:rPr>
-              <a:t>11/02/2022</a:t>
-            </a:r>
-          </a:p>
-        </p:txBody>
-      </p:sp>
     </p:spTree>
   </p:cSld>
   <p:clrMapOvr>
@@ -31772,298 +27073,6 @@
           </a:p>
         </p:txBody>
       </p:sp>
-      <p:sp>
-        <p:nvSpPr>
-          <p:cNvPr id="11" name="Google Shape;69;p15">
-            <a:extLst>
-              <a:ext uri="{FF2B5EF4-FFF2-40B4-BE49-F238E27FC236}">
-                <a16:creationId xmlns:a16="http://schemas.microsoft.com/office/drawing/2014/main" id="{5C60124A-24D9-4AC7-9BFB-3BE65571D132}"/>
-              </a:ext>
-            </a:extLst>
-          </p:cNvPr>
-          <p:cNvSpPr txBox="1">
-            <a:spLocks/>
-          </p:cNvSpPr>
-          <p:nvPr/>
-        </p:nvSpPr>
-        <p:spPr>
-          <a:xfrm>
-            <a:off x="317513" y="6163056"/>
-            <a:ext cx="3140592" cy="438149"/>
-          </a:xfrm>
-          <a:prstGeom prst="rect">
-            <a:avLst/>
-          </a:prstGeom>
-          <a:noFill/>
-          <a:ln>
-            <a:noFill/>
-          </a:ln>
-        </p:spPr>
-        <p:txBody>
-          <a:bodyPr spcFirstLastPara="1" wrap="square" lIns="91425" tIns="91425" rIns="91425" bIns="91425" anchor="t" anchorCtr="0">
-            <a:noAutofit/>
-          </a:bodyPr>
-          <a:lstStyle>
-            <a:defPPr marR="0" lvl="0" algn="l" rtl="0">
-              <a:lnSpc>
-                <a:spcPct val="100000"/>
-              </a:lnSpc>
-              <a:spcBef>
-                <a:spcPts val="0"/>
-              </a:spcBef>
-              <a:spcAft>
-                <a:spcPts val="0"/>
-              </a:spcAft>
-            </a:defPPr>
-            <a:lvl1pPr marR="0" lvl="0" algn="ctr" rtl="0">
-              <a:lnSpc>
-                <a:spcPct val="100000"/>
-              </a:lnSpc>
-              <a:spcBef>
-                <a:spcPts val="0"/>
-              </a:spcBef>
-              <a:spcAft>
-                <a:spcPts val="0"/>
-              </a:spcAft>
-              <a:buClr>
-                <a:schemeClr val="dk1"/>
-              </a:buClr>
-              <a:buSzPts val="5200"/>
-              <a:buFont typeface="Arial"/>
-              <a:buNone/>
-              <a:defRPr sz="5200" b="0" i="0" u="none" strike="noStrike" cap="none">
-                <a:solidFill>
-                  <a:schemeClr val="dk1"/>
-                </a:solidFill>
-                <a:latin typeface="Arial"/>
-                <a:ea typeface="Arial"/>
-                <a:cs typeface="Arial"/>
-                <a:sym typeface="Arial"/>
-              </a:defRPr>
-            </a:lvl1pPr>
-            <a:lvl2pPr marR="0" lvl="1" algn="ctr" rtl="0">
-              <a:lnSpc>
-                <a:spcPct val="100000"/>
-              </a:lnSpc>
-              <a:spcBef>
-                <a:spcPts val="0"/>
-              </a:spcBef>
-              <a:spcAft>
-                <a:spcPts val="0"/>
-              </a:spcAft>
-              <a:buClr>
-                <a:schemeClr val="dk1"/>
-              </a:buClr>
-              <a:buSzPts val="5200"/>
-              <a:buFont typeface="Arial"/>
-              <a:buNone/>
-              <a:defRPr sz="5200" b="0" i="0" u="none" strike="noStrike" cap="none">
-                <a:solidFill>
-                  <a:schemeClr val="dk1"/>
-                </a:solidFill>
-                <a:latin typeface="Arial"/>
-                <a:ea typeface="Arial"/>
-                <a:cs typeface="Arial"/>
-                <a:sym typeface="Arial"/>
-              </a:defRPr>
-            </a:lvl2pPr>
-            <a:lvl3pPr marR="0" lvl="2" algn="ctr" rtl="0">
-              <a:lnSpc>
-                <a:spcPct val="100000"/>
-              </a:lnSpc>
-              <a:spcBef>
-                <a:spcPts val="0"/>
-              </a:spcBef>
-              <a:spcAft>
-                <a:spcPts val="0"/>
-              </a:spcAft>
-              <a:buClr>
-                <a:schemeClr val="dk1"/>
-              </a:buClr>
-              <a:buSzPts val="5200"/>
-              <a:buFont typeface="Arial"/>
-              <a:buNone/>
-              <a:defRPr sz="5200" b="0" i="0" u="none" strike="noStrike" cap="none">
-                <a:solidFill>
-                  <a:schemeClr val="dk1"/>
-                </a:solidFill>
-                <a:latin typeface="Arial"/>
-                <a:ea typeface="Arial"/>
-                <a:cs typeface="Arial"/>
-                <a:sym typeface="Arial"/>
-              </a:defRPr>
-            </a:lvl3pPr>
-            <a:lvl4pPr marR="0" lvl="3" algn="ctr" rtl="0">
-              <a:lnSpc>
-                <a:spcPct val="100000"/>
-              </a:lnSpc>
-              <a:spcBef>
-                <a:spcPts val="0"/>
-              </a:spcBef>
-              <a:spcAft>
-                <a:spcPts val="0"/>
-              </a:spcAft>
-              <a:buClr>
-                <a:schemeClr val="dk1"/>
-              </a:buClr>
-              <a:buSzPts val="5200"/>
-              <a:buFont typeface="Arial"/>
-              <a:buNone/>
-              <a:defRPr sz="5200" b="0" i="0" u="none" strike="noStrike" cap="none">
-                <a:solidFill>
-                  <a:schemeClr val="dk1"/>
-                </a:solidFill>
-                <a:latin typeface="Arial"/>
-                <a:ea typeface="Arial"/>
-                <a:cs typeface="Arial"/>
-                <a:sym typeface="Arial"/>
-              </a:defRPr>
-            </a:lvl4pPr>
-            <a:lvl5pPr marR="0" lvl="4" algn="ctr" rtl="0">
-              <a:lnSpc>
-                <a:spcPct val="100000"/>
-              </a:lnSpc>
-              <a:spcBef>
-                <a:spcPts val="0"/>
-              </a:spcBef>
-              <a:spcAft>
-                <a:spcPts val="0"/>
-              </a:spcAft>
-              <a:buClr>
-                <a:schemeClr val="dk1"/>
-              </a:buClr>
-              <a:buSzPts val="5200"/>
-              <a:buFont typeface="Arial"/>
-              <a:buNone/>
-              <a:defRPr sz="5200" b="0" i="0" u="none" strike="noStrike" cap="none">
-                <a:solidFill>
-                  <a:schemeClr val="dk1"/>
-                </a:solidFill>
-                <a:latin typeface="Arial"/>
-                <a:ea typeface="Arial"/>
-                <a:cs typeface="Arial"/>
-                <a:sym typeface="Arial"/>
-              </a:defRPr>
-            </a:lvl5pPr>
-            <a:lvl6pPr marR="0" lvl="5" algn="ctr" rtl="0">
-              <a:lnSpc>
-                <a:spcPct val="100000"/>
-              </a:lnSpc>
-              <a:spcBef>
-                <a:spcPts val="0"/>
-              </a:spcBef>
-              <a:spcAft>
-                <a:spcPts val="0"/>
-              </a:spcAft>
-              <a:buClr>
-                <a:schemeClr val="dk1"/>
-              </a:buClr>
-              <a:buSzPts val="5200"/>
-              <a:buFont typeface="Arial"/>
-              <a:buNone/>
-              <a:defRPr sz="5200" b="0" i="0" u="none" strike="noStrike" cap="none">
-                <a:solidFill>
-                  <a:schemeClr val="dk1"/>
-                </a:solidFill>
-                <a:latin typeface="Arial"/>
-                <a:ea typeface="Arial"/>
-                <a:cs typeface="Arial"/>
-                <a:sym typeface="Arial"/>
-              </a:defRPr>
-            </a:lvl6pPr>
-            <a:lvl7pPr marR="0" lvl="6" algn="ctr" rtl="0">
-              <a:lnSpc>
-                <a:spcPct val="100000"/>
-              </a:lnSpc>
-              <a:spcBef>
-                <a:spcPts val="0"/>
-              </a:spcBef>
-              <a:spcAft>
-                <a:spcPts val="0"/>
-              </a:spcAft>
-              <a:buClr>
-                <a:schemeClr val="dk1"/>
-              </a:buClr>
-              <a:buSzPts val="5200"/>
-              <a:buFont typeface="Arial"/>
-              <a:buNone/>
-              <a:defRPr sz="5200" b="0" i="0" u="none" strike="noStrike" cap="none">
-                <a:solidFill>
-                  <a:schemeClr val="dk1"/>
-                </a:solidFill>
-                <a:latin typeface="Arial"/>
-                <a:ea typeface="Arial"/>
-                <a:cs typeface="Arial"/>
-                <a:sym typeface="Arial"/>
-              </a:defRPr>
-            </a:lvl7pPr>
-            <a:lvl8pPr marR="0" lvl="7" algn="ctr" rtl="0">
-              <a:lnSpc>
-                <a:spcPct val="100000"/>
-              </a:lnSpc>
-              <a:spcBef>
-                <a:spcPts val="0"/>
-              </a:spcBef>
-              <a:spcAft>
-                <a:spcPts val="0"/>
-              </a:spcAft>
-              <a:buClr>
-                <a:schemeClr val="dk1"/>
-              </a:buClr>
-              <a:buSzPts val="5200"/>
-              <a:buFont typeface="Arial"/>
-              <a:buNone/>
-              <a:defRPr sz="5200" b="0" i="0" u="none" strike="noStrike" cap="none">
-                <a:solidFill>
-                  <a:schemeClr val="dk1"/>
-                </a:solidFill>
-                <a:latin typeface="Arial"/>
-                <a:ea typeface="Arial"/>
-                <a:cs typeface="Arial"/>
-                <a:sym typeface="Arial"/>
-              </a:defRPr>
-            </a:lvl8pPr>
-            <a:lvl9pPr marR="0" lvl="8" algn="ctr" rtl="0">
-              <a:lnSpc>
-                <a:spcPct val="100000"/>
-              </a:lnSpc>
-              <a:spcBef>
-                <a:spcPts val="0"/>
-              </a:spcBef>
-              <a:spcAft>
-                <a:spcPts val="0"/>
-              </a:spcAft>
-              <a:buClr>
-                <a:schemeClr val="dk1"/>
-              </a:buClr>
-              <a:buSzPts val="5200"/>
-              <a:buFont typeface="Arial"/>
-              <a:buNone/>
-              <a:defRPr sz="5200" b="0" i="0" u="none" strike="noStrike" cap="none">
-                <a:solidFill>
-                  <a:schemeClr val="dk1"/>
-                </a:solidFill>
-                <a:latin typeface="Arial"/>
-                <a:ea typeface="Arial"/>
-                <a:cs typeface="Arial"/>
-                <a:sym typeface="Arial"/>
-              </a:defRPr>
-            </a:lvl9pPr>
-          </a:lstStyle>
-          <a:p>
-            <a:pPr algn="l"/>
-            <a:r>
-              <a:rPr lang="nl-BE" sz="1400" dirty="0">
-                <a:latin typeface="Cascadia Mono" panose="020B0609020000020004" pitchFamily="49" charset="0"/>
-                <a:ea typeface="Cascadia Mono" panose="020B0609020000020004" pitchFamily="49" charset="0"/>
-                <a:cs typeface="Cascadia Mono" panose="020B0609020000020004" pitchFamily="49" charset="0"/>
-                <a:sym typeface="Montserrat"/>
-              </a:rPr>
-              <a:t>11/02/2022</a:t>
-            </a:r>
-          </a:p>
-        </p:txBody>
-      </p:sp>
     </p:spTree>
   </p:cSld>
   <p:clrMapOvr>
@@ -32743,298 +27752,6 @@
                 <a:sym typeface="Montserrat"/>
               </a:rPr>
               <a:t>Python Fundamentals - Les007</a:t>
-            </a:r>
-          </a:p>
-        </p:txBody>
-      </p:sp>
-      <p:sp>
-        <p:nvSpPr>
-          <p:cNvPr id="11" name="Google Shape;69;p15">
-            <a:extLst>
-              <a:ext uri="{FF2B5EF4-FFF2-40B4-BE49-F238E27FC236}">
-                <a16:creationId xmlns:a16="http://schemas.microsoft.com/office/drawing/2014/main" id="{3DAA2201-856C-47E7-A1AD-6A71D9F7C3F7}"/>
-              </a:ext>
-            </a:extLst>
-          </p:cNvPr>
-          <p:cNvSpPr txBox="1">
-            <a:spLocks/>
-          </p:cNvSpPr>
-          <p:nvPr/>
-        </p:nvSpPr>
-        <p:spPr>
-          <a:xfrm>
-            <a:off x="317513" y="6163056"/>
-            <a:ext cx="3140592" cy="438149"/>
-          </a:xfrm>
-          <a:prstGeom prst="rect">
-            <a:avLst/>
-          </a:prstGeom>
-          <a:noFill/>
-          <a:ln>
-            <a:noFill/>
-          </a:ln>
-        </p:spPr>
-        <p:txBody>
-          <a:bodyPr spcFirstLastPara="1" wrap="square" lIns="91425" tIns="91425" rIns="91425" bIns="91425" anchor="t" anchorCtr="0">
-            <a:noAutofit/>
-          </a:bodyPr>
-          <a:lstStyle>
-            <a:defPPr marR="0" lvl="0" algn="l" rtl="0">
-              <a:lnSpc>
-                <a:spcPct val="100000"/>
-              </a:lnSpc>
-              <a:spcBef>
-                <a:spcPts val="0"/>
-              </a:spcBef>
-              <a:spcAft>
-                <a:spcPts val="0"/>
-              </a:spcAft>
-            </a:defPPr>
-            <a:lvl1pPr marR="0" lvl="0" algn="ctr" rtl="0">
-              <a:lnSpc>
-                <a:spcPct val="100000"/>
-              </a:lnSpc>
-              <a:spcBef>
-                <a:spcPts val="0"/>
-              </a:spcBef>
-              <a:spcAft>
-                <a:spcPts val="0"/>
-              </a:spcAft>
-              <a:buClr>
-                <a:schemeClr val="dk1"/>
-              </a:buClr>
-              <a:buSzPts val="5200"/>
-              <a:buFont typeface="Arial"/>
-              <a:buNone/>
-              <a:defRPr sz="5200" b="0" i="0" u="none" strike="noStrike" cap="none">
-                <a:solidFill>
-                  <a:schemeClr val="dk1"/>
-                </a:solidFill>
-                <a:latin typeface="Arial"/>
-                <a:ea typeface="Arial"/>
-                <a:cs typeface="Arial"/>
-                <a:sym typeface="Arial"/>
-              </a:defRPr>
-            </a:lvl1pPr>
-            <a:lvl2pPr marR="0" lvl="1" algn="ctr" rtl="0">
-              <a:lnSpc>
-                <a:spcPct val="100000"/>
-              </a:lnSpc>
-              <a:spcBef>
-                <a:spcPts val="0"/>
-              </a:spcBef>
-              <a:spcAft>
-                <a:spcPts val="0"/>
-              </a:spcAft>
-              <a:buClr>
-                <a:schemeClr val="dk1"/>
-              </a:buClr>
-              <a:buSzPts val="5200"/>
-              <a:buFont typeface="Arial"/>
-              <a:buNone/>
-              <a:defRPr sz="5200" b="0" i="0" u="none" strike="noStrike" cap="none">
-                <a:solidFill>
-                  <a:schemeClr val="dk1"/>
-                </a:solidFill>
-                <a:latin typeface="Arial"/>
-                <a:ea typeface="Arial"/>
-                <a:cs typeface="Arial"/>
-                <a:sym typeface="Arial"/>
-              </a:defRPr>
-            </a:lvl2pPr>
-            <a:lvl3pPr marR="0" lvl="2" algn="ctr" rtl="0">
-              <a:lnSpc>
-                <a:spcPct val="100000"/>
-              </a:lnSpc>
-              <a:spcBef>
-                <a:spcPts val="0"/>
-              </a:spcBef>
-              <a:spcAft>
-                <a:spcPts val="0"/>
-              </a:spcAft>
-              <a:buClr>
-                <a:schemeClr val="dk1"/>
-              </a:buClr>
-              <a:buSzPts val="5200"/>
-              <a:buFont typeface="Arial"/>
-              <a:buNone/>
-              <a:defRPr sz="5200" b="0" i="0" u="none" strike="noStrike" cap="none">
-                <a:solidFill>
-                  <a:schemeClr val="dk1"/>
-                </a:solidFill>
-                <a:latin typeface="Arial"/>
-                <a:ea typeface="Arial"/>
-                <a:cs typeface="Arial"/>
-                <a:sym typeface="Arial"/>
-              </a:defRPr>
-            </a:lvl3pPr>
-            <a:lvl4pPr marR="0" lvl="3" algn="ctr" rtl="0">
-              <a:lnSpc>
-                <a:spcPct val="100000"/>
-              </a:lnSpc>
-              <a:spcBef>
-                <a:spcPts val="0"/>
-              </a:spcBef>
-              <a:spcAft>
-                <a:spcPts val="0"/>
-              </a:spcAft>
-              <a:buClr>
-                <a:schemeClr val="dk1"/>
-              </a:buClr>
-              <a:buSzPts val="5200"/>
-              <a:buFont typeface="Arial"/>
-              <a:buNone/>
-              <a:defRPr sz="5200" b="0" i="0" u="none" strike="noStrike" cap="none">
-                <a:solidFill>
-                  <a:schemeClr val="dk1"/>
-                </a:solidFill>
-                <a:latin typeface="Arial"/>
-                <a:ea typeface="Arial"/>
-                <a:cs typeface="Arial"/>
-                <a:sym typeface="Arial"/>
-              </a:defRPr>
-            </a:lvl4pPr>
-            <a:lvl5pPr marR="0" lvl="4" algn="ctr" rtl="0">
-              <a:lnSpc>
-                <a:spcPct val="100000"/>
-              </a:lnSpc>
-              <a:spcBef>
-                <a:spcPts val="0"/>
-              </a:spcBef>
-              <a:spcAft>
-                <a:spcPts val="0"/>
-              </a:spcAft>
-              <a:buClr>
-                <a:schemeClr val="dk1"/>
-              </a:buClr>
-              <a:buSzPts val="5200"/>
-              <a:buFont typeface="Arial"/>
-              <a:buNone/>
-              <a:defRPr sz="5200" b="0" i="0" u="none" strike="noStrike" cap="none">
-                <a:solidFill>
-                  <a:schemeClr val="dk1"/>
-                </a:solidFill>
-                <a:latin typeface="Arial"/>
-                <a:ea typeface="Arial"/>
-                <a:cs typeface="Arial"/>
-                <a:sym typeface="Arial"/>
-              </a:defRPr>
-            </a:lvl5pPr>
-            <a:lvl6pPr marR="0" lvl="5" algn="ctr" rtl="0">
-              <a:lnSpc>
-                <a:spcPct val="100000"/>
-              </a:lnSpc>
-              <a:spcBef>
-                <a:spcPts val="0"/>
-              </a:spcBef>
-              <a:spcAft>
-                <a:spcPts val="0"/>
-              </a:spcAft>
-              <a:buClr>
-                <a:schemeClr val="dk1"/>
-              </a:buClr>
-              <a:buSzPts val="5200"/>
-              <a:buFont typeface="Arial"/>
-              <a:buNone/>
-              <a:defRPr sz="5200" b="0" i="0" u="none" strike="noStrike" cap="none">
-                <a:solidFill>
-                  <a:schemeClr val="dk1"/>
-                </a:solidFill>
-                <a:latin typeface="Arial"/>
-                <a:ea typeface="Arial"/>
-                <a:cs typeface="Arial"/>
-                <a:sym typeface="Arial"/>
-              </a:defRPr>
-            </a:lvl6pPr>
-            <a:lvl7pPr marR="0" lvl="6" algn="ctr" rtl="0">
-              <a:lnSpc>
-                <a:spcPct val="100000"/>
-              </a:lnSpc>
-              <a:spcBef>
-                <a:spcPts val="0"/>
-              </a:spcBef>
-              <a:spcAft>
-                <a:spcPts val="0"/>
-              </a:spcAft>
-              <a:buClr>
-                <a:schemeClr val="dk1"/>
-              </a:buClr>
-              <a:buSzPts val="5200"/>
-              <a:buFont typeface="Arial"/>
-              <a:buNone/>
-              <a:defRPr sz="5200" b="0" i="0" u="none" strike="noStrike" cap="none">
-                <a:solidFill>
-                  <a:schemeClr val="dk1"/>
-                </a:solidFill>
-                <a:latin typeface="Arial"/>
-                <a:ea typeface="Arial"/>
-                <a:cs typeface="Arial"/>
-                <a:sym typeface="Arial"/>
-              </a:defRPr>
-            </a:lvl7pPr>
-            <a:lvl8pPr marR="0" lvl="7" algn="ctr" rtl="0">
-              <a:lnSpc>
-                <a:spcPct val="100000"/>
-              </a:lnSpc>
-              <a:spcBef>
-                <a:spcPts val="0"/>
-              </a:spcBef>
-              <a:spcAft>
-                <a:spcPts val="0"/>
-              </a:spcAft>
-              <a:buClr>
-                <a:schemeClr val="dk1"/>
-              </a:buClr>
-              <a:buSzPts val="5200"/>
-              <a:buFont typeface="Arial"/>
-              <a:buNone/>
-              <a:defRPr sz="5200" b="0" i="0" u="none" strike="noStrike" cap="none">
-                <a:solidFill>
-                  <a:schemeClr val="dk1"/>
-                </a:solidFill>
-                <a:latin typeface="Arial"/>
-                <a:ea typeface="Arial"/>
-                <a:cs typeface="Arial"/>
-                <a:sym typeface="Arial"/>
-              </a:defRPr>
-            </a:lvl8pPr>
-            <a:lvl9pPr marR="0" lvl="8" algn="ctr" rtl="0">
-              <a:lnSpc>
-                <a:spcPct val="100000"/>
-              </a:lnSpc>
-              <a:spcBef>
-                <a:spcPts val="0"/>
-              </a:spcBef>
-              <a:spcAft>
-                <a:spcPts val="0"/>
-              </a:spcAft>
-              <a:buClr>
-                <a:schemeClr val="dk1"/>
-              </a:buClr>
-              <a:buSzPts val="5200"/>
-              <a:buFont typeface="Arial"/>
-              <a:buNone/>
-              <a:defRPr sz="5200" b="0" i="0" u="none" strike="noStrike" cap="none">
-                <a:solidFill>
-                  <a:schemeClr val="dk1"/>
-                </a:solidFill>
-                <a:latin typeface="Arial"/>
-                <a:ea typeface="Arial"/>
-                <a:cs typeface="Arial"/>
-                <a:sym typeface="Arial"/>
-              </a:defRPr>
-            </a:lvl9pPr>
-          </a:lstStyle>
-          <a:p>
-            <a:pPr algn="l"/>
-            <a:r>
-              <a:rPr lang="nl-BE" sz="1400" dirty="0">
-                <a:latin typeface="Cascadia Mono" panose="020B0609020000020004" pitchFamily="49" charset="0"/>
-                <a:ea typeface="Cascadia Mono" panose="020B0609020000020004" pitchFamily="49" charset="0"/>
-                <a:cs typeface="Cascadia Mono" panose="020B0609020000020004" pitchFamily="49" charset="0"/>
-                <a:sym typeface="Montserrat"/>
-              </a:rPr>
-              <a:t>11/02/2022</a:t>
             </a:r>
           </a:p>
         </p:txBody>
@@ -33517,301 +28234,6 @@
                 <a:sym typeface="Montserrat"/>
               </a:rPr>
               <a:t>Python Fundamentals - Les008</a:t>
-            </a:r>
-          </a:p>
-        </p:txBody>
-      </p:sp>
-      <p:sp>
-        <p:nvSpPr>
-          <p:cNvPr id="10" name="Google Shape;69;p15">
-            <a:extLst>
-              <a:ext uri="{FF2B5EF4-FFF2-40B4-BE49-F238E27FC236}">
-                <a16:creationId xmlns:a16="http://schemas.microsoft.com/office/drawing/2014/main" id="{AA280734-D5AF-4CB1-8814-06DC4B25C253}"/>
-              </a:ext>
-            </a:extLst>
-          </p:cNvPr>
-          <p:cNvSpPr txBox="1">
-            <a:spLocks/>
-          </p:cNvSpPr>
-          <p:nvPr/>
-        </p:nvSpPr>
-        <p:spPr>
-          <a:xfrm>
-            <a:off x="317513" y="6163056"/>
-            <a:ext cx="3140592" cy="438149"/>
-          </a:xfrm>
-          <a:prstGeom prst="rect">
-            <a:avLst/>
-          </a:prstGeom>
-          <a:noFill/>
-          <a:ln>
-            <a:noFill/>
-          </a:ln>
-        </p:spPr>
-        <p:txBody>
-          <a:bodyPr spcFirstLastPara="1" wrap="square" lIns="91425" tIns="91425" rIns="91425" bIns="91425" anchor="t" anchorCtr="0">
-            <a:noAutofit/>
-          </a:bodyPr>
-          <a:lstStyle>
-            <a:defPPr marR="0" lvl="0" algn="l" rtl="0">
-              <a:lnSpc>
-                <a:spcPct val="100000"/>
-              </a:lnSpc>
-              <a:spcBef>
-                <a:spcPts val="0"/>
-              </a:spcBef>
-              <a:spcAft>
-                <a:spcPts val="0"/>
-              </a:spcAft>
-            </a:defPPr>
-            <a:lvl1pPr marR="0" lvl="0" algn="ctr" rtl="0">
-              <a:lnSpc>
-                <a:spcPct val="100000"/>
-              </a:lnSpc>
-              <a:spcBef>
-                <a:spcPts val="0"/>
-              </a:spcBef>
-              <a:spcAft>
-                <a:spcPts val="0"/>
-              </a:spcAft>
-              <a:buClr>
-                <a:schemeClr val="dk1"/>
-              </a:buClr>
-              <a:buSzPts val="5200"/>
-              <a:buFont typeface="Arial"/>
-              <a:buNone/>
-              <a:defRPr sz="5200" b="0" i="0" u="none" strike="noStrike" cap="none">
-                <a:solidFill>
-                  <a:schemeClr val="dk1"/>
-                </a:solidFill>
-                <a:latin typeface="Arial"/>
-                <a:ea typeface="Arial"/>
-                <a:cs typeface="Arial"/>
-                <a:sym typeface="Arial"/>
-              </a:defRPr>
-            </a:lvl1pPr>
-            <a:lvl2pPr marR="0" lvl="1" algn="ctr" rtl="0">
-              <a:lnSpc>
-                <a:spcPct val="100000"/>
-              </a:lnSpc>
-              <a:spcBef>
-                <a:spcPts val="0"/>
-              </a:spcBef>
-              <a:spcAft>
-                <a:spcPts val="0"/>
-              </a:spcAft>
-              <a:buClr>
-                <a:schemeClr val="dk1"/>
-              </a:buClr>
-              <a:buSzPts val="5200"/>
-              <a:buFont typeface="Arial"/>
-              <a:buNone/>
-              <a:defRPr sz="5200" b="0" i="0" u="none" strike="noStrike" cap="none">
-                <a:solidFill>
-                  <a:schemeClr val="dk1"/>
-                </a:solidFill>
-                <a:latin typeface="Arial"/>
-                <a:ea typeface="Arial"/>
-                <a:cs typeface="Arial"/>
-                <a:sym typeface="Arial"/>
-              </a:defRPr>
-            </a:lvl2pPr>
-            <a:lvl3pPr marR="0" lvl="2" algn="ctr" rtl="0">
-              <a:lnSpc>
-                <a:spcPct val="100000"/>
-              </a:lnSpc>
-              <a:spcBef>
-                <a:spcPts val="0"/>
-              </a:spcBef>
-              <a:spcAft>
-                <a:spcPts val="0"/>
-              </a:spcAft>
-              <a:buClr>
-                <a:schemeClr val="dk1"/>
-              </a:buClr>
-              <a:buSzPts val="5200"/>
-              <a:buFont typeface="Arial"/>
-              <a:buNone/>
-              <a:defRPr sz="5200" b="0" i="0" u="none" strike="noStrike" cap="none">
-                <a:solidFill>
-                  <a:schemeClr val="dk1"/>
-                </a:solidFill>
-                <a:latin typeface="Arial"/>
-                <a:ea typeface="Arial"/>
-                <a:cs typeface="Arial"/>
-                <a:sym typeface="Arial"/>
-              </a:defRPr>
-            </a:lvl3pPr>
-            <a:lvl4pPr marR="0" lvl="3" algn="ctr" rtl="0">
-              <a:lnSpc>
-                <a:spcPct val="100000"/>
-              </a:lnSpc>
-              <a:spcBef>
-                <a:spcPts val="0"/>
-              </a:spcBef>
-              <a:spcAft>
-                <a:spcPts val="0"/>
-              </a:spcAft>
-              <a:buClr>
-                <a:schemeClr val="dk1"/>
-              </a:buClr>
-              <a:buSzPts val="5200"/>
-              <a:buFont typeface="Arial"/>
-              <a:buNone/>
-              <a:defRPr sz="5200" b="0" i="0" u="none" strike="noStrike" cap="none">
-                <a:solidFill>
-                  <a:schemeClr val="dk1"/>
-                </a:solidFill>
-                <a:latin typeface="Arial"/>
-                <a:ea typeface="Arial"/>
-                <a:cs typeface="Arial"/>
-                <a:sym typeface="Arial"/>
-              </a:defRPr>
-            </a:lvl4pPr>
-            <a:lvl5pPr marR="0" lvl="4" algn="ctr" rtl="0">
-              <a:lnSpc>
-                <a:spcPct val="100000"/>
-              </a:lnSpc>
-              <a:spcBef>
-                <a:spcPts val="0"/>
-              </a:spcBef>
-              <a:spcAft>
-                <a:spcPts val="0"/>
-              </a:spcAft>
-              <a:buClr>
-                <a:schemeClr val="dk1"/>
-              </a:buClr>
-              <a:buSzPts val="5200"/>
-              <a:buFont typeface="Arial"/>
-              <a:buNone/>
-              <a:defRPr sz="5200" b="0" i="0" u="none" strike="noStrike" cap="none">
-                <a:solidFill>
-                  <a:schemeClr val="dk1"/>
-                </a:solidFill>
-                <a:latin typeface="Arial"/>
-                <a:ea typeface="Arial"/>
-                <a:cs typeface="Arial"/>
-                <a:sym typeface="Arial"/>
-              </a:defRPr>
-            </a:lvl5pPr>
-            <a:lvl6pPr marR="0" lvl="5" algn="ctr" rtl="0">
-              <a:lnSpc>
-                <a:spcPct val="100000"/>
-              </a:lnSpc>
-              <a:spcBef>
-                <a:spcPts val="0"/>
-              </a:spcBef>
-              <a:spcAft>
-                <a:spcPts val="0"/>
-              </a:spcAft>
-              <a:buClr>
-                <a:schemeClr val="dk1"/>
-              </a:buClr>
-              <a:buSzPts val="5200"/>
-              <a:buFont typeface="Arial"/>
-              <a:buNone/>
-              <a:defRPr sz="5200" b="0" i="0" u="none" strike="noStrike" cap="none">
-                <a:solidFill>
-                  <a:schemeClr val="dk1"/>
-                </a:solidFill>
-                <a:latin typeface="Arial"/>
-                <a:ea typeface="Arial"/>
-                <a:cs typeface="Arial"/>
-                <a:sym typeface="Arial"/>
-              </a:defRPr>
-            </a:lvl6pPr>
-            <a:lvl7pPr marR="0" lvl="6" algn="ctr" rtl="0">
-              <a:lnSpc>
-                <a:spcPct val="100000"/>
-              </a:lnSpc>
-              <a:spcBef>
-                <a:spcPts val="0"/>
-              </a:spcBef>
-              <a:spcAft>
-                <a:spcPts val="0"/>
-              </a:spcAft>
-              <a:buClr>
-                <a:schemeClr val="dk1"/>
-              </a:buClr>
-              <a:buSzPts val="5200"/>
-              <a:buFont typeface="Arial"/>
-              <a:buNone/>
-              <a:defRPr sz="5200" b="0" i="0" u="none" strike="noStrike" cap="none">
-                <a:solidFill>
-                  <a:schemeClr val="dk1"/>
-                </a:solidFill>
-                <a:latin typeface="Arial"/>
-                <a:ea typeface="Arial"/>
-                <a:cs typeface="Arial"/>
-                <a:sym typeface="Arial"/>
-              </a:defRPr>
-            </a:lvl7pPr>
-            <a:lvl8pPr marR="0" lvl="7" algn="ctr" rtl="0">
-              <a:lnSpc>
-                <a:spcPct val="100000"/>
-              </a:lnSpc>
-              <a:spcBef>
-                <a:spcPts val="0"/>
-              </a:spcBef>
-              <a:spcAft>
-                <a:spcPts val="0"/>
-              </a:spcAft>
-              <a:buClr>
-                <a:schemeClr val="dk1"/>
-              </a:buClr>
-              <a:buSzPts val="5200"/>
-              <a:buFont typeface="Arial"/>
-              <a:buNone/>
-              <a:defRPr sz="5200" b="0" i="0" u="none" strike="noStrike" cap="none">
-                <a:solidFill>
-                  <a:schemeClr val="dk1"/>
-                </a:solidFill>
-                <a:latin typeface="Arial"/>
-                <a:ea typeface="Arial"/>
-                <a:cs typeface="Arial"/>
-                <a:sym typeface="Arial"/>
-              </a:defRPr>
-            </a:lvl8pPr>
-            <a:lvl9pPr marR="0" lvl="8" algn="ctr" rtl="0">
-              <a:lnSpc>
-                <a:spcPct val="100000"/>
-              </a:lnSpc>
-              <a:spcBef>
-                <a:spcPts val="0"/>
-              </a:spcBef>
-              <a:spcAft>
-                <a:spcPts val="0"/>
-              </a:spcAft>
-              <a:buClr>
-                <a:schemeClr val="dk1"/>
-              </a:buClr>
-              <a:buSzPts val="5200"/>
-              <a:buFont typeface="Arial"/>
-              <a:buNone/>
-              <a:defRPr sz="5200" b="0" i="0" u="none" strike="noStrike" cap="none">
-                <a:solidFill>
-                  <a:schemeClr val="dk1"/>
-                </a:solidFill>
-                <a:latin typeface="Arial"/>
-                <a:ea typeface="Arial"/>
-                <a:cs typeface="Arial"/>
-                <a:sym typeface="Arial"/>
-              </a:defRPr>
-            </a:lvl9pPr>
-          </a:lstStyle>
-          <a:p>
-            <a:pPr algn="l"/>
-            <a:r>
-              <a:rPr lang="nl-BE" sz="1400" dirty="0">
-                <a:solidFill>
-                  <a:schemeClr val="bg1"/>
-                </a:solidFill>
-                <a:latin typeface="Cascadia Mono" panose="020B0609020000020004" pitchFamily="49" charset="0"/>
-                <a:ea typeface="Cascadia Mono" panose="020B0609020000020004" pitchFamily="49" charset="0"/>
-                <a:cs typeface="Cascadia Mono" panose="020B0609020000020004" pitchFamily="49" charset="0"/>
-                <a:sym typeface="Montserrat"/>
-              </a:rPr>
-              <a:t>15/02/2022</a:t>
             </a:r>
           </a:p>
         </p:txBody>
@@ -34300,298 +28722,6 @@
                 <a:sym typeface="Montserrat"/>
               </a:rPr>
               <a:t>Python Fundamentals - Les008</a:t>
-            </a:r>
-          </a:p>
-        </p:txBody>
-      </p:sp>
-      <p:sp>
-        <p:nvSpPr>
-          <p:cNvPr id="10" name="Google Shape;69;p15">
-            <a:extLst>
-              <a:ext uri="{FF2B5EF4-FFF2-40B4-BE49-F238E27FC236}">
-                <a16:creationId xmlns:a16="http://schemas.microsoft.com/office/drawing/2014/main" id="{E890BCDE-C4DE-4054-B1B7-0AFA893C4789}"/>
-              </a:ext>
-            </a:extLst>
-          </p:cNvPr>
-          <p:cNvSpPr txBox="1">
-            <a:spLocks/>
-          </p:cNvSpPr>
-          <p:nvPr/>
-        </p:nvSpPr>
-        <p:spPr>
-          <a:xfrm>
-            <a:off x="317513" y="6163056"/>
-            <a:ext cx="3140592" cy="438149"/>
-          </a:xfrm>
-          <a:prstGeom prst="rect">
-            <a:avLst/>
-          </a:prstGeom>
-          <a:noFill/>
-          <a:ln>
-            <a:noFill/>
-          </a:ln>
-        </p:spPr>
-        <p:txBody>
-          <a:bodyPr spcFirstLastPara="1" wrap="square" lIns="91425" tIns="91425" rIns="91425" bIns="91425" anchor="t" anchorCtr="0">
-            <a:noAutofit/>
-          </a:bodyPr>
-          <a:lstStyle>
-            <a:defPPr marR="0" lvl="0" algn="l" rtl="0">
-              <a:lnSpc>
-                <a:spcPct val="100000"/>
-              </a:lnSpc>
-              <a:spcBef>
-                <a:spcPts val="0"/>
-              </a:spcBef>
-              <a:spcAft>
-                <a:spcPts val="0"/>
-              </a:spcAft>
-            </a:defPPr>
-            <a:lvl1pPr marR="0" lvl="0" algn="ctr" rtl="0">
-              <a:lnSpc>
-                <a:spcPct val="100000"/>
-              </a:lnSpc>
-              <a:spcBef>
-                <a:spcPts val="0"/>
-              </a:spcBef>
-              <a:spcAft>
-                <a:spcPts val="0"/>
-              </a:spcAft>
-              <a:buClr>
-                <a:schemeClr val="dk1"/>
-              </a:buClr>
-              <a:buSzPts val="5200"/>
-              <a:buFont typeface="Arial"/>
-              <a:buNone/>
-              <a:defRPr sz="5200" b="0" i="0" u="none" strike="noStrike" cap="none">
-                <a:solidFill>
-                  <a:schemeClr val="dk1"/>
-                </a:solidFill>
-                <a:latin typeface="Arial"/>
-                <a:ea typeface="Arial"/>
-                <a:cs typeface="Arial"/>
-                <a:sym typeface="Arial"/>
-              </a:defRPr>
-            </a:lvl1pPr>
-            <a:lvl2pPr marR="0" lvl="1" algn="ctr" rtl="0">
-              <a:lnSpc>
-                <a:spcPct val="100000"/>
-              </a:lnSpc>
-              <a:spcBef>
-                <a:spcPts val="0"/>
-              </a:spcBef>
-              <a:spcAft>
-                <a:spcPts val="0"/>
-              </a:spcAft>
-              <a:buClr>
-                <a:schemeClr val="dk1"/>
-              </a:buClr>
-              <a:buSzPts val="5200"/>
-              <a:buFont typeface="Arial"/>
-              <a:buNone/>
-              <a:defRPr sz="5200" b="0" i="0" u="none" strike="noStrike" cap="none">
-                <a:solidFill>
-                  <a:schemeClr val="dk1"/>
-                </a:solidFill>
-                <a:latin typeface="Arial"/>
-                <a:ea typeface="Arial"/>
-                <a:cs typeface="Arial"/>
-                <a:sym typeface="Arial"/>
-              </a:defRPr>
-            </a:lvl2pPr>
-            <a:lvl3pPr marR="0" lvl="2" algn="ctr" rtl="0">
-              <a:lnSpc>
-                <a:spcPct val="100000"/>
-              </a:lnSpc>
-              <a:spcBef>
-                <a:spcPts val="0"/>
-              </a:spcBef>
-              <a:spcAft>
-                <a:spcPts val="0"/>
-              </a:spcAft>
-              <a:buClr>
-                <a:schemeClr val="dk1"/>
-              </a:buClr>
-              <a:buSzPts val="5200"/>
-              <a:buFont typeface="Arial"/>
-              <a:buNone/>
-              <a:defRPr sz="5200" b="0" i="0" u="none" strike="noStrike" cap="none">
-                <a:solidFill>
-                  <a:schemeClr val="dk1"/>
-                </a:solidFill>
-                <a:latin typeface="Arial"/>
-                <a:ea typeface="Arial"/>
-                <a:cs typeface="Arial"/>
-                <a:sym typeface="Arial"/>
-              </a:defRPr>
-            </a:lvl3pPr>
-            <a:lvl4pPr marR="0" lvl="3" algn="ctr" rtl="0">
-              <a:lnSpc>
-                <a:spcPct val="100000"/>
-              </a:lnSpc>
-              <a:spcBef>
-                <a:spcPts val="0"/>
-              </a:spcBef>
-              <a:spcAft>
-                <a:spcPts val="0"/>
-              </a:spcAft>
-              <a:buClr>
-                <a:schemeClr val="dk1"/>
-              </a:buClr>
-              <a:buSzPts val="5200"/>
-              <a:buFont typeface="Arial"/>
-              <a:buNone/>
-              <a:defRPr sz="5200" b="0" i="0" u="none" strike="noStrike" cap="none">
-                <a:solidFill>
-                  <a:schemeClr val="dk1"/>
-                </a:solidFill>
-                <a:latin typeface="Arial"/>
-                <a:ea typeface="Arial"/>
-                <a:cs typeface="Arial"/>
-                <a:sym typeface="Arial"/>
-              </a:defRPr>
-            </a:lvl4pPr>
-            <a:lvl5pPr marR="0" lvl="4" algn="ctr" rtl="0">
-              <a:lnSpc>
-                <a:spcPct val="100000"/>
-              </a:lnSpc>
-              <a:spcBef>
-                <a:spcPts val="0"/>
-              </a:spcBef>
-              <a:spcAft>
-                <a:spcPts val="0"/>
-              </a:spcAft>
-              <a:buClr>
-                <a:schemeClr val="dk1"/>
-              </a:buClr>
-              <a:buSzPts val="5200"/>
-              <a:buFont typeface="Arial"/>
-              <a:buNone/>
-              <a:defRPr sz="5200" b="0" i="0" u="none" strike="noStrike" cap="none">
-                <a:solidFill>
-                  <a:schemeClr val="dk1"/>
-                </a:solidFill>
-                <a:latin typeface="Arial"/>
-                <a:ea typeface="Arial"/>
-                <a:cs typeface="Arial"/>
-                <a:sym typeface="Arial"/>
-              </a:defRPr>
-            </a:lvl5pPr>
-            <a:lvl6pPr marR="0" lvl="5" algn="ctr" rtl="0">
-              <a:lnSpc>
-                <a:spcPct val="100000"/>
-              </a:lnSpc>
-              <a:spcBef>
-                <a:spcPts val="0"/>
-              </a:spcBef>
-              <a:spcAft>
-                <a:spcPts val="0"/>
-              </a:spcAft>
-              <a:buClr>
-                <a:schemeClr val="dk1"/>
-              </a:buClr>
-              <a:buSzPts val="5200"/>
-              <a:buFont typeface="Arial"/>
-              <a:buNone/>
-              <a:defRPr sz="5200" b="0" i="0" u="none" strike="noStrike" cap="none">
-                <a:solidFill>
-                  <a:schemeClr val="dk1"/>
-                </a:solidFill>
-                <a:latin typeface="Arial"/>
-                <a:ea typeface="Arial"/>
-                <a:cs typeface="Arial"/>
-                <a:sym typeface="Arial"/>
-              </a:defRPr>
-            </a:lvl6pPr>
-            <a:lvl7pPr marR="0" lvl="6" algn="ctr" rtl="0">
-              <a:lnSpc>
-                <a:spcPct val="100000"/>
-              </a:lnSpc>
-              <a:spcBef>
-                <a:spcPts val="0"/>
-              </a:spcBef>
-              <a:spcAft>
-                <a:spcPts val="0"/>
-              </a:spcAft>
-              <a:buClr>
-                <a:schemeClr val="dk1"/>
-              </a:buClr>
-              <a:buSzPts val="5200"/>
-              <a:buFont typeface="Arial"/>
-              <a:buNone/>
-              <a:defRPr sz="5200" b="0" i="0" u="none" strike="noStrike" cap="none">
-                <a:solidFill>
-                  <a:schemeClr val="dk1"/>
-                </a:solidFill>
-                <a:latin typeface="Arial"/>
-                <a:ea typeface="Arial"/>
-                <a:cs typeface="Arial"/>
-                <a:sym typeface="Arial"/>
-              </a:defRPr>
-            </a:lvl7pPr>
-            <a:lvl8pPr marR="0" lvl="7" algn="ctr" rtl="0">
-              <a:lnSpc>
-                <a:spcPct val="100000"/>
-              </a:lnSpc>
-              <a:spcBef>
-                <a:spcPts val="0"/>
-              </a:spcBef>
-              <a:spcAft>
-                <a:spcPts val="0"/>
-              </a:spcAft>
-              <a:buClr>
-                <a:schemeClr val="dk1"/>
-              </a:buClr>
-              <a:buSzPts val="5200"/>
-              <a:buFont typeface="Arial"/>
-              <a:buNone/>
-              <a:defRPr sz="5200" b="0" i="0" u="none" strike="noStrike" cap="none">
-                <a:solidFill>
-                  <a:schemeClr val="dk1"/>
-                </a:solidFill>
-                <a:latin typeface="Arial"/>
-                <a:ea typeface="Arial"/>
-                <a:cs typeface="Arial"/>
-                <a:sym typeface="Arial"/>
-              </a:defRPr>
-            </a:lvl8pPr>
-            <a:lvl9pPr marR="0" lvl="8" algn="ctr" rtl="0">
-              <a:lnSpc>
-                <a:spcPct val="100000"/>
-              </a:lnSpc>
-              <a:spcBef>
-                <a:spcPts val="0"/>
-              </a:spcBef>
-              <a:spcAft>
-                <a:spcPts val="0"/>
-              </a:spcAft>
-              <a:buClr>
-                <a:schemeClr val="dk1"/>
-              </a:buClr>
-              <a:buSzPts val="5200"/>
-              <a:buFont typeface="Arial"/>
-              <a:buNone/>
-              <a:defRPr sz="5200" b="0" i="0" u="none" strike="noStrike" cap="none">
-                <a:solidFill>
-                  <a:schemeClr val="dk1"/>
-                </a:solidFill>
-                <a:latin typeface="Arial"/>
-                <a:ea typeface="Arial"/>
-                <a:cs typeface="Arial"/>
-                <a:sym typeface="Arial"/>
-              </a:defRPr>
-            </a:lvl9pPr>
-          </a:lstStyle>
-          <a:p>
-            <a:pPr algn="l"/>
-            <a:r>
-              <a:rPr lang="nl-BE" sz="1400" dirty="0">
-                <a:latin typeface="Cascadia Mono" panose="020B0609020000020004" pitchFamily="49" charset="0"/>
-                <a:ea typeface="Cascadia Mono" panose="020B0609020000020004" pitchFamily="49" charset="0"/>
-                <a:cs typeface="Cascadia Mono" panose="020B0609020000020004" pitchFamily="49" charset="0"/>
-                <a:sym typeface="Montserrat"/>
-              </a:rPr>
-              <a:t>15/02/2022</a:t>
             </a:r>
           </a:p>
         </p:txBody>
@@ -35087,301 +29217,6 @@
                 <a:sym typeface="Montserrat"/>
               </a:rPr>
               <a:t>Python Fundamentals - Les006</a:t>
-            </a:r>
-          </a:p>
-        </p:txBody>
-      </p:sp>
-      <p:sp>
-        <p:nvSpPr>
-          <p:cNvPr id="10" name="Google Shape;69;p15">
-            <a:extLst>
-              <a:ext uri="{FF2B5EF4-FFF2-40B4-BE49-F238E27FC236}">
-                <a16:creationId xmlns:a16="http://schemas.microsoft.com/office/drawing/2014/main" id="{1338A94D-D310-46FA-9D38-020159EC648D}"/>
-              </a:ext>
-            </a:extLst>
-          </p:cNvPr>
-          <p:cNvSpPr txBox="1">
-            <a:spLocks/>
-          </p:cNvSpPr>
-          <p:nvPr/>
-        </p:nvSpPr>
-        <p:spPr>
-          <a:xfrm>
-            <a:off x="317513" y="6130399"/>
-            <a:ext cx="3140592" cy="438149"/>
-          </a:xfrm>
-          <a:prstGeom prst="rect">
-            <a:avLst/>
-          </a:prstGeom>
-          <a:noFill/>
-          <a:ln>
-            <a:noFill/>
-          </a:ln>
-        </p:spPr>
-        <p:txBody>
-          <a:bodyPr spcFirstLastPara="1" wrap="square" lIns="91425" tIns="91425" rIns="91425" bIns="91425" anchor="t" anchorCtr="0">
-            <a:noAutofit/>
-          </a:bodyPr>
-          <a:lstStyle>
-            <a:defPPr marR="0" lvl="0" algn="l" rtl="0">
-              <a:lnSpc>
-                <a:spcPct val="100000"/>
-              </a:lnSpc>
-              <a:spcBef>
-                <a:spcPts val="0"/>
-              </a:spcBef>
-              <a:spcAft>
-                <a:spcPts val="0"/>
-              </a:spcAft>
-            </a:defPPr>
-            <a:lvl1pPr marR="0" lvl="0" algn="ctr" rtl="0">
-              <a:lnSpc>
-                <a:spcPct val="100000"/>
-              </a:lnSpc>
-              <a:spcBef>
-                <a:spcPts val="0"/>
-              </a:spcBef>
-              <a:spcAft>
-                <a:spcPts val="0"/>
-              </a:spcAft>
-              <a:buClr>
-                <a:schemeClr val="dk1"/>
-              </a:buClr>
-              <a:buSzPts val="5200"/>
-              <a:buFont typeface="Arial"/>
-              <a:buNone/>
-              <a:defRPr sz="5200" b="0" i="0" u="none" strike="noStrike" cap="none">
-                <a:solidFill>
-                  <a:schemeClr val="dk1"/>
-                </a:solidFill>
-                <a:latin typeface="Arial"/>
-                <a:ea typeface="Arial"/>
-                <a:cs typeface="Arial"/>
-                <a:sym typeface="Arial"/>
-              </a:defRPr>
-            </a:lvl1pPr>
-            <a:lvl2pPr marR="0" lvl="1" algn="ctr" rtl="0">
-              <a:lnSpc>
-                <a:spcPct val="100000"/>
-              </a:lnSpc>
-              <a:spcBef>
-                <a:spcPts val="0"/>
-              </a:spcBef>
-              <a:spcAft>
-                <a:spcPts val="0"/>
-              </a:spcAft>
-              <a:buClr>
-                <a:schemeClr val="dk1"/>
-              </a:buClr>
-              <a:buSzPts val="5200"/>
-              <a:buFont typeface="Arial"/>
-              <a:buNone/>
-              <a:defRPr sz="5200" b="0" i="0" u="none" strike="noStrike" cap="none">
-                <a:solidFill>
-                  <a:schemeClr val="dk1"/>
-                </a:solidFill>
-                <a:latin typeface="Arial"/>
-                <a:ea typeface="Arial"/>
-                <a:cs typeface="Arial"/>
-                <a:sym typeface="Arial"/>
-              </a:defRPr>
-            </a:lvl2pPr>
-            <a:lvl3pPr marR="0" lvl="2" algn="ctr" rtl="0">
-              <a:lnSpc>
-                <a:spcPct val="100000"/>
-              </a:lnSpc>
-              <a:spcBef>
-                <a:spcPts val="0"/>
-              </a:spcBef>
-              <a:spcAft>
-                <a:spcPts val="0"/>
-              </a:spcAft>
-              <a:buClr>
-                <a:schemeClr val="dk1"/>
-              </a:buClr>
-              <a:buSzPts val="5200"/>
-              <a:buFont typeface="Arial"/>
-              <a:buNone/>
-              <a:defRPr sz="5200" b="0" i="0" u="none" strike="noStrike" cap="none">
-                <a:solidFill>
-                  <a:schemeClr val="dk1"/>
-                </a:solidFill>
-                <a:latin typeface="Arial"/>
-                <a:ea typeface="Arial"/>
-                <a:cs typeface="Arial"/>
-                <a:sym typeface="Arial"/>
-              </a:defRPr>
-            </a:lvl3pPr>
-            <a:lvl4pPr marR="0" lvl="3" algn="ctr" rtl="0">
-              <a:lnSpc>
-                <a:spcPct val="100000"/>
-              </a:lnSpc>
-              <a:spcBef>
-                <a:spcPts val="0"/>
-              </a:spcBef>
-              <a:spcAft>
-                <a:spcPts val="0"/>
-              </a:spcAft>
-              <a:buClr>
-                <a:schemeClr val="dk1"/>
-              </a:buClr>
-              <a:buSzPts val="5200"/>
-              <a:buFont typeface="Arial"/>
-              <a:buNone/>
-              <a:defRPr sz="5200" b="0" i="0" u="none" strike="noStrike" cap="none">
-                <a:solidFill>
-                  <a:schemeClr val="dk1"/>
-                </a:solidFill>
-                <a:latin typeface="Arial"/>
-                <a:ea typeface="Arial"/>
-                <a:cs typeface="Arial"/>
-                <a:sym typeface="Arial"/>
-              </a:defRPr>
-            </a:lvl4pPr>
-            <a:lvl5pPr marR="0" lvl="4" algn="ctr" rtl="0">
-              <a:lnSpc>
-                <a:spcPct val="100000"/>
-              </a:lnSpc>
-              <a:spcBef>
-                <a:spcPts val="0"/>
-              </a:spcBef>
-              <a:spcAft>
-                <a:spcPts val="0"/>
-              </a:spcAft>
-              <a:buClr>
-                <a:schemeClr val="dk1"/>
-              </a:buClr>
-              <a:buSzPts val="5200"/>
-              <a:buFont typeface="Arial"/>
-              <a:buNone/>
-              <a:defRPr sz="5200" b="0" i="0" u="none" strike="noStrike" cap="none">
-                <a:solidFill>
-                  <a:schemeClr val="dk1"/>
-                </a:solidFill>
-                <a:latin typeface="Arial"/>
-                <a:ea typeface="Arial"/>
-                <a:cs typeface="Arial"/>
-                <a:sym typeface="Arial"/>
-              </a:defRPr>
-            </a:lvl5pPr>
-            <a:lvl6pPr marR="0" lvl="5" algn="ctr" rtl="0">
-              <a:lnSpc>
-                <a:spcPct val="100000"/>
-              </a:lnSpc>
-              <a:spcBef>
-                <a:spcPts val="0"/>
-              </a:spcBef>
-              <a:spcAft>
-                <a:spcPts val="0"/>
-              </a:spcAft>
-              <a:buClr>
-                <a:schemeClr val="dk1"/>
-              </a:buClr>
-              <a:buSzPts val="5200"/>
-              <a:buFont typeface="Arial"/>
-              <a:buNone/>
-              <a:defRPr sz="5200" b="0" i="0" u="none" strike="noStrike" cap="none">
-                <a:solidFill>
-                  <a:schemeClr val="dk1"/>
-                </a:solidFill>
-                <a:latin typeface="Arial"/>
-                <a:ea typeface="Arial"/>
-                <a:cs typeface="Arial"/>
-                <a:sym typeface="Arial"/>
-              </a:defRPr>
-            </a:lvl6pPr>
-            <a:lvl7pPr marR="0" lvl="6" algn="ctr" rtl="0">
-              <a:lnSpc>
-                <a:spcPct val="100000"/>
-              </a:lnSpc>
-              <a:spcBef>
-                <a:spcPts val="0"/>
-              </a:spcBef>
-              <a:spcAft>
-                <a:spcPts val="0"/>
-              </a:spcAft>
-              <a:buClr>
-                <a:schemeClr val="dk1"/>
-              </a:buClr>
-              <a:buSzPts val="5200"/>
-              <a:buFont typeface="Arial"/>
-              <a:buNone/>
-              <a:defRPr sz="5200" b="0" i="0" u="none" strike="noStrike" cap="none">
-                <a:solidFill>
-                  <a:schemeClr val="dk1"/>
-                </a:solidFill>
-                <a:latin typeface="Arial"/>
-                <a:ea typeface="Arial"/>
-                <a:cs typeface="Arial"/>
-                <a:sym typeface="Arial"/>
-              </a:defRPr>
-            </a:lvl7pPr>
-            <a:lvl8pPr marR="0" lvl="7" algn="ctr" rtl="0">
-              <a:lnSpc>
-                <a:spcPct val="100000"/>
-              </a:lnSpc>
-              <a:spcBef>
-                <a:spcPts val="0"/>
-              </a:spcBef>
-              <a:spcAft>
-                <a:spcPts val="0"/>
-              </a:spcAft>
-              <a:buClr>
-                <a:schemeClr val="dk1"/>
-              </a:buClr>
-              <a:buSzPts val="5200"/>
-              <a:buFont typeface="Arial"/>
-              <a:buNone/>
-              <a:defRPr sz="5200" b="0" i="0" u="none" strike="noStrike" cap="none">
-                <a:solidFill>
-                  <a:schemeClr val="dk1"/>
-                </a:solidFill>
-                <a:latin typeface="Arial"/>
-                <a:ea typeface="Arial"/>
-                <a:cs typeface="Arial"/>
-                <a:sym typeface="Arial"/>
-              </a:defRPr>
-            </a:lvl8pPr>
-            <a:lvl9pPr marR="0" lvl="8" algn="ctr" rtl="0">
-              <a:lnSpc>
-                <a:spcPct val="100000"/>
-              </a:lnSpc>
-              <a:spcBef>
-                <a:spcPts val="0"/>
-              </a:spcBef>
-              <a:spcAft>
-                <a:spcPts val="0"/>
-              </a:spcAft>
-              <a:buClr>
-                <a:schemeClr val="dk1"/>
-              </a:buClr>
-              <a:buSzPts val="5200"/>
-              <a:buFont typeface="Arial"/>
-              <a:buNone/>
-              <a:defRPr sz="5200" b="0" i="0" u="none" strike="noStrike" cap="none">
-                <a:solidFill>
-                  <a:schemeClr val="dk1"/>
-                </a:solidFill>
-                <a:latin typeface="Arial"/>
-                <a:ea typeface="Arial"/>
-                <a:cs typeface="Arial"/>
-                <a:sym typeface="Arial"/>
-              </a:defRPr>
-            </a:lvl9pPr>
-          </a:lstStyle>
-          <a:p>
-            <a:pPr algn="l"/>
-            <a:r>
-              <a:rPr lang="nl-BE" sz="1400" dirty="0">
-                <a:solidFill>
-                  <a:schemeClr val="bg1"/>
-                </a:solidFill>
-                <a:latin typeface="Cascadia Mono" panose="020B0609020000020004" pitchFamily="49" charset="0"/>
-                <a:ea typeface="Cascadia Mono" panose="020B0609020000020004" pitchFamily="49" charset="0"/>
-                <a:cs typeface="Cascadia Mono" panose="020B0609020000020004" pitchFamily="49" charset="0"/>
-                <a:sym typeface="Montserrat"/>
-              </a:rPr>
-              <a:t>11/02/2022</a:t>
             </a:r>
           </a:p>
         </p:txBody>
@@ -36437,298 +30272,6 @@
           </a:p>
         </p:txBody>
       </p:sp>
-      <p:sp>
-        <p:nvSpPr>
-          <p:cNvPr id="11" name="Google Shape;69;p15">
-            <a:extLst>
-              <a:ext uri="{FF2B5EF4-FFF2-40B4-BE49-F238E27FC236}">
-                <a16:creationId xmlns:a16="http://schemas.microsoft.com/office/drawing/2014/main" id="{B5B12C20-02D7-4A1D-96B0-C752C9FBF00F}"/>
-              </a:ext>
-            </a:extLst>
-          </p:cNvPr>
-          <p:cNvSpPr txBox="1">
-            <a:spLocks/>
-          </p:cNvSpPr>
-          <p:nvPr/>
-        </p:nvSpPr>
-        <p:spPr>
-          <a:xfrm>
-            <a:off x="317513" y="6163056"/>
-            <a:ext cx="3140592" cy="438149"/>
-          </a:xfrm>
-          <a:prstGeom prst="rect">
-            <a:avLst/>
-          </a:prstGeom>
-          <a:noFill/>
-          <a:ln>
-            <a:noFill/>
-          </a:ln>
-        </p:spPr>
-        <p:txBody>
-          <a:bodyPr spcFirstLastPara="1" wrap="square" lIns="91425" tIns="91425" rIns="91425" bIns="91425" anchor="t" anchorCtr="0">
-            <a:noAutofit/>
-          </a:bodyPr>
-          <a:lstStyle>
-            <a:defPPr marR="0" lvl="0" algn="l" rtl="0">
-              <a:lnSpc>
-                <a:spcPct val="100000"/>
-              </a:lnSpc>
-              <a:spcBef>
-                <a:spcPts val="0"/>
-              </a:spcBef>
-              <a:spcAft>
-                <a:spcPts val="0"/>
-              </a:spcAft>
-            </a:defPPr>
-            <a:lvl1pPr marR="0" lvl="0" algn="ctr" rtl="0">
-              <a:lnSpc>
-                <a:spcPct val="100000"/>
-              </a:lnSpc>
-              <a:spcBef>
-                <a:spcPts val="0"/>
-              </a:spcBef>
-              <a:spcAft>
-                <a:spcPts val="0"/>
-              </a:spcAft>
-              <a:buClr>
-                <a:schemeClr val="dk1"/>
-              </a:buClr>
-              <a:buSzPts val="5200"/>
-              <a:buFont typeface="Arial"/>
-              <a:buNone/>
-              <a:defRPr sz="5200" b="0" i="0" u="none" strike="noStrike" cap="none">
-                <a:solidFill>
-                  <a:schemeClr val="dk1"/>
-                </a:solidFill>
-                <a:latin typeface="Arial"/>
-                <a:ea typeface="Arial"/>
-                <a:cs typeface="Arial"/>
-                <a:sym typeface="Arial"/>
-              </a:defRPr>
-            </a:lvl1pPr>
-            <a:lvl2pPr marR="0" lvl="1" algn="ctr" rtl="0">
-              <a:lnSpc>
-                <a:spcPct val="100000"/>
-              </a:lnSpc>
-              <a:spcBef>
-                <a:spcPts val="0"/>
-              </a:spcBef>
-              <a:spcAft>
-                <a:spcPts val="0"/>
-              </a:spcAft>
-              <a:buClr>
-                <a:schemeClr val="dk1"/>
-              </a:buClr>
-              <a:buSzPts val="5200"/>
-              <a:buFont typeface="Arial"/>
-              <a:buNone/>
-              <a:defRPr sz="5200" b="0" i="0" u="none" strike="noStrike" cap="none">
-                <a:solidFill>
-                  <a:schemeClr val="dk1"/>
-                </a:solidFill>
-                <a:latin typeface="Arial"/>
-                <a:ea typeface="Arial"/>
-                <a:cs typeface="Arial"/>
-                <a:sym typeface="Arial"/>
-              </a:defRPr>
-            </a:lvl2pPr>
-            <a:lvl3pPr marR="0" lvl="2" algn="ctr" rtl="0">
-              <a:lnSpc>
-                <a:spcPct val="100000"/>
-              </a:lnSpc>
-              <a:spcBef>
-                <a:spcPts val="0"/>
-              </a:spcBef>
-              <a:spcAft>
-                <a:spcPts val="0"/>
-              </a:spcAft>
-              <a:buClr>
-                <a:schemeClr val="dk1"/>
-              </a:buClr>
-              <a:buSzPts val="5200"/>
-              <a:buFont typeface="Arial"/>
-              <a:buNone/>
-              <a:defRPr sz="5200" b="0" i="0" u="none" strike="noStrike" cap="none">
-                <a:solidFill>
-                  <a:schemeClr val="dk1"/>
-                </a:solidFill>
-                <a:latin typeface="Arial"/>
-                <a:ea typeface="Arial"/>
-                <a:cs typeface="Arial"/>
-                <a:sym typeface="Arial"/>
-              </a:defRPr>
-            </a:lvl3pPr>
-            <a:lvl4pPr marR="0" lvl="3" algn="ctr" rtl="0">
-              <a:lnSpc>
-                <a:spcPct val="100000"/>
-              </a:lnSpc>
-              <a:spcBef>
-                <a:spcPts val="0"/>
-              </a:spcBef>
-              <a:spcAft>
-                <a:spcPts val="0"/>
-              </a:spcAft>
-              <a:buClr>
-                <a:schemeClr val="dk1"/>
-              </a:buClr>
-              <a:buSzPts val="5200"/>
-              <a:buFont typeface="Arial"/>
-              <a:buNone/>
-              <a:defRPr sz="5200" b="0" i="0" u="none" strike="noStrike" cap="none">
-                <a:solidFill>
-                  <a:schemeClr val="dk1"/>
-                </a:solidFill>
-                <a:latin typeface="Arial"/>
-                <a:ea typeface="Arial"/>
-                <a:cs typeface="Arial"/>
-                <a:sym typeface="Arial"/>
-              </a:defRPr>
-            </a:lvl4pPr>
-            <a:lvl5pPr marR="0" lvl="4" algn="ctr" rtl="0">
-              <a:lnSpc>
-                <a:spcPct val="100000"/>
-              </a:lnSpc>
-              <a:spcBef>
-                <a:spcPts val="0"/>
-              </a:spcBef>
-              <a:spcAft>
-                <a:spcPts val="0"/>
-              </a:spcAft>
-              <a:buClr>
-                <a:schemeClr val="dk1"/>
-              </a:buClr>
-              <a:buSzPts val="5200"/>
-              <a:buFont typeface="Arial"/>
-              <a:buNone/>
-              <a:defRPr sz="5200" b="0" i="0" u="none" strike="noStrike" cap="none">
-                <a:solidFill>
-                  <a:schemeClr val="dk1"/>
-                </a:solidFill>
-                <a:latin typeface="Arial"/>
-                <a:ea typeface="Arial"/>
-                <a:cs typeface="Arial"/>
-                <a:sym typeface="Arial"/>
-              </a:defRPr>
-            </a:lvl5pPr>
-            <a:lvl6pPr marR="0" lvl="5" algn="ctr" rtl="0">
-              <a:lnSpc>
-                <a:spcPct val="100000"/>
-              </a:lnSpc>
-              <a:spcBef>
-                <a:spcPts val="0"/>
-              </a:spcBef>
-              <a:spcAft>
-                <a:spcPts val="0"/>
-              </a:spcAft>
-              <a:buClr>
-                <a:schemeClr val="dk1"/>
-              </a:buClr>
-              <a:buSzPts val="5200"/>
-              <a:buFont typeface="Arial"/>
-              <a:buNone/>
-              <a:defRPr sz="5200" b="0" i="0" u="none" strike="noStrike" cap="none">
-                <a:solidFill>
-                  <a:schemeClr val="dk1"/>
-                </a:solidFill>
-                <a:latin typeface="Arial"/>
-                <a:ea typeface="Arial"/>
-                <a:cs typeface="Arial"/>
-                <a:sym typeface="Arial"/>
-              </a:defRPr>
-            </a:lvl6pPr>
-            <a:lvl7pPr marR="0" lvl="6" algn="ctr" rtl="0">
-              <a:lnSpc>
-                <a:spcPct val="100000"/>
-              </a:lnSpc>
-              <a:spcBef>
-                <a:spcPts val="0"/>
-              </a:spcBef>
-              <a:spcAft>
-                <a:spcPts val="0"/>
-              </a:spcAft>
-              <a:buClr>
-                <a:schemeClr val="dk1"/>
-              </a:buClr>
-              <a:buSzPts val="5200"/>
-              <a:buFont typeface="Arial"/>
-              <a:buNone/>
-              <a:defRPr sz="5200" b="0" i="0" u="none" strike="noStrike" cap="none">
-                <a:solidFill>
-                  <a:schemeClr val="dk1"/>
-                </a:solidFill>
-                <a:latin typeface="Arial"/>
-                <a:ea typeface="Arial"/>
-                <a:cs typeface="Arial"/>
-                <a:sym typeface="Arial"/>
-              </a:defRPr>
-            </a:lvl7pPr>
-            <a:lvl8pPr marR="0" lvl="7" algn="ctr" rtl="0">
-              <a:lnSpc>
-                <a:spcPct val="100000"/>
-              </a:lnSpc>
-              <a:spcBef>
-                <a:spcPts val="0"/>
-              </a:spcBef>
-              <a:spcAft>
-                <a:spcPts val="0"/>
-              </a:spcAft>
-              <a:buClr>
-                <a:schemeClr val="dk1"/>
-              </a:buClr>
-              <a:buSzPts val="5200"/>
-              <a:buFont typeface="Arial"/>
-              <a:buNone/>
-              <a:defRPr sz="5200" b="0" i="0" u="none" strike="noStrike" cap="none">
-                <a:solidFill>
-                  <a:schemeClr val="dk1"/>
-                </a:solidFill>
-                <a:latin typeface="Arial"/>
-                <a:ea typeface="Arial"/>
-                <a:cs typeface="Arial"/>
-                <a:sym typeface="Arial"/>
-              </a:defRPr>
-            </a:lvl8pPr>
-            <a:lvl9pPr marR="0" lvl="8" algn="ctr" rtl="0">
-              <a:lnSpc>
-                <a:spcPct val="100000"/>
-              </a:lnSpc>
-              <a:spcBef>
-                <a:spcPts val="0"/>
-              </a:spcBef>
-              <a:spcAft>
-                <a:spcPts val="0"/>
-              </a:spcAft>
-              <a:buClr>
-                <a:schemeClr val="dk1"/>
-              </a:buClr>
-              <a:buSzPts val="5200"/>
-              <a:buFont typeface="Arial"/>
-              <a:buNone/>
-              <a:defRPr sz="5200" b="0" i="0" u="none" strike="noStrike" cap="none">
-                <a:solidFill>
-                  <a:schemeClr val="dk1"/>
-                </a:solidFill>
-                <a:latin typeface="Arial"/>
-                <a:ea typeface="Arial"/>
-                <a:cs typeface="Arial"/>
-                <a:sym typeface="Arial"/>
-              </a:defRPr>
-            </a:lvl9pPr>
-          </a:lstStyle>
-          <a:p>
-            <a:pPr algn="l"/>
-            <a:r>
-              <a:rPr lang="nl-BE" sz="1400" dirty="0">
-                <a:latin typeface="Cascadia Mono" panose="020B0609020000020004" pitchFamily="49" charset="0"/>
-                <a:ea typeface="Cascadia Mono" panose="020B0609020000020004" pitchFamily="49" charset="0"/>
-                <a:cs typeface="Cascadia Mono" panose="020B0609020000020004" pitchFamily="49" charset="0"/>
-                <a:sym typeface="Montserrat"/>
-              </a:rPr>
-              <a:t>15/02/2022</a:t>
-            </a:r>
-          </a:p>
-        </p:txBody>
-      </p:sp>
     </p:spTree>
   </p:cSld>
   <p:clrMapOvr>
@@ -37231,301 +30774,6 @@
           </a:p>
         </p:txBody>
       </p:sp>
-      <p:sp>
-        <p:nvSpPr>
-          <p:cNvPr id="8" name="Google Shape;69;p15">
-            <a:extLst>
-              <a:ext uri="{FF2B5EF4-FFF2-40B4-BE49-F238E27FC236}">
-                <a16:creationId xmlns:a16="http://schemas.microsoft.com/office/drawing/2014/main" id="{C0FD2CA5-31A1-4A76-A23E-888CFB5FAD86}"/>
-              </a:ext>
-            </a:extLst>
-          </p:cNvPr>
-          <p:cNvSpPr txBox="1">
-            <a:spLocks/>
-          </p:cNvSpPr>
-          <p:nvPr/>
-        </p:nvSpPr>
-        <p:spPr>
-          <a:xfrm>
-            <a:off x="317513" y="6163056"/>
-            <a:ext cx="3140592" cy="438149"/>
-          </a:xfrm>
-          <a:prstGeom prst="rect">
-            <a:avLst/>
-          </a:prstGeom>
-          <a:noFill/>
-          <a:ln>
-            <a:noFill/>
-          </a:ln>
-        </p:spPr>
-        <p:txBody>
-          <a:bodyPr spcFirstLastPara="1" wrap="square" lIns="91425" tIns="91425" rIns="91425" bIns="91425" anchor="t" anchorCtr="0">
-            <a:noAutofit/>
-          </a:bodyPr>
-          <a:lstStyle>
-            <a:defPPr marR="0" lvl="0" algn="l" rtl="0">
-              <a:lnSpc>
-                <a:spcPct val="100000"/>
-              </a:lnSpc>
-              <a:spcBef>
-                <a:spcPts val="0"/>
-              </a:spcBef>
-              <a:spcAft>
-                <a:spcPts val="0"/>
-              </a:spcAft>
-            </a:defPPr>
-            <a:lvl1pPr marR="0" lvl="0" algn="ctr" rtl="0">
-              <a:lnSpc>
-                <a:spcPct val="100000"/>
-              </a:lnSpc>
-              <a:spcBef>
-                <a:spcPts val="0"/>
-              </a:spcBef>
-              <a:spcAft>
-                <a:spcPts val="0"/>
-              </a:spcAft>
-              <a:buClr>
-                <a:schemeClr val="dk1"/>
-              </a:buClr>
-              <a:buSzPts val="5200"/>
-              <a:buFont typeface="Arial"/>
-              <a:buNone/>
-              <a:defRPr sz="5200" b="0" i="0" u="none" strike="noStrike" cap="none">
-                <a:solidFill>
-                  <a:schemeClr val="dk1"/>
-                </a:solidFill>
-                <a:latin typeface="Arial"/>
-                <a:ea typeface="Arial"/>
-                <a:cs typeface="Arial"/>
-                <a:sym typeface="Arial"/>
-              </a:defRPr>
-            </a:lvl1pPr>
-            <a:lvl2pPr marR="0" lvl="1" algn="ctr" rtl="0">
-              <a:lnSpc>
-                <a:spcPct val="100000"/>
-              </a:lnSpc>
-              <a:spcBef>
-                <a:spcPts val="0"/>
-              </a:spcBef>
-              <a:spcAft>
-                <a:spcPts val="0"/>
-              </a:spcAft>
-              <a:buClr>
-                <a:schemeClr val="dk1"/>
-              </a:buClr>
-              <a:buSzPts val="5200"/>
-              <a:buFont typeface="Arial"/>
-              <a:buNone/>
-              <a:defRPr sz="5200" b="0" i="0" u="none" strike="noStrike" cap="none">
-                <a:solidFill>
-                  <a:schemeClr val="dk1"/>
-                </a:solidFill>
-                <a:latin typeface="Arial"/>
-                <a:ea typeface="Arial"/>
-                <a:cs typeface="Arial"/>
-                <a:sym typeface="Arial"/>
-              </a:defRPr>
-            </a:lvl2pPr>
-            <a:lvl3pPr marR="0" lvl="2" algn="ctr" rtl="0">
-              <a:lnSpc>
-                <a:spcPct val="100000"/>
-              </a:lnSpc>
-              <a:spcBef>
-                <a:spcPts val="0"/>
-              </a:spcBef>
-              <a:spcAft>
-                <a:spcPts val="0"/>
-              </a:spcAft>
-              <a:buClr>
-                <a:schemeClr val="dk1"/>
-              </a:buClr>
-              <a:buSzPts val="5200"/>
-              <a:buFont typeface="Arial"/>
-              <a:buNone/>
-              <a:defRPr sz="5200" b="0" i="0" u="none" strike="noStrike" cap="none">
-                <a:solidFill>
-                  <a:schemeClr val="dk1"/>
-                </a:solidFill>
-                <a:latin typeface="Arial"/>
-                <a:ea typeface="Arial"/>
-                <a:cs typeface="Arial"/>
-                <a:sym typeface="Arial"/>
-              </a:defRPr>
-            </a:lvl3pPr>
-            <a:lvl4pPr marR="0" lvl="3" algn="ctr" rtl="0">
-              <a:lnSpc>
-                <a:spcPct val="100000"/>
-              </a:lnSpc>
-              <a:spcBef>
-                <a:spcPts val="0"/>
-              </a:spcBef>
-              <a:spcAft>
-                <a:spcPts val="0"/>
-              </a:spcAft>
-              <a:buClr>
-                <a:schemeClr val="dk1"/>
-              </a:buClr>
-              <a:buSzPts val="5200"/>
-              <a:buFont typeface="Arial"/>
-              <a:buNone/>
-              <a:defRPr sz="5200" b="0" i="0" u="none" strike="noStrike" cap="none">
-                <a:solidFill>
-                  <a:schemeClr val="dk1"/>
-                </a:solidFill>
-                <a:latin typeface="Arial"/>
-                <a:ea typeface="Arial"/>
-                <a:cs typeface="Arial"/>
-                <a:sym typeface="Arial"/>
-              </a:defRPr>
-            </a:lvl4pPr>
-            <a:lvl5pPr marR="0" lvl="4" algn="ctr" rtl="0">
-              <a:lnSpc>
-                <a:spcPct val="100000"/>
-              </a:lnSpc>
-              <a:spcBef>
-                <a:spcPts val="0"/>
-              </a:spcBef>
-              <a:spcAft>
-                <a:spcPts val="0"/>
-              </a:spcAft>
-              <a:buClr>
-                <a:schemeClr val="dk1"/>
-              </a:buClr>
-              <a:buSzPts val="5200"/>
-              <a:buFont typeface="Arial"/>
-              <a:buNone/>
-              <a:defRPr sz="5200" b="0" i="0" u="none" strike="noStrike" cap="none">
-                <a:solidFill>
-                  <a:schemeClr val="dk1"/>
-                </a:solidFill>
-                <a:latin typeface="Arial"/>
-                <a:ea typeface="Arial"/>
-                <a:cs typeface="Arial"/>
-                <a:sym typeface="Arial"/>
-              </a:defRPr>
-            </a:lvl5pPr>
-            <a:lvl6pPr marR="0" lvl="5" algn="ctr" rtl="0">
-              <a:lnSpc>
-                <a:spcPct val="100000"/>
-              </a:lnSpc>
-              <a:spcBef>
-                <a:spcPts val="0"/>
-              </a:spcBef>
-              <a:spcAft>
-                <a:spcPts val="0"/>
-              </a:spcAft>
-              <a:buClr>
-                <a:schemeClr val="dk1"/>
-              </a:buClr>
-              <a:buSzPts val="5200"/>
-              <a:buFont typeface="Arial"/>
-              <a:buNone/>
-              <a:defRPr sz="5200" b="0" i="0" u="none" strike="noStrike" cap="none">
-                <a:solidFill>
-                  <a:schemeClr val="dk1"/>
-                </a:solidFill>
-                <a:latin typeface="Arial"/>
-                <a:ea typeface="Arial"/>
-                <a:cs typeface="Arial"/>
-                <a:sym typeface="Arial"/>
-              </a:defRPr>
-            </a:lvl6pPr>
-            <a:lvl7pPr marR="0" lvl="6" algn="ctr" rtl="0">
-              <a:lnSpc>
-                <a:spcPct val="100000"/>
-              </a:lnSpc>
-              <a:spcBef>
-                <a:spcPts val="0"/>
-              </a:spcBef>
-              <a:spcAft>
-                <a:spcPts val="0"/>
-              </a:spcAft>
-              <a:buClr>
-                <a:schemeClr val="dk1"/>
-              </a:buClr>
-              <a:buSzPts val="5200"/>
-              <a:buFont typeface="Arial"/>
-              <a:buNone/>
-              <a:defRPr sz="5200" b="0" i="0" u="none" strike="noStrike" cap="none">
-                <a:solidFill>
-                  <a:schemeClr val="dk1"/>
-                </a:solidFill>
-                <a:latin typeface="Arial"/>
-                <a:ea typeface="Arial"/>
-                <a:cs typeface="Arial"/>
-                <a:sym typeface="Arial"/>
-              </a:defRPr>
-            </a:lvl7pPr>
-            <a:lvl8pPr marR="0" lvl="7" algn="ctr" rtl="0">
-              <a:lnSpc>
-                <a:spcPct val="100000"/>
-              </a:lnSpc>
-              <a:spcBef>
-                <a:spcPts val="0"/>
-              </a:spcBef>
-              <a:spcAft>
-                <a:spcPts val="0"/>
-              </a:spcAft>
-              <a:buClr>
-                <a:schemeClr val="dk1"/>
-              </a:buClr>
-              <a:buSzPts val="5200"/>
-              <a:buFont typeface="Arial"/>
-              <a:buNone/>
-              <a:defRPr sz="5200" b="0" i="0" u="none" strike="noStrike" cap="none">
-                <a:solidFill>
-                  <a:schemeClr val="dk1"/>
-                </a:solidFill>
-                <a:latin typeface="Arial"/>
-                <a:ea typeface="Arial"/>
-                <a:cs typeface="Arial"/>
-                <a:sym typeface="Arial"/>
-              </a:defRPr>
-            </a:lvl8pPr>
-            <a:lvl9pPr marR="0" lvl="8" algn="ctr" rtl="0">
-              <a:lnSpc>
-                <a:spcPct val="100000"/>
-              </a:lnSpc>
-              <a:spcBef>
-                <a:spcPts val="0"/>
-              </a:spcBef>
-              <a:spcAft>
-                <a:spcPts val="0"/>
-              </a:spcAft>
-              <a:buClr>
-                <a:schemeClr val="dk1"/>
-              </a:buClr>
-              <a:buSzPts val="5200"/>
-              <a:buFont typeface="Arial"/>
-              <a:buNone/>
-              <a:defRPr sz="5200" b="0" i="0" u="none" strike="noStrike" cap="none">
-                <a:solidFill>
-                  <a:schemeClr val="dk1"/>
-                </a:solidFill>
-                <a:latin typeface="Arial"/>
-                <a:ea typeface="Arial"/>
-                <a:cs typeface="Arial"/>
-                <a:sym typeface="Arial"/>
-              </a:defRPr>
-            </a:lvl9pPr>
-          </a:lstStyle>
-          <a:p>
-            <a:pPr algn="l"/>
-            <a:r>
-              <a:rPr lang="nl-BE" sz="1400" dirty="0">
-                <a:solidFill>
-                  <a:schemeClr val="bg1"/>
-                </a:solidFill>
-                <a:latin typeface="Cascadia Mono" panose="020B0609020000020004" pitchFamily="49" charset="0"/>
-                <a:ea typeface="Cascadia Mono" panose="020B0609020000020004" pitchFamily="49" charset="0"/>
-                <a:cs typeface="Cascadia Mono" panose="020B0609020000020004" pitchFamily="49" charset="0"/>
-                <a:sym typeface="Montserrat"/>
-              </a:rPr>
-              <a:t>15/02/2022</a:t>
-            </a:r>
-          </a:p>
-        </p:txBody>
-      </p:sp>
     </p:spTree>
   </p:cSld>
   <p:clrMapOvr>
@@ -38107,301 +31355,6 @@
                 <a:sym typeface="Montserrat"/>
               </a:rPr>
               <a:t>Python Fundamentals - Les008</a:t>
-            </a:r>
-          </a:p>
-        </p:txBody>
-      </p:sp>
-      <p:sp>
-        <p:nvSpPr>
-          <p:cNvPr id="8" name="Google Shape;69;p15">
-            <a:extLst>
-              <a:ext uri="{FF2B5EF4-FFF2-40B4-BE49-F238E27FC236}">
-                <a16:creationId xmlns:a16="http://schemas.microsoft.com/office/drawing/2014/main" id="{CD039575-B841-4E58-A247-1D1E621A28BF}"/>
-              </a:ext>
-            </a:extLst>
-          </p:cNvPr>
-          <p:cNvSpPr txBox="1">
-            <a:spLocks/>
-          </p:cNvSpPr>
-          <p:nvPr/>
-        </p:nvSpPr>
-        <p:spPr>
-          <a:xfrm>
-            <a:off x="317513" y="6163056"/>
-            <a:ext cx="3140592" cy="438149"/>
-          </a:xfrm>
-          <a:prstGeom prst="rect">
-            <a:avLst/>
-          </a:prstGeom>
-          <a:noFill/>
-          <a:ln>
-            <a:noFill/>
-          </a:ln>
-        </p:spPr>
-        <p:txBody>
-          <a:bodyPr spcFirstLastPara="1" wrap="square" lIns="91425" tIns="91425" rIns="91425" bIns="91425" anchor="t" anchorCtr="0">
-            <a:noAutofit/>
-          </a:bodyPr>
-          <a:lstStyle>
-            <a:defPPr marR="0" lvl="0" algn="l" rtl="0">
-              <a:lnSpc>
-                <a:spcPct val="100000"/>
-              </a:lnSpc>
-              <a:spcBef>
-                <a:spcPts val="0"/>
-              </a:spcBef>
-              <a:spcAft>
-                <a:spcPts val="0"/>
-              </a:spcAft>
-            </a:defPPr>
-            <a:lvl1pPr marR="0" lvl="0" algn="ctr" rtl="0">
-              <a:lnSpc>
-                <a:spcPct val="100000"/>
-              </a:lnSpc>
-              <a:spcBef>
-                <a:spcPts val="0"/>
-              </a:spcBef>
-              <a:spcAft>
-                <a:spcPts val="0"/>
-              </a:spcAft>
-              <a:buClr>
-                <a:schemeClr val="dk1"/>
-              </a:buClr>
-              <a:buSzPts val="5200"/>
-              <a:buFont typeface="Arial"/>
-              <a:buNone/>
-              <a:defRPr sz="5200" b="0" i="0" u="none" strike="noStrike" cap="none">
-                <a:solidFill>
-                  <a:schemeClr val="dk1"/>
-                </a:solidFill>
-                <a:latin typeface="Arial"/>
-                <a:ea typeface="Arial"/>
-                <a:cs typeface="Arial"/>
-                <a:sym typeface="Arial"/>
-              </a:defRPr>
-            </a:lvl1pPr>
-            <a:lvl2pPr marR="0" lvl="1" algn="ctr" rtl="0">
-              <a:lnSpc>
-                <a:spcPct val="100000"/>
-              </a:lnSpc>
-              <a:spcBef>
-                <a:spcPts val="0"/>
-              </a:spcBef>
-              <a:spcAft>
-                <a:spcPts val="0"/>
-              </a:spcAft>
-              <a:buClr>
-                <a:schemeClr val="dk1"/>
-              </a:buClr>
-              <a:buSzPts val="5200"/>
-              <a:buFont typeface="Arial"/>
-              <a:buNone/>
-              <a:defRPr sz="5200" b="0" i="0" u="none" strike="noStrike" cap="none">
-                <a:solidFill>
-                  <a:schemeClr val="dk1"/>
-                </a:solidFill>
-                <a:latin typeface="Arial"/>
-                <a:ea typeface="Arial"/>
-                <a:cs typeface="Arial"/>
-                <a:sym typeface="Arial"/>
-              </a:defRPr>
-            </a:lvl2pPr>
-            <a:lvl3pPr marR="0" lvl="2" algn="ctr" rtl="0">
-              <a:lnSpc>
-                <a:spcPct val="100000"/>
-              </a:lnSpc>
-              <a:spcBef>
-                <a:spcPts val="0"/>
-              </a:spcBef>
-              <a:spcAft>
-                <a:spcPts val="0"/>
-              </a:spcAft>
-              <a:buClr>
-                <a:schemeClr val="dk1"/>
-              </a:buClr>
-              <a:buSzPts val="5200"/>
-              <a:buFont typeface="Arial"/>
-              <a:buNone/>
-              <a:defRPr sz="5200" b="0" i="0" u="none" strike="noStrike" cap="none">
-                <a:solidFill>
-                  <a:schemeClr val="dk1"/>
-                </a:solidFill>
-                <a:latin typeface="Arial"/>
-                <a:ea typeface="Arial"/>
-                <a:cs typeface="Arial"/>
-                <a:sym typeface="Arial"/>
-              </a:defRPr>
-            </a:lvl3pPr>
-            <a:lvl4pPr marR="0" lvl="3" algn="ctr" rtl="0">
-              <a:lnSpc>
-                <a:spcPct val="100000"/>
-              </a:lnSpc>
-              <a:spcBef>
-                <a:spcPts val="0"/>
-              </a:spcBef>
-              <a:spcAft>
-                <a:spcPts val="0"/>
-              </a:spcAft>
-              <a:buClr>
-                <a:schemeClr val="dk1"/>
-              </a:buClr>
-              <a:buSzPts val="5200"/>
-              <a:buFont typeface="Arial"/>
-              <a:buNone/>
-              <a:defRPr sz="5200" b="0" i="0" u="none" strike="noStrike" cap="none">
-                <a:solidFill>
-                  <a:schemeClr val="dk1"/>
-                </a:solidFill>
-                <a:latin typeface="Arial"/>
-                <a:ea typeface="Arial"/>
-                <a:cs typeface="Arial"/>
-                <a:sym typeface="Arial"/>
-              </a:defRPr>
-            </a:lvl4pPr>
-            <a:lvl5pPr marR="0" lvl="4" algn="ctr" rtl="0">
-              <a:lnSpc>
-                <a:spcPct val="100000"/>
-              </a:lnSpc>
-              <a:spcBef>
-                <a:spcPts val="0"/>
-              </a:spcBef>
-              <a:spcAft>
-                <a:spcPts val="0"/>
-              </a:spcAft>
-              <a:buClr>
-                <a:schemeClr val="dk1"/>
-              </a:buClr>
-              <a:buSzPts val="5200"/>
-              <a:buFont typeface="Arial"/>
-              <a:buNone/>
-              <a:defRPr sz="5200" b="0" i="0" u="none" strike="noStrike" cap="none">
-                <a:solidFill>
-                  <a:schemeClr val="dk1"/>
-                </a:solidFill>
-                <a:latin typeface="Arial"/>
-                <a:ea typeface="Arial"/>
-                <a:cs typeface="Arial"/>
-                <a:sym typeface="Arial"/>
-              </a:defRPr>
-            </a:lvl5pPr>
-            <a:lvl6pPr marR="0" lvl="5" algn="ctr" rtl="0">
-              <a:lnSpc>
-                <a:spcPct val="100000"/>
-              </a:lnSpc>
-              <a:spcBef>
-                <a:spcPts val="0"/>
-              </a:spcBef>
-              <a:spcAft>
-                <a:spcPts val="0"/>
-              </a:spcAft>
-              <a:buClr>
-                <a:schemeClr val="dk1"/>
-              </a:buClr>
-              <a:buSzPts val="5200"/>
-              <a:buFont typeface="Arial"/>
-              <a:buNone/>
-              <a:defRPr sz="5200" b="0" i="0" u="none" strike="noStrike" cap="none">
-                <a:solidFill>
-                  <a:schemeClr val="dk1"/>
-                </a:solidFill>
-                <a:latin typeface="Arial"/>
-                <a:ea typeface="Arial"/>
-                <a:cs typeface="Arial"/>
-                <a:sym typeface="Arial"/>
-              </a:defRPr>
-            </a:lvl6pPr>
-            <a:lvl7pPr marR="0" lvl="6" algn="ctr" rtl="0">
-              <a:lnSpc>
-                <a:spcPct val="100000"/>
-              </a:lnSpc>
-              <a:spcBef>
-                <a:spcPts val="0"/>
-              </a:spcBef>
-              <a:spcAft>
-                <a:spcPts val="0"/>
-              </a:spcAft>
-              <a:buClr>
-                <a:schemeClr val="dk1"/>
-              </a:buClr>
-              <a:buSzPts val="5200"/>
-              <a:buFont typeface="Arial"/>
-              <a:buNone/>
-              <a:defRPr sz="5200" b="0" i="0" u="none" strike="noStrike" cap="none">
-                <a:solidFill>
-                  <a:schemeClr val="dk1"/>
-                </a:solidFill>
-                <a:latin typeface="Arial"/>
-                <a:ea typeface="Arial"/>
-                <a:cs typeface="Arial"/>
-                <a:sym typeface="Arial"/>
-              </a:defRPr>
-            </a:lvl7pPr>
-            <a:lvl8pPr marR="0" lvl="7" algn="ctr" rtl="0">
-              <a:lnSpc>
-                <a:spcPct val="100000"/>
-              </a:lnSpc>
-              <a:spcBef>
-                <a:spcPts val="0"/>
-              </a:spcBef>
-              <a:spcAft>
-                <a:spcPts val="0"/>
-              </a:spcAft>
-              <a:buClr>
-                <a:schemeClr val="dk1"/>
-              </a:buClr>
-              <a:buSzPts val="5200"/>
-              <a:buFont typeface="Arial"/>
-              <a:buNone/>
-              <a:defRPr sz="5200" b="0" i="0" u="none" strike="noStrike" cap="none">
-                <a:solidFill>
-                  <a:schemeClr val="dk1"/>
-                </a:solidFill>
-                <a:latin typeface="Arial"/>
-                <a:ea typeface="Arial"/>
-                <a:cs typeface="Arial"/>
-                <a:sym typeface="Arial"/>
-              </a:defRPr>
-            </a:lvl8pPr>
-            <a:lvl9pPr marR="0" lvl="8" algn="ctr" rtl="0">
-              <a:lnSpc>
-                <a:spcPct val="100000"/>
-              </a:lnSpc>
-              <a:spcBef>
-                <a:spcPts val="0"/>
-              </a:spcBef>
-              <a:spcAft>
-                <a:spcPts val="0"/>
-              </a:spcAft>
-              <a:buClr>
-                <a:schemeClr val="dk1"/>
-              </a:buClr>
-              <a:buSzPts val="5200"/>
-              <a:buFont typeface="Arial"/>
-              <a:buNone/>
-              <a:defRPr sz="5200" b="0" i="0" u="none" strike="noStrike" cap="none">
-                <a:solidFill>
-                  <a:schemeClr val="dk1"/>
-                </a:solidFill>
-                <a:latin typeface="Arial"/>
-                <a:ea typeface="Arial"/>
-                <a:cs typeface="Arial"/>
-                <a:sym typeface="Arial"/>
-              </a:defRPr>
-            </a:lvl9pPr>
-          </a:lstStyle>
-          <a:p>
-            <a:pPr algn="l"/>
-            <a:r>
-              <a:rPr lang="nl-BE" sz="1400" dirty="0">
-                <a:solidFill>
-                  <a:schemeClr val="bg1"/>
-                </a:solidFill>
-                <a:latin typeface="Cascadia Mono" panose="020B0609020000020004" pitchFamily="49" charset="0"/>
-                <a:ea typeface="Cascadia Mono" panose="020B0609020000020004" pitchFamily="49" charset="0"/>
-                <a:cs typeface="Cascadia Mono" panose="020B0609020000020004" pitchFamily="49" charset="0"/>
-                <a:sym typeface="Montserrat"/>
-              </a:rPr>
-              <a:t>15/02/2022</a:t>
             </a:r>
           </a:p>
         </p:txBody>
@@ -38912,301 +31865,6 @@
                 <a:sym typeface="Montserrat"/>
               </a:rPr>
               <a:t>Python Fundamentals - Les006</a:t>
-            </a:r>
-          </a:p>
-        </p:txBody>
-      </p:sp>
-      <p:sp>
-        <p:nvSpPr>
-          <p:cNvPr id="10" name="Google Shape;69;p15">
-            <a:extLst>
-              <a:ext uri="{FF2B5EF4-FFF2-40B4-BE49-F238E27FC236}">
-                <a16:creationId xmlns:a16="http://schemas.microsoft.com/office/drawing/2014/main" id="{1338A94D-D310-46FA-9D38-020159EC648D}"/>
-              </a:ext>
-            </a:extLst>
-          </p:cNvPr>
-          <p:cNvSpPr txBox="1">
-            <a:spLocks/>
-          </p:cNvSpPr>
-          <p:nvPr/>
-        </p:nvSpPr>
-        <p:spPr>
-          <a:xfrm>
-            <a:off x="317513" y="6130399"/>
-            <a:ext cx="3140592" cy="438149"/>
-          </a:xfrm>
-          <a:prstGeom prst="rect">
-            <a:avLst/>
-          </a:prstGeom>
-          <a:noFill/>
-          <a:ln>
-            <a:noFill/>
-          </a:ln>
-        </p:spPr>
-        <p:txBody>
-          <a:bodyPr spcFirstLastPara="1" wrap="square" lIns="91425" tIns="91425" rIns="91425" bIns="91425" anchor="t" anchorCtr="0">
-            <a:noAutofit/>
-          </a:bodyPr>
-          <a:lstStyle>
-            <a:defPPr marR="0" lvl="0" algn="l" rtl="0">
-              <a:lnSpc>
-                <a:spcPct val="100000"/>
-              </a:lnSpc>
-              <a:spcBef>
-                <a:spcPts val="0"/>
-              </a:spcBef>
-              <a:spcAft>
-                <a:spcPts val="0"/>
-              </a:spcAft>
-            </a:defPPr>
-            <a:lvl1pPr marR="0" lvl="0" algn="ctr" rtl="0">
-              <a:lnSpc>
-                <a:spcPct val="100000"/>
-              </a:lnSpc>
-              <a:spcBef>
-                <a:spcPts val="0"/>
-              </a:spcBef>
-              <a:spcAft>
-                <a:spcPts val="0"/>
-              </a:spcAft>
-              <a:buClr>
-                <a:schemeClr val="dk1"/>
-              </a:buClr>
-              <a:buSzPts val="5200"/>
-              <a:buFont typeface="Arial"/>
-              <a:buNone/>
-              <a:defRPr sz="5200" b="0" i="0" u="none" strike="noStrike" cap="none">
-                <a:solidFill>
-                  <a:schemeClr val="dk1"/>
-                </a:solidFill>
-                <a:latin typeface="Arial"/>
-                <a:ea typeface="Arial"/>
-                <a:cs typeface="Arial"/>
-                <a:sym typeface="Arial"/>
-              </a:defRPr>
-            </a:lvl1pPr>
-            <a:lvl2pPr marR="0" lvl="1" algn="ctr" rtl="0">
-              <a:lnSpc>
-                <a:spcPct val="100000"/>
-              </a:lnSpc>
-              <a:spcBef>
-                <a:spcPts val="0"/>
-              </a:spcBef>
-              <a:spcAft>
-                <a:spcPts val="0"/>
-              </a:spcAft>
-              <a:buClr>
-                <a:schemeClr val="dk1"/>
-              </a:buClr>
-              <a:buSzPts val="5200"/>
-              <a:buFont typeface="Arial"/>
-              <a:buNone/>
-              <a:defRPr sz="5200" b="0" i="0" u="none" strike="noStrike" cap="none">
-                <a:solidFill>
-                  <a:schemeClr val="dk1"/>
-                </a:solidFill>
-                <a:latin typeface="Arial"/>
-                <a:ea typeface="Arial"/>
-                <a:cs typeface="Arial"/>
-                <a:sym typeface="Arial"/>
-              </a:defRPr>
-            </a:lvl2pPr>
-            <a:lvl3pPr marR="0" lvl="2" algn="ctr" rtl="0">
-              <a:lnSpc>
-                <a:spcPct val="100000"/>
-              </a:lnSpc>
-              <a:spcBef>
-                <a:spcPts val="0"/>
-              </a:spcBef>
-              <a:spcAft>
-                <a:spcPts val="0"/>
-              </a:spcAft>
-              <a:buClr>
-                <a:schemeClr val="dk1"/>
-              </a:buClr>
-              <a:buSzPts val="5200"/>
-              <a:buFont typeface="Arial"/>
-              <a:buNone/>
-              <a:defRPr sz="5200" b="0" i="0" u="none" strike="noStrike" cap="none">
-                <a:solidFill>
-                  <a:schemeClr val="dk1"/>
-                </a:solidFill>
-                <a:latin typeface="Arial"/>
-                <a:ea typeface="Arial"/>
-                <a:cs typeface="Arial"/>
-                <a:sym typeface="Arial"/>
-              </a:defRPr>
-            </a:lvl3pPr>
-            <a:lvl4pPr marR="0" lvl="3" algn="ctr" rtl="0">
-              <a:lnSpc>
-                <a:spcPct val="100000"/>
-              </a:lnSpc>
-              <a:spcBef>
-                <a:spcPts val="0"/>
-              </a:spcBef>
-              <a:spcAft>
-                <a:spcPts val="0"/>
-              </a:spcAft>
-              <a:buClr>
-                <a:schemeClr val="dk1"/>
-              </a:buClr>
-              <a:buSzPts val="5200"/>
-              <a:buFont typeface="Arial"/>
-              <a:buNone/>
-              <a:defRPr sz="5200" b="0" i="0" u="none" strike="noStrike" cap="none">
-                <a:solidFill>
-                  <a:schemeClr val="dk1"/>
-                </a:solidFill>
-                <a:latin typeface="Arial"/>
-                <a:ea typeface="Arial"/>
-                <a:cs typeface="Arial"/>
-                <a:sym typeface="Arial"/>
-              </a:defRPr>
-            </a:lvl4pPr>
-            <a:lvl5pPr marR="0" lvl="4" algn="ctr" rtl="0">
-              <a:lnSpc>
-                <a:spcPct val="100000"/>
-              </a:lnSpc>
-              <a:spcBef>
-                <a:spcPts val="0"/>
-              </a:spcBef>
-              <a:spcAft>
-                <a:spcPts val="0"/>
-              </a:spcAft>
-              <a:buClr>
-                <a:schemeClr val="dk1"/>
-              </a:buClr>
-              <a:buSzPts val="5200"/>
-              <a:buFont typeface="Arial"/>
-              <a:buNone/>
-              <a:defRPr sz="5200" b="0" i="0" u="none" strike="noStrike" cap="none">
-                <a:solidFill>
-                  <a:schemeClr val="dk1"/>
-                </a:solidFill>
-                <a:latin typeface="Arial"/>
-                <a:ea typeface="Arial"/>
-                <a:cs typeface="Arial"/>
-                <a:sym typeface="Arial"/>
-              </a:defRPr>
-            </a:lvl5pPr>
-            <a:lvl6pPr marR="0" lvl="5" algn="ctr" rtl="0">
-              <a:lnSpc>
-                <a:spcPct val="100000"/>
-              </a:lnSpc>
-              <a:spcBef>
-                <a:spcPts val="0"/>
-              </a:spcBef>
-              <a:spcAft>
-                <a:spcPts val="0"/>
-              </a:spcAft>
-              <a:buClr>
-                <a:schemeClr val="dk1"/>
-              </a:buClr>
-              <a:buSzPts val="5200"/>
-              <a:buFont typeface="Arial"/>
-              <a:buNone/>
-              <a:defRPr sz="5200" b="0" i="0" u="none" strike="noStrike" cap="none">
-                <a:solidFill>
-                  <a:schemeClr val="dk1"/>
-                </a:solidFill>
-                <a:latin typeface="Arial"/>
-                <a:ea typeface="Arial"/>
-                <a:cs typeface="Arial"/>
-                <a:sym typeface="Arial"/>
-              </a:defRPr>
-            </a:lvl6pPr>
-            <a:lvl7pPr marR="0" lvl="6" algn="ctr" rtl="0">
-              <a:lnSpc>
-                <a:spcPct val="100000"/>
-              </a:lnSpc>
-              <a:spcBef>
-                <a:spcPts val="0"/>
-              </a:spcBef>
-              <a:spcAft>
-                <a:spcPts val="0"/>
-              </a:spcAft>
-              <a:buClr>
-                <a:schemeClr val="dk1"/>
-              </a:buClr>
-              <a:buSzPts val="5200"/>
-              <a:buFont typeface="Arial"/>
-              <a:buNone/>
-              <a:defRPr sz="5200" b="0" i="0" u="none" strike="noStrike" cap="none">
-                <a:solidFill>
-                  <a:schemeClr val="dk1"/>
-                </a:solidFill>
-                <a:latin typeface="Arial"/>
-                <a:ea typeface="Arial"/>
-                <a:cs typeface="Arial"/>
-                <a:sym typeface="Arial"/>
-              </a:defRPr>
-            </a:lvl7pPr>
-            <a:lvl8pPr marR="0" lvl="7" algn="ctr" rtl="0">
-              <a:lnSpc>
-                <a:spcPct val="100000"/>
-              </a:lnSpc>
-              <a:spcBef>
-                <a:spcPts val="0"/>
-              </a:spcBef>
-              <a:spcAft>
-                <a:spcPts val="0"/>
-              </a:spcAft>
-              <a:buClr>
-                <a:schemeClr val="dk1"/>
-              </a:buClr>
-              <a:buSzPts val="5200"/>
-              <a:buFont typeface="Arial"/>
-              <a:buNone/>
-              <a:defRPr sz="5200" b="0" i="0" u="none" strike="noStrike" cap="none">
-                <a:solidFill>
-                  <a:schemeClr val="dk1"/>
-                </a:solidFill>
-                <a:latin typeface="Arial"/>
-                <a:ea typeface="Arial"/>
-                <a:cs typeface="Arial"/>
-                <a:sym typeface="Arial"/>
-              </a:defRPr>
-            </a:lvl8pPr>
-            <a:lvl9pPr marR="0" lvl="8" algn="ctr" rtl="0">
-              <a:lnSpc>
-                <a:spcPct val="100000"/>
-              </a:lnSpc>
-              <a:spcBef>
-                <a:spcPts val="0"/>
-              </a:spcBef>
-              <a:spcAft>
-                <a:spcPts val="0"/>
-              </a:spcAft>
-              <a:buClr>
-                <a:schemeClr val="dk1"/>
-              </a:buClr>
-              <a:buSzPts val="5200"/>
-              <a:buFont typeface="Arial"/>
-              <a:buNone/>
-              <a:defRPr sz="5200" b="0" i="0" u="none" strike="noStrike" cap="none">
-                <a:solidFill>
-                  <a:schemeClr val="dk1"/>
-                </a:solidFill>
-                <a:latin typeface="Arial"/>
-                <a:ea typeface="Arial"/>
-                <a:cs typeface="Arial"/>
-                <a:sym typeface="Arial"/>
-              </a:defRPr>
-            </a:lvl9pPr>
-          </a:lstStyle>
-          <a:p>
-            <a:pPr algn="l"/>
-            <a:r>
-              <a:rPr lang="nl-BE" sz="1400" dirty="0">
-                <a:solidFill>
-                  <a:schemeClr val="bg1"/>
-                </a:solidFill>
-                <a:latin typeface="Cascadia Mono" panose="020B0609020000020004" pitchFamily="49" charset="0"/>
-                <a:ea typeface="Cascadia Mono" panose="020B0609020000020004" pitchFamily="49" charset="0"/>
-                <a:cs typeface="Cascadia Mono" panose="020B0609020000020004" pitchFamily="49" charset="0"/>
-                <a:sym typeface="Montserrat"/>
-              </a:rPr>
-              <a:t>11/02/2022</a:t>
             </a:r>
           </a:p>
         </p:txBody>
@@ -39851,301 +32509,6 @@
                 <a:sym typeface="Montserrat"/>
               </a:rPr>
               <a:t>Python Fundamentals - Les006</a:t>
-            </a:r>
-          </a:p>
-        </p:txBody>
-      </p:sp>
-      <p:sp>
-        <p:nvSpPr>
-          <p:cNvPr id="10" name="Google Shape;69;p15">
-            <a:extLst>
-              <a:ext uri="{FF2B5EF4-FFF2-40B4-BE49-F238E27FC236}">
-                <a16:creationId xmlns:a16="http://schemas.microsoft.com/office/drawing/2014/main" id="{1338A94D-D310-46FA-9D38-020159EC648D}"/>
-              </a:ext>
-            </a:extLst>
-          </p:cNvPr>
-          <p:cNvSpPr txBox="1">
-            <a:spLocks/>
-          </p:cNvSpPr>
-          <p:nvPr/>
-        </p:nvSpPr>
-        <p:spPr>
-          <a:xfrm>
-            <a:off x="317513" y="6130399"/>
-            <a:ext cx="3140592" cy="438149"/>
-          </a:xfrm>
-          <a:prstGeom prst="rect">
-            <a:avLst/>
-          </a:prstGeom>
-          <a:noFill/>
-          <a:ln>
-            <a:noFill/>
-          </a:ln>
-        </p:spPr>
-        <p:txBody>
-          <a:bodyPr spcFirstLastPara="1" wrap="square" lIns="91425" tIns="91425" rIns="91425" bIns="91425" anchor="t" anchorCtr="0">
-            <a:noAutofit/>
-          </a:bodyPr>
-          <a:lstStyle>
-            <a:defPPr marR="0" lvl="0" algn="l" rtl="0">
-              <a:lnSpc>
-                <a:spcPct val="100000"/>
-              </a:lnSpc>
-              <a:spcBef>
-                <a:spcPts val="0"/>
-              </a:spcBef>
-              <a:spcAft>
-                <a:spcPts val="0"/>
-              </a:spcAft>
-            </a:defPPr>
-            <a:lvl1pPr marR="0" lvl="0" algn="ctr" rtl="0">
-              <a:lnSpc>
-                <a:spcPct val="100000"/>
-              </a:lnSpc>
-              <a:spcBef>
-                <a:spcPts val="0"/>
-              </a:spcBef>
-              <a:spcAft>
-                <a:spcPts val="0"/>
-              </a:spcAft>
-              <a:buClr>
-                <a:schemeClr val="dk1"/>
-              </a:buClr>
-              <a:buSzPts val="5200"/>
-              <a:buFont typeface="Arial"/>
-              <a:buNone/>
-              <a:defRPr sz="5200" b="0" i="0" u="none" strike="noStrike" cap="none">
-                <a:solidFill>
-                  <a:schemeClr val="dk1"/>
-                </a:solidFill>
-                <a:latin typeface="Arial"/>
-                <a:ea typeface="Arial"/>
-                <a:cs typeface="Arial"/>
-                <a:sym typeface="Arial"/>
-              </a:defRPr>
-            </a:lvl1pPr>
-            <a:lvl2pPr marR="0" lvl="1" algn="ctr" rtl="0">
-              <a:lnSpc>
-                <a:spcPct val="100000"/>
-              </a:lnSpc>
-              <a:spcBef>
-                <a:spcPts val="0"/>
-              </a:spcBef>
-              <a:spcAft>
-                <a:spcPts val="0"/>
-              </a:spcAft>
-              <a:buClr>
-                <a:schemeClr val="dk1"/>
-              </a:buClr>
-              <a:buSzPts val="5200"/>
-              <a:buFont typeface="Arial"/>
-              <a:buNone/>
-              <a:defRPr sz="5200" b="0" i="0" u="none" strike="noStrike" cap="none">
-                <a:solidFill>
-                  <a:schemeClr val="dk1"/>
-                </a:solidFill>
-                <a:latin typeface="Arial"/>
-                <a:ea typeface="Arial"/>
-                <a:cs typeface="Arial"/>
-                <a:sym typeface="Arial"/>
-              </a:defRPr>
-            </a:lvl2pPr>
-            <a:lvl3pPr marR="0" lvl="2" algn="ctr" rtl="0">
-              <a:lnSpc>
-                <a:spcPct val="100000"/>
-              </a:lnSpc>
-              <a:spcBef>
-                <a:spcPts val="0"/>
-              </a:spcBef>
-              <a:spcAft>
-                <a:spcPts val="0"/>
-              </a:spcAft>
-              <a:buClr>
-                <a:schemeClr val="dk1"/>
-              </a:buClr>
-              <a:buSzPts val="5200"/>
-              <a:buFont typeface="Arial"/>
-              <a:buNone/>
-              <a:defRPr sz="5200" b="0" i="0" u="none" strike="noStrike" cap="none">
-                <a:solidFill>
-                  <a:schemeClr val="dk1"/>
-                </a:solidFill>
-                <a:latin typeface="Arial"/>
-                <a:ea typeface="Arial"/>
-                <a:cs typeface="Arial"/>
-                <a:sym typeface="Arial"/>
-              </a:defRPr>
-            </a:lvl3pPr>
-            <a:lvl4pPr marR="0" lvl="3" algn="ctr" rtl="0">
-              <a:lnSpc>
-                <a:spcPct val="100000"/>
-              </a:lnSpc>
-              <a:spcBef>
-                <a:spcPts val="0"/>
-              </a:spcBef>
-              <a:spcAft>
-                <a:spcPts val="0"/>
-              </a:spcAft>
-              <a:buClr>
-                <a:schemeClr val="dk1"/>
-              </a:buClr>
-              <a:buSzPts val="5200"/>
-              <a:buFont typeface="Arial"/>
-              <a:buNone/>
-              <a:defRPr sz="5200" b="0" i="0" u="none" strike="noStrike" cap="none">
-                <a:solidFill>
-                  <a:schemeClr val="dk1"/>
-                </a:solidFill>
-                <a:latin typeface="Arial"/>
-                <a:ea typeface="Arial"/>
-                <a:cs typeface="Arial"/>
-                <a:sym typeface="Arial"/>
-              </a:defRPr>
-            </a:lvl4pPr>
-            <a:lvl5pPr marR="0" lvl="4" algn="ctr" rtl="0">
-              <a:lnSpc>
-                <a:spcPct val="100000"/>
-              </a:lnSpc>
-              <a:spcBef>
-                <a:spcPts val="0"/>
-              </a:spcBef>
-              <a:spcAft>
-                <a:spcPts val="0"/>
-              </a:spcAft>
-              <a:buClr>
-                <a:schemeClr val="dk1"/>
-              </a:buClr>
-              <a:buSzPts val="5200"/>
-              <a:buFont typeface="Arial"/>
-              <a:buNone/>
-              <a:defRPr sz="5200" b="0" i="0" u="none" strike="noStrike" cap="none">
-                <a:solidFill>
-                  <a:schemeClr val="dk1"/>
-                </a:solidFill>
-                <a:latin typeface="Arial"/>
-                <a:ea typeface="Arial"/>
-                <a:cs typeface="Arial"/>
-                <a:sym typeface="Arial"/>
-              </a:defRPr>
-            </a:lvl5pPr>
-            <a:lvl6pPr marR="0" lvl="5" algn="ctr" rtl="0">
-              <a:lnSpc>
-                <a:spcPct val="100000"/>
-              </a:lnSpc>
-              <a:spcBef>
-                <a:spcPts val="0"/>
-              </a:spcBef>
-              <a:spcAft>
-                <a:spcPts val="0"/>
-              </a:spcAft>
-              <a:buClr>
-                <a:schemeClr val="dk1"/>
-              </a:buClr>
-              <a:buSzPts val="5200"/>
-              <a:buFont typeface="Arial"/>
-              <a:buNone/>
-              <a:defRPr sz="5200" b="0" i="0" u="none" strike="noStrike" cap="none">
-                <a:solidFill>
-                  <a:schemeClr val="dk1"/>
-                </a:solidFill>
-                <a:latin typeface="Arial"/>
-                <a:ea typeface="Arial"/>
-                <a:cs typeface="Arial"/>
-                <a:sym typeface="Arial"/>
-              </a:defRPr>
-            </a:lvl6pPr>
-            <a:lvl7pPr marR="0" lvl="6" algn="ctr" rtl="0">
-              <a:lnSpc>
-                <a:spcPct val="100000"/>
-              </a:lnSpc>
-              <a:spcBef>
-                <a:spcPts val="0"/>
-              </a:spcBef>
-              <a:spcAft>
-                <a:spcPts val="0"/>
-              </a:spcAft>
-              <a:buClr>
-                <a:schemeClr val="dk1"/>
-              </a:buClr>
-              <a:buSzPts val="5200"/>
-              <a:buFont typeface="Arial"/>
-              <a:buNone/>
-              <a:defRPr sz="5200" b="0" i="0" u="none" strike="noStrike" cap="none">
-                <a:solidFill>
-                  <a:schemeClr val="dk1"/>
-                </a:solidFill>
-                <a:latin typeface="Arial"/>
-                <a:ea typeface="Arial"/>
-                <a:cs typeface="Arial"/>
-                <a:sym typeface="Arial"/>
-              </a:defRPr>
-            </a:lvl7pPr>
-            <a:lvl8pPr marR="0" lvl="7" algn="ctr" rtl="0">
-              <a:lnSpc>
-                <a:spcPct val="100000"/>
-              </a:lnSpc>
-              <a:spcBef>
-                <a:spcPts val="0"/>
-              </a:spcBef>
-              <a:spcAft>
-                <a:spcPts val="0"/>
-              </a:spcAft>
-              <a:buClr>
-                <a:schemeClr val="dk1"/>
-              </a:buClr>
-              <a:buSzPts val="5200"/>
-              <a:buFont typeface="Arial"/>
-              <a:buNone/>
-              <a:defRPr sz="5200" b="0" i="0" u="none" strike="noStrike" cap="none">
-                <a:solidFill>
-                  <a:schemeClr val="dk1"/>
-                </a:solidFill>
-                <a:latin typeface="Arial"/>
-                <a:ea typeface="Arial"/>
-                <a:cs typeface="Arial"/>
-                <a:sym typeface="Arial"/>
-              </a:defRPr>
-            </a:lvl8pPr>
-            <a:lvl9pPr marR="0" lvl="8" algn="ctr" rtl="0">
-              <a:lnSpc>
-                <a:spcPct val="100000"/>
-              </a:lnSpc>
-              <a:spcBef>
-                <a:spcPts val="0"/>
-              </a:spcBef>
-              <a:spcAft>
-                <a:spcPts val="0"/>
-              </a:spcAft>
-              <a:buClr>
-                <a:schemeClr val="dk1"/>
-              </a:buClr>
-              <a:buSzPts val="5200"/>
-              <a:buFont typeface="Arial"/>
-              <a:buNone/>
-              <a:defRPr sz="5200" b="0" i="0" u="none" strike="noStrike" cap="none">
-                <a:solidFill>
-                  <a:schemeClr val="dk1"/>
-                </a:solidFill>
-                <a:latin typeface="Arial"/>
-                <a:ea typeface="Arial"/>
-                <a:cs typeface="Arial"/>
-                <a:sym typeface="Arial"/>
-              </a:defRPr>
-            </a:lvl9pPr>
-          </a:lstStyle>
-          <a:p>
-            <a:pPr algn="l"/>
-            <a:r>
-              <a:rPr lang="nl-BE" sz="1400" dirty="0">
-                <a:solidFill>
-                  <a:schemeClr val="bg1"/>
-                </a:solidFill>
-                <a:latin typeface="Cascadia Mono" panose="020B0609020000020004" pitchFamily="49" charset="0"/>
-                <a:ea typeface="Cascadia Mono" panose="020B0609020000020004" pitchFamily="49" charset="0"/>
-                <a:cs typeface="Cascadia Mono" panose="020B0609020000020004" pitchFamily="49" charset="0"/>
-                <a:sym typeface="Montserrat"/>
-              </a:rPr>
-              <a:t>11/02/2022</a:t>
             </a:r>
           </a:p>
         </p:txBody>
@@ -40831,298 +33194,6 @@
           </a:p>
         </p:txBody>
       </p:sp>
-      <p:sp>
-        <p:nvSpPr>
-          <p:cNvPr id="10" name="Google Shape;69;p15">
-            <a:extLst>
-              <a:ext uri="{FF2B5EF4-FFF2-40B4-BE49-F238E27FC236}">
-                <a16:creationId xmlns:a16="http://schemas.microsoft.com/office/drawing/2014/main" id="{8C5C2525-1B00-4394-8FE4-617E7160EAB8}"/>
-              </a:ext>
-            </a:extLst>
-          </p:cNvPr>
-          <p:cNvSpPr txBox="1">
-            <a:spLocks/>
-          </p:cNvSpPr>
-          <p:nvPr/>
-        </p:nvSpPr>
-        <p:spPr>
-          <a:xfrm>
-            <a:off x="317513" y="6163056"/>
-            <a:ext cx="3140592" cy="438149"/>
-          </a:xfrm>
-          <a:prstGeom prst="rect">
-            <a:avLst/>
-          </a:prstGeom>
-          <a:noFill/>
-          <a:ln>
-            <a:noFill/>
-          </a:ln>
-        </p:spPr>
-        <p:txBody>
-          <a:bodyPr spcFirstLastPara="1" wrap="square" lIns="91425" tIns="91425" rIns="91425" bIns="91425" anchor="t" anchorCtr="0">
-            <a:noAutofit/>
-          </a:bodyPr>
-          <a:lstStyle>
-            <a:defPPr marR="0" lvl="0" algn="l" rtl="0">
-              <a:lnSpc>
-                <a:spcPct val="100000"/>
-              </a:lnSpc>
-              <a:spcBef>
-                <a:spcPts val="0"/>
-              </a:spcBef>
-              <a:spcAft>
-                <a:spcPts val="0"/>
-              </a:spcAft>
-            </a:defPPr>
-            <a:lvl1pPr marR="0" lvl="0" algn="ctr" rtl="0">
-              <a:lnSpc>
-                <a:spcPct val="100000"/>
-              </a:lnSpc>
-              <a:spcBef>
-                <a:spcPts val="0"/>
-              </a:spcBef>
-              <a:spcAft>
-                <a:spcPts val="0"/>
-              </a:spcAft>
-              <a:buClr>
-                <a:schemeClr val="dk1"/>
-              </a:buClr>
-              <a:buSzPts val="5200"/>
-              <a:buFont typeface="Arial"/>
-              <a:buNone/>
-              <a:defRPr sz="5200" b="0" i="0" u="none" strike="noStrike" cap="none">
-                <a:solidFill>
-                  <a:schemeClr val="dk1"/>
-                </a:solidFill>
-                <a:latin typeface="Arial"/>
-                <a:ea typeface="Arial"/>
-                <a:cs typeface="Arial"/>
-                <a:sym typeface="Arial"/>
-              </a:defRPr>
-            </a:lvl1pPr>
-            <a:lvl2pPr marR="0" lvl="1" algn="ctr" rtl="0">
-              <a:lnSpc>
-                <a:spcPct val="100000"/>
-              </a:lnSpc>
-              <a:spcBef>
-                <a:spcPts val="0"/>
-              </a:spcBef>
-              <a:spcAft>
-                <a:spcPts val="0"/>
-              </a:spcAft>
-              <a:buClr>
-                <a:schemeClr val="dk1"/>
-              </a:buClr>
-              <a:buSzPts val="5200"/>
-              <a:buFont typeface="Arial"/>
-              <a:buNone/>
-              <a:defRPr sz="5200" b="0" i="0" u="none" strike="noStrike" cap="none">
-                <a:solidFill>
-                  <a:schemeClr val="dk1"/>
-                </a:solidFill>
-                <a:latin typeface="Arial"/>
-                <a:ea typeface="Arial"/>
-                <a:cs typeface="Arial"/>
-                <a:sym typeface="Arial"/>
-              </a:defRPr>
-            </a:lvl2pPr>
-            <a:lvl3pPr marR="0" lvl="2" algn="ctr" rtl="0">
-              <a:lnSpc>
-                <a:spcPct val="100000"/>
-              </a:lnSpc>
-              <a:spcBef>
-                <a:spcPts val="0"/>
-              </a:spcBef>
-              <a:spcAft>
-                <a:spcPts val="0"/>
-              </a:spcAft>
-              <a:buClr>
-                <a:schemeClr val="dk1"/>
-              </a:buClr>
-              <a:buSzPts val="5200"/>
-              <a:buFont typeface="Arial"/>
-              <a:buNone/>
-              <a:defRPr sz="5200" b="0" i="0" u="none" strike="noStrike" cap="none">
-                <a:solidFill>
-                  <a:schemeClr val="dk1"/>
-                </a:solidFill>
-                <a:latin typeface="Arial"/>
-                <a:ea typeface="Arial"/>
-                <a:cs typeface="Arial"/>
-                <a:sym typeface="Arial"/>
-              </a:defRPr>
-            </a:lvl3pPr>
-            <a:lvl4pPr marR="0" lvl="3" algn="ctr" rtl="0">
-              <a:lnSpc>
-                <a:spcPct val="100000"/>
-              </a:lnSpc>
-              <a:spcBef>
-                <a:spcPts val="0"/>
-              </a:spcBef>
-              <a:spcAft>
-                <a:spcPts val="0"/>
-              </a:spcAft>
-              <a:buClr>
-                <a:schemeClr val="dk1"/>
-              </a:buClr>
-              <a:buSzPts val="5200"/>
-              <a:buFont typeface="Arial"/>
-              <a:buNone/>
-              <a:defRPr sz="5200" b="0" i="0" u="none" strike="noStrike" cap="none">
-                <a:solidFill>
-                  <a:schemeClr val="dk1"/>
-                </a:solidFill>
-                <a:latin typeface="Arial"/>
-                <a:ea typeface="Arial"/>
-                <a:cs typeface="Arial"/>
-                <a:sym typeface="Arial"/>
-              </a:defRPr>
-            </a:lvl4pPr>
-            <a:lvl5pPr marR="0" lvl="4" algn="ctr" rtl="0">
-              <a:lnSpc>
-                <a:spcPct val="100000"/>
-              </a:lnSpc>
-              <a:spcBef>
-                <a:spcPts val="0"/>
-              </a:spcBef>
-              <a:spcAft>
-                <a:spcPts val="0"/>
-              </a:spcAft>
-              <a:buClr>
-                <a:schemeClr val="dk1"/>
-              </a:buClr>
-              <a:buSzPts val="5200"/>
-              <a:buFont typeface="Arial"/>
-              <a:buNone/>
-              <a:defRPr sz="5200" b="0" i="0" u="none" strike="noStrike" cap="none">
-                <a:solidFill>
-                  <a:schemeClr val="dk1"/>
-                </a:solidFill>
-                <a:latin typeface="Arial"/>
-                <a:ea typeface="Arial"/>
-                <a:cs typeface="Arial"/>
-                <a:sym typeface="Arial"/>
-              </a:defRPr>
-            </a:lvl5pPr>
-            <a:lvl6pPr marR="0" lvl="5" algn="ctr" rtl="0">
-              <a:lnSpc>
-                <a:spcPct val="100000"/>
-              </a:lnSpc>
-              <a:spcBef>
-                <a:spcPts val="0"/>
-              </a:spcBef>
-              <a:spcAft>
-                <a:spcPts val="0"/>
-              </a:spcAft>
-              <a:buClr>
-                <a:schemeClr val="dk1"/>
-              </a:buClr>
-              <a:buSzPts val="5200"/>
-              <a:buFont typeface="Arial"/>
-              <a:buNone/>
-              <a:defRPr sz="5200" b="0" i="0" u="none" strike="noStrike" cap="none">
-                <a:solidFill>
-                  <a:schemeClr val="dk1"/>
-                </a:solidFill>
-                <a:latin typeface="Arial"/>
-                <a:ea typeface="Arial"/>
-                <a:cs typeface="Arial"/>
-                <a:sym typeface="Arial"/>
-              </a:defRPr>
-            </a:lvl6pPr>
-            <a:lvl7pPr marR="0" lvl="6" algn="ctr" rtl="0">
-              <a:lnSpc>
-                <a:spcPct val="100000"/>
-              </a:lnSpc>
-              <a:spcBef>
-                <a:spcPts val="0"/>
-              </a:spcBef>
-              <a:spcAft>
-                <a:spcPts val="0"/>
-              </a:spcAft>
-              <a:buClr>
-                <a:schemeClr val="dk1"/>
-              </a:buClr>
-              <a:buSzPts val="5200"/>
-              <a:buFont typeface="Arial"/>
-              <a:buNone/>
-              <a:defRPr sz="5200" b="0" i="0" u="none" strike="noStrike" cap="none">
-                <a:solidFill>
-                  <a:schemeClr val="dk1"/>
-                </a:solidFill>
-                <a:latin typeface="Arial"/>
-                <a:ea typeface="Arial"/>
-                <a:cs typeface="Arial"/>
-                <a:sym typeface="Arial"/>
-              </a:defRPr>
-            </a:lvl7pPr>
-            <a:lvl8pPr marR="0" lvl="7" algn="ctr" rtl="0">
-              <a:lnSpc>
-                <a:spcPct val="100000"/>
-              </a:lnSpc>
-              <a:spcBef>
-                <a:spcPts val="0"/>
-              </a:spcBef>
-              <a:spcAft>
-                <a:spcPts val="0"/>
-              </a:spcAft>
-              <a:buClr>
-                <a:schemeClr val="dk1"/>
-              </a:buClr>
-              <a:buSzPts val="5200"/>
-              <a:buFont typeface="Arial"/>
-              <a:buNone/>
-              <a:defRPr sz="5200" b="0" i="0" u="none" strike="noStrike" cap="none">
-                <a:solidFill>
-                  <a:schemeClr val="dk1"/>
-                </a:solidFill>
-                <a:latin typeface="Arial"/>
-                <a:ea typeface="Arial"/>
-                <a:cs typeface="Arial"/>
-                <a:sym typeface="Arial"/>
-              </a:defRPr>
-            </a:lvl8pPr>
-            <a:lvl9pPr marR="0" lvl="8" algn="ctr" rtl="0">
-              <a:lnSpc>
-                <a:spcPct val="100000"/>
-              </a:lnSpc>
-              <a:spcBef>
-                <a:spcPts val="0"/>
-              </a:spcBef>
-              <a:spcAft>
-                <a:spcPts val="0"/>
-              </a:spcAft>
-              <a:buClr>
-                <a:schemeClr val="dk1"/>
-              </a:buClr>
-              <a:buSzPts val="5200"/>
-              <a:buFont typeface="Arial"/>
-              <a:buNone/>
-              <a:defRPr sz="5200" b="0" i="0" u="none" strike="noStrike" cap="none">
-                <a:solidFill>
-                  <a:schemeClr val="dk1"/>
-                </a:solidFill>
-                <a:latin typeface="Arial"/>
-                <a:ea typeface="Arial"/>
-                <a:cs typeface="Arial"/>
-                <a:sym typeface="Arial"/>
-              </a:defRPr>
-            </a:lvl9pPr>
-          </a:lstStyle>
-          <a:p>
-            <a:pPr algn="l"/>
-            <a:r>
-              <a:rPr lang="nl-BE" sz="1400" dirty="0">
-                <a:latin typeface="Cascadia Mono" panose="020B0609020000020004" pitchFamily="49" charset="0"/>
-                <a:ea typeface="Cascadia Mono" panose="020B0609020000020004" pitchFamily="49" charset="0"/>
-                <a:cs typeface="Cascadia Mono" panose="020B0609020000020004" pitchFamily="49" charset="0"/>
-                <a:sym typeface="Montserrat"/>
-              </a:rPr>
-              <a:t>11/02/2022</a:t>
-            </a:r>
-          </a:p>
-        </p:txBody>
-      </p:sp>
     </p:spTree>
   </p:cSld>
   <p:clrMapOvr>
@@ -41598,301 +33669,6 @@
                 <a:sym typeface="Montserrat"/>
               </a:rPr>
               <a:t>Python Fundamentals - Les006</a:t>
-            </a:r>
-          </a:p>
-        </p:txBody>
-      </p:sp>
-      <p:sp>
-        <p:nvSpPr>
-          <p:cNvPr id="8" name="Google Shape;69;p15">
-            <a:extLst>
-              <a:ext uri="{FF2B5EF4-FFF2-40B4-BE49-F238E27FC236}">
-                <a16:creationId xmlns:a16="http://schemas.microsoft.com/office/drawing/2014/main" id="{25205225-45E0-41B5-9D56-1FF6F1782309}"/>
-              </a:ext>
-            </a:extLst>
-          </p:cNvPr>
-          <p:cNvSpPr txBox="1">
-            <a:spLocks/>
-          </p:cNvSpPr>
-          <p:nvPr/>
-        </p:nvSpPr>
-        <p:spPr>
-          <a:xfrm>
-            <a:off x="317513" y="6130399"/>
-            <a:ext cx="3140592" cy="438149"/>
-          </a:xfrm>
-          <a:prstGeom prst="rect">
-            <a:avLst/>
-          </a:prstGeom>
-          <a:noFill/>
-          <a:ln>
-            <a:noFill/>
-          </a:ln>
-        </p:spPr>
-        <p:txBody>
-          <a:bodyPr spcFirstLastPara="1" wrap="square" lIns="91425" tIns="91425" rIns="91425" bIns="91425" anchor="t" anchorCtr="0">
-            <a:noAutofit/>
-          </a:bodyPr>
-          <a:lstStyle>
-            <a:defPPr marR="0" lvl="0" algn="l" rtl="0">
-              <a:lnSpc>
-                <a:spcPct val="100000"/>
-              </a:lnSpc>
-              <a:spcBef>
-                <a:spcPts val="0"/>
-              </a:spcBef>
-              <a:spcAft>
-                <a:spcPts val="0"/>
-              </a:spcAft>
-            </a:defPPr>
-            <a:lvl1pPr marR="0" lvl="0" algn="ctr" rtl="0">
-              <a:lnSpc>
-                <a:spcPct val="100000"/>
-              </a:lnSpc>
-              <a:spcBef>
-                <a:spcPts val="0"/>
-              </a:spcBef>
-              <a:spcAft>
-                <a:spcPts val="0"/>
-              </a:spcAft>
-              <a:buClr>
-                <a:schemeClr val="dk1"/>
-              </a:buClr>
-              <a:buSzPts val="5200"/>
-              <a:buFont typeface="Arial"/>
-              <a:buNone/>
-              <a:defRPr sz="5200" b="0" i="0" u="none" strike="noStrike" cap="none">
-                <a:solidFill>
-                  <a:schemeClr val="dk1"/>
-                </a:solidFill>
-                <a:latin typeface="Arial"/>
-                <a:ea typeface="Arial"/>
-                <a:cs typeface="Arial"/>
-                <a:sym typeface="Arial"/>
-              </a:defRPr>
-            </a:lvl1pPr>
-            <a:lvl2pPr marR="0" lvl="1" algn="ctr" rtl="0">
-              <a:lnSpc>
-                <a:spcPct val="100000"/>
-              </a:lnSpc>
-              <a:spcBef>
-                <a:spcPts val="0"/>
-              </a:spcBef>
-              <a:spcAft>
-                <a:spcPts val="0"/>
-              </a:spcAft>
-              <a:buClr>
-                <a:schemeClr val="dk1"/>
-              </a:buClr>
-              <a:buSzPts val="5200"/>
-              <a:buFont typeface="Arial"/>
-              <a:buNone/>
-              <a:defRPr sz="5200" b="0" i="0" u="none" strike="noStrike" cap="none">
-                <a:solidFill>
-                  <a:schemeClr val="dk1"/>
-                </a:solidFill>
-                <a:latin typeface="Arial"/>
-                <a:ea typeface="Arial"/>
-                <a:cs typeface="Arial"/>
-                <a:sym typeface="Arial"/>
-              </a:defRPr>
-            </a:lvl2pPr>
-            <a:lvl3pPr marR="0" lvl="2" algn="ctr" rtl="0">
-              <a:lnSpc>
-                <a:spcPct val="100000"/>
-              </a:lnSpc>
-              <a:spcBef>
-                <a:spcPts val="0"/>
-              </a:spcBef>
-              <a:spcAft>
-                <a:spcPts val="0"/>
-              </a:spcAft>
-              <a:buClr>
-                <a:schemeClr val="dk1"/>
-              </a:buClr>
-              <a:buSzPts val="5200"/>
-              <a:buFont typeface="Arial"/>
-              <a:buNone/>
-              <a:defRPr sz="5200" b="0" i="0" u="none" strike="noStrike" cap="none">
-                <a:solidFill>
-                  <a:schemeClr val="dk1"/>
-                </a:solidFill>
-                <a:latin typeface="Arial"/>
-                <a:ea typeface="Arial"/>
-                <a:cs typeface="Arial"/>
-                <a:sym typeface="Arial"/>
-              </a:defRPr>
-            </a:lvl3pPr>
-            <a:lvl4pPr marR="0" lvl="3" algn="ctr" rtl="0">
-              <a:lnSpc>
-                <a:spcPct val="100000"/>
-              </a:lnSpc>
-              <a:spcBef>
-                <a:spcPts val="0"/>
-              </a:spcBef>
-              <a:spcAft>
-                <a:spcPts val="0"/>
-              </a:spcAft>
-              <a:buClr>
-                <a:schemeClr val="dk1"/>
-              </a:buClr>
-              <a:buSzPts val="5200"/>
-              <a:buFont typeface="Arial"/>
-              <a:buNone/>
-              <a:defRPr sz="5200" b="0" i="0" u="none" strike="noStrike" cap="none">
-                <a:solidFill>
-                  <a:schemeClr val="dk1"/>
-                </a:solidFill>
-                <a:latin typeface="Arial"/>
-                <a:ea typeface="Arial"/>
-                <a:cs typeface="Arial"/>
-                <a:sym typeface="Arial"/>
-              </a:defRPr>
-            </a:lvl4pPr>
-            <a:lvl5pPr marR="0" lvl="4" algn="ctr" rtl="0">
-              <a:lnSpc>
-                <a:spcPct val="100000"/>
-              </a:lnSpc>
-              <a:spcBef>
-                <a:spcPts val="0"/>
-              </a:spcBef>
-              <a:spcAft>
-                <a:spcPts val="0"/>
-              </a:spcAft>
-              <a:buClr>
-                <a:schemeClr val="dk1"/>
-              </a:buClr>
-              <a:buSzPts val="5200"/>
-              <a:buFont typeface="Arial"/>
-              <a:buNone/>
-              <a:defRPr sz="5200" b="0" i="0" u="none" strike="noStrike" cap="none">
-                <a:solidFill>
-                  <a:schemeClr val="dk1"/>
-                </a:solidFill>
-                <a:latin typeface="Arial"/>
-                <a:ea typeface="Arial"/>
-                <a:cs typeface="Arial"/>
-                <a:sym typeface="Arial"/>
-              </a:defRPr>
-            </a:lvl5pPr>
-            <a:lvl6pPr marR="0" lvl="5" algn="ctr" rtl="0">
-              <a:lnSpc>
-                <a:spcPct val="100000"/>
-              </a:lnSpc>
-              <a:spcBef>
-                <a:spcPts val="0"/>
-              </a:spcBef>
-              <a:spcAft>
-                <a:spcPts val="0"/>
-              </a:spcAft>
-              <a:buClr>
-                <a:schemeClr val="dk1"/>
-              </a:buClr>
-              <a:buSzPts val="5200"/>
-              <a:buFont typeface="Arial"/>
-              <a:buNone/>
-              <a:defRPr sz="5200" b="0" i="0" u="none" strike="noStrike" cap="none">
-                <a:solidFill>
-                  <a:schemeClr val="dk1"/>
-                </a:solidFill>
-                <a:latin typeface="Arial"/>
-                <a:ea typeface="Arial"/>
-                <a:cs typeface="Arial"/>
-                <a:sym typeface="Arial"/>
-              </a:defRPr>
-            </a:lvl6pPr>
-            <a:lvl7pPr marR="0" lvl="6" algn="ctr" rtl="0">
-              <a:lnSpc>
-                <a:spcPct val="100000"/>
-              </a:lnSpc>
-              <a:spcBef>
-                <a:spcPts val="0"/>
-              </a:spcBef>
-              <a:spcAft>
-                <a:spcPts val="0"/>
-              </a:spcAft>
-              <a:buClr>
-                <a:schemeClr val="dk1"/>
-              </a:buClr>
-              <a:buSzPts val="5200"/>
-              <a:buFont typeface="Arial"/>
-              <a:buNone/>
-              <a:defRPr sz="5200" b="0" i="0" u="none" strike="noStrike" cap="none">
-                <a:solidFill>
-                  <a:schemeClr val="dk1"/>
-                </a:solidFill>
-                <a:latin typeface="Arial"/>
-                <a:ea typeface="Arial"/>
-                <a:cs typeface="Arial"/>
-                <a:sym typeface="Arial"/>
-              </a:defRPr>
-            </a:lvl7pPr>
-            <a:lvl8pPr marR="0" lvl="7" algn="ctr" rtl="0">
-              <a:lnSpc>
-                <a:spcPct val="100000"/>
-              </a:lnSpc>
-              <a:spcBef>
-                <a:spcPts val="0"/>
-              </a:spcBef>
-              <a:spcAft>
-                <a:spcPts val="0"/>
-              </a:spcAft>
-              <a:buClr>
-                <a:schemeClr val="dk1"/>
-              </a:buClr>
-              <a:buSzPts val="5200"/>
-              <a:buFont typeface="Arial"/>
-              <a:buNone/>
-              <a:defRPr sz="5200" b="0" i="0" u="none" strike="noStrike" cap="none">
-                <a:solidFill>
-                  <a:schemeClr val="dk1"/>
-                </a:solidFill>
-                <a:latin typeface="Arial"/>
-                <a:ea typeface="Arial"/>
-                <a:cs typeface="Arial"/>
-                <a:sym typeface="Arial"/>
-              </a:defRPr>
-            </a:lvl8pPr>
-            <a:lvl9pPr marR="0" lvl="8" algn="ctr" rtl="0">
-              <a:lnSpc>
-                <a:spcPct val="100000"/>
-              </a:lnSpc>
-              <a:spcBef>
-                <a:spcPts val="0"/>
-              </a:spcBef>
-              <a:spcAft>
-                <a:spcPts val="0"/>
-              </a:spcAft>
-              <a:buClr>
-                <a:schemeClr val="dk1"/>
-              </a:buClr>
-              <a:buSzPts val="5200"/>
-              <a:buFont typeface="Arial"/>
-              <a:buNone/>
-              <a:defRPr sz="5200" b="0" i="0" u="none" strike="noStrike" cap="none">
-                <a:solidFill>
-                  <a:schemeClr val="dk1"/>
-                </a:solidFill>
-                <a:latin typeface="Arial"/>
-                <a:ea typeface="Arial"/>
-                <a:cs typeface="Arial"/>
-                <a:sym typeface="Arial"/>
-              </a:defRPr>
-            </a:lvl9pPr>
-          </a:lstStyle>
-          <a:p>
-            <a:pPr algn="l"/>
-            <a:r>
-              <a:rPr lang="nl-BE" sz="1400" dirty="0">
-                <a:solidFill>
-                  <a:schemeClr val="bg1"/>
-                </a:solidFill>
-                <a:latin typeface="Cascadia Mono" panose="020B0609020000020004" pitchFamily="49" charset="0"/>
-                <a:ea typeface="Cascadia Mono" panose="020B0609020000020004" pitchFamily="49" charset="0"/>
-                <a:cs typeface="Cascadia Mono" panose="020B0609020000020004" pitchFamily="49" charset="0"/>
-                <a:sym typeface="Montserrat"/>
-              </a:rPr>
-              <a:t>11/02/2022</a:t>
             </a:r>
           </a:p>
         </p:txBody>
@@ -42372,298 +34148,6 @@
                 <a:sym typeface="Montserrat"/>
               </a:rPr>
               <a:t>Python Fundamentals - Les006</a:t>
-            </a:r>
-          </a:p>
-        </p:txBody>
-      </p:sp>
-      <p:sp>
-        <p:nvSpPr>
-          <p:cNvPr id="10" name="Google Shape;69;p15">
-            <a:extLst>
-              <a:ext uri="{FF2B5EF4-FFF2-40B4-BE49-F238E27FC236}">
-                <a16:creationId xmlns:a16="http://schemas.microsoft.com/office/drawing/2014/main" id="{F53F3913-1393-4705-ABCF-085E3314EA1B}"/>
-              </a:ext>
-            </a:extLst>
-          </p:cNvPr>
-          <p:cNvSpPr txBox="1">
-            <a:spLocks/>
-          </p:cNvSpPr>
-          <p:nvPr/>
-        </p:nvSpPr>
-        <p:spPr>
-          <a:xfrm>
-            <a:off x="317513" y="6163056"/>
-            <a:ext cx="3140592" cy="438149"/>
-          </a:xfrm>
-          <a:prstGeom prst="rect">
-            <a:avLst/>
-          </a:prstGeom>
-          <a:noFill/>
-          <a:ln>
-            <a:noFill/>
-          </a:ln>
-        </p:spPr>
-        <p:txBody>
-          <a:bodyPr spcFirstLastPara="1" wrap="square" lIns="91425" tIns="91425" rIns="91425" bIns="91425" anchor="t" anchorCtr="0">
-            <a:noAutofit/>
-          </a:bodyPr>
-          <a:lstStyle>
-            <a:defPPr marR="0" lvl="0" algn="l" rtl="0">
-              <a:lnSpc>
-                <a:spcPct val="100000"/>
-              </a:lnSpc>
-              <a:spcBef>
-                <a:spcPts val="0"/>
-              </a:spcBef>
-              <a:spcAft>
-                <a:spcPts val="0"/>
-              </a:spcAft>
-            </a:defPPr>
-            <a:lvl1pPr marR="0" lvl="0" algn="ctr" rtl="0">
-              <a:lnSpc>
-                <a:spcPct val="100000"/>
-              </a:lnSpc>
-              <a:spcBef>
-                <a:spcPts val="0"/>
-              </a:spcBef>
-              <a:spcAft>
-                <a:spcPts val="0"/>
-              </a:spcAft>
-              <a:buClr>
-                <a:schemeClr val="dk1"/>
-              </a:buClr>
-              <a:buSzPts val="5200"/>
-              <a:buFont typeface="Arial"/>
-              <a:buNone/>
-              <a:defRPr sz="5200" b="0" i="0" u="none" strike="noStrike" cap="none">
-                <a:solidFill>
-                  <a:schemeClr val="dk1"/>
-                </a:solidFill>
-                <a:latin typeface="Arial"/>
-                <a:ea typeface="Arial"/>
-                <a:cs typeface="Arial"/>
-                <a:sym typeface="Arial"/>
-              </a:defRPr>
-            </a:lvl1pPr>
-            <a:lvl2pPr marR="0" lvl="1" algn="ctr" rtl="0">
-              <a:lnSpc>
-                <a:spcPct val="100000"/>
-              </a:lnSpc>
-              <a:spcBef>
-                <a:spcPts val="0"/>
-              </a:spcBef>
-              <a:spcAft>
-                <a:spcPts val="0"/>
-              </a:spcAft>
-              <a:buClr>
-                <a:schemeClr val="dk1"/>
-              </a:buClr>
-              <a:buSzPts val="5200"/>
-              <a:buFont typeface="Arial"/>
-              <a:buNone/>
-              <a:defRPr sz="5200" b="0" i="0" u="none" strike="noStrike" cap="none">
-                <a:solidFill>
-                  <a:schemeClr val="dk1"/>
-                </a:solidFill>
-                <a:latin typeface="Arial"/>
-                <a:ea typeface="Arial"/>
-                <a:cs typeface="Arial"/>
-                <a:sym typeface="Arial"/>
-              </a:defRPr>
-            </a:lvl2pPr>
-            <a:lvl3pPr marR="0" lvl="2" algn="ctr" rtl="0">
-              <a:lnSpc>
-                <a:spcPct val="100000"/>
-              </a:lnSpc>
-              <a:spcBef>
-                <a:spcPts val="0"/>
-              </a:spcBef>
-              <a:spcAft>
-                <a:spcPts val="0"/>
-              </a:spcAft>
-              <a:buClr>
-                <a:schemeClr val="dk1"/>
-              </a:buClr>
-              <a:buSzPts val="5200"/>
-              <a:buFont typeface="Arial"/>
-              <a:buNone/>
-              <a:defRPr sz="5200" b="0" i="0" u="none" strike="noStrike" cap="none">
-                <a:solidFill>
-                  <a:schemeClr val="dk1"/>
-                </a:solidFill>
-                <a:latin typeface="Arial"/>
-                <a:ea typeface="Arial"/>
-                <a:cs typeface="Arial"/>
-                <a:sym typeface="Arial"/>
-              </a:defRPr>
-            </a:lvl3pPr>
-            <a:lvl4pPr marR="0" lvl="3" algn="ctr" rtl="0">
-              <a:lnSpc>
-                <a:spcPct val="100000"/>
-              </a:lnSpc>
-              <a:spcBef>
-                <a:spcPts val="0"/>
-              </a:spcBef>
-              <a:spcAft>
-                <a:spcPts val="0"/>
-              </a:spcAft>
-              <a:buClr>
-                <a:schemeClr val="dk1"/>
-              </a:buClr>
-              <a:buSzPts val="5200"/>
-              <a:buFont typeface="Arial"/>
-              <a:buNone/>
-              <a:defRPr sz="5200" b="0" i="0" u="none" strike="noStrike" cap="none">
-                <a:solidFill>
-                  <a:schemeClr val="dk1"/>
-                </a:solidFill>
-                <a:latin typeface="Arial"/>
-                <a:ea typeface="Arial"/>
-                <a:cs typeface="Arial"/>
-                <a:sym typeface="Arial"/>
-              </a:defRPr>
-            </a:lvl4pPr>
-            <a:lvl5pPr marR="0" lvl="4" algn="ctr" rtl="0">
-              <a:lnSpc>
-                <a:spcPct val="100000"/>
-              </a:lnSpc>
-              <a:spcBef>
-                <a:spcPts val="0"/>
-              </a:spcBef>
-              <a:spcAft>
-                <a:spcPts val="0"/>
-              </a:spcAft>
-              <a:buClr>
-                <a:schemeClr val="dk1"/>
-              </a:buClr>
-              <a:buSzPts val="5200"/>
-              <a:buFont typeface="Arial"/>
-              <a:buNone/>
-              <a:defRPr sz="5200" b="0" i="0" u="none" strike="noStrike" cap="none">
-                <a:solidFill>
-                  <a:schemeClr val="dk1"/>
-                </a:solidFill>
-                <a:latin typeface="Arial"/>
-                <a:ea typeface="Arial"/>
-                <a:cs typeface="Arial"/>
-                <a:sym typeface="Arial"/>
-              </a:defRPr>
-            </a:lvl5pPr>
-            <a:lvl6pPr marR="0" lvl="5" algn="ctr" rtl="0">
-              <a:lnSpc>
-                <a:spcPct val="100000"/>
-              </a:lnSpc>
-              <a:spcBef>
-                <a:spcPts val="0"/>
-              </a:spcBef>
-              <a:spcAft>
-                <a:spcPts val="0"/>
-              </a:spcAft>
-              <a:buClr>
-                <a:schemeClr val="dk1"/>
-              </a:buClr>
-              <a:buSzPts val="5200"/>
-              <a:buFont typeface="Arial"/>
-              <a:buNone/>
-              <a:defRPr sz="5200" b="0" i="0" u="none" strike="noStrike" cap="none">
-                <a:solidFill>
-                  <a:schemeClr val="dk1"/>
-                </a:solidFill>
-                <a:latin typeface="Arial"/>
-                <a:ea typeface="Arial"/>
-                <a:cs typeface="Arial"/>
-                <a:sym typeface="Arial"/>
-              </a:defRPr>
-            </a:lvl6pPr>
-            <a:lvl7pPr marR="0" lvl="6" algn="ctr" rtl="0">
-              <a:lnSpc>
-                <a:spcPct val="100000"/>
-              </a:lnSpc>
-              <a:spcBef>
-                <a:spcPts val="0"/>
-              </a:spcBef>
-              <a:spcAft>
-                <a:spcPts val="0"/>
-              </a:spcAft>
-              <a:buClr>
-                <a:schemeClr val="dk1"/>
-              </a:buClr>
-              <a:buSzPts val="5200"/>
-              <a:buFont typeface="Arial"/>
-              <a:buNone/>
-              <a:defRPr sz="5200" b="0" i="0" u="none" strike="noStrike" cap="none">
-                <a:solidFill>
-                  <a:schemeClr val="dk1"/>
-                </a:solidFill>
-                <a:latin typeface="Arial"/>
-                <a:ea typeface="Arial"/>
-                <a:cs typeface="Arial"/>
-                <a:sym typeface="Arial"/>
-              </a:defRPr>
-            </a:lvl7pPr>
-            <a:lvl8pPr marR="0" lvl="7" algn="ctr" rtl="0">
-              <a:lnSpc>
-                <a:spcPct val="100000"/>
-              </a:lnSpc>
-              <a:spcBef>
-                <a:spcPts val="0"/>
-              </a:spcBef>
-              <a:spcAft>
-                <a:spcPts val="0"/>
-              </a:spcAft>
-              <a:buClr>
-                <a:schemeClr val="dk1"/>
-              </a:buClr>
-              <a:buSzPts val="5200"/>
-              <a:buFont typeface="Arial"/>
-              <a:buNone/>
-              <a:defRPr sz="5200" b="0" i="0" u="none" strike="noStrike" cap="none">
-                <a:solidFill>
-                  <a:schemeClr val="dk1"/>
-                </a:solidFill>
-                <a:latin typeface="Arial"/>
-                <a:ea typeface="Arial"/>
-                <a:cs typeface="Arial"/>
-                <a:sym typeface="Arial"/>
-              </a:defRPr>
-            </a:lvl8pPr>
-            <a:lvl9pPr marR="0" lvl="8" algn="ctr" rtl="0">
-              <a:lnSpc>
-                <a:spcPct val="100000"/>
-              </a:lnSpc>
-              <a:spcBef>
-                <a:spcPts val="0"/>
-              </a:spcBef>
-              <a:spcAft>
-                <a:spcPts val="0"/>
-              </a:spcAft>
-              <a:buClr>
-                <a:schemeClr val="dk1"/>
-              </a:buClr>
-              <a:buSzPts val="5200"/>
-              <a:buFont typeface="Arial"/>
-              <a:buNone/>
-              <a:defRPr sz="5200" b="0" i="0" u="none" strike="noStrike" cap="none">
-                <a:solidFill>
-                  <a:schemeClr val="dk1"/>
-                </a:solidFill>
-                <a:latin typeface="Arial"/>
-                <a:ea typeface="Arial"/>
-                <a:cs typeface="Arial"/>
-                <a:sym typeface="Arial"/>
-              </a:defRPr>
-            </a:lvl9pPr>
-          </a:lstStyle>
-          <a:p>
-            <a:pPr algn="l"/>
-            <a:r>
-              <a:rPr lang="nl-BE" sz="1400" dirty="0">
-                <a:latin typeface="Cascadia Mono" panose="020B0609020000020004" pitchFamily="49" charset="0"/>
-                <a:ea typeface="Cascadia Mono" panose="020B0609020000020004" pitchFamily="49" charset="0"/>
-                <a:cs typeface="Cascadia Mono" panose="020B0609020000020004" pitchFamily="49" charset="0"/>
-                <a:sym typeface="Montserrat"/>
-              </a:rPr>
-              <a:t>11/02/2022</a:t>
             </a:r>
           </a:p>
         </p:txBody>
@@ -43314,298 +34798,6 @@
                 <a:sym typeface="Montserrat"/>
               </a:rPr>
               <a:t>Python Fundamentals - Les006</a:t>
-            </a:r>
-          </a:p>
-        </p:txBody>
-      </p:sp>
-      <p:sp>
-        <p:nvSpPr>
-          <p:cNvPr id="11" name="Google Shape;69;p15">
-            <a:extLst>
-              <a:ext uri="{FF2B5EF4-FFF2-40B4-BE49-F238E27FC236}">
-                <a16:creationId xmlns:a16="http://schemas.microsoft.com/office/drawing/2014/main" id="{79799598-5598-43BE-8712-3B20363DE649}"/>
-              </a:ext>
-            </a:extLst>
-          </p:cNvPr>
-          <p:cNvSpPr txBox="1">
-            <a:spLocks/>
-          </p:cNvSpPr>
-          <p:nvPr/>
-        </p:nvSpPr>
-        <p:spPr>
-          <a:xfrm>
-            <a:off x="317513" y="6163056"/>
-            <a:ext cx="3140592" cy="438149"/>
-          </a:xfrm>
-          <a:prstGeom prst="rect">
-            <a:avLst/>
-          </a:prstGeom>
-          <a:noFill/>
-          <a:ln>
-            <a:noFill/>
-          </a:ln>
-        </p:spPr>
-        <p:txBody>
-          <a:bodyPr spcFirstLastPara="1" wrap="square" lIns="91425" tIns="91425" rIns="91425" bIns="91425" anchor="t" anchorCtr="0">
-            <a:noAutofit/>
-          </a:bodyPr>
-          <a:lstStyle>
-            <a:defPPr marR="0" lvl="0" algn="l" rtl="0">
-              <a:lnSpc>
-                <a:spcPct val="100000"/>
-              </a:lnSpc>
-              <a:spcBef>
-                <a:spcPts val="0"/>
-              </a:spcBef>
-              <a:spcAft>
-                <a:spcPts val="0"/>
-              </a:spcAft>
-            </a:defPPr>
-            <a:lvl1pPr marR="0" lvl="0" algn="ctr" rtl="0">
-              <a:lnSpc>
-                <a:spcPct val="100000"/>
-              </a:lnSpc>
-              <a:spcBef>
-                <a:spcPts val="0"/>
-              </a:spcBef>
-              <a:spcAft>
-                <a:spcPts val="0"/>
-              </a:spcAft>
-              <a:buClr>
-                <a:schemeClr val="dk1"/>
-              </a:buClr>
-              <a:buSzPts val="5200"/>
-              <a:buFont typeface="Arial"/>
-              <a:buNone/>
-              <a:defRPr sz="5200" b="0" i="0" u="none" strike="noStrike" cap="none">
-                <a:solidFill>
-                  <a:schemeClr val="dk1"/>
-                </a:solidFill>
-                <a:latin typeface="Arial"/>
-                <a:ea typeface="Arial"/>
-                <a:cs typeface="Arial"/>
-                <a:sym typeface="Arial"/>
-              </a:defRPr>
-            </a:lvl1pPr>
-            <a:lvl2pPr marR="0" lvl="1" algn="ctr" rtl="0">
-              <a:lnSpc>
-                <a:spcPct val="100000"/>
-              </a:lnSpc>
-              <a:spcBef>
-                <a:spcPts val="0"/>
-              </a:spcBef>
-              <a:spcAft>
-                <a:spcPts val="0"/>
-              </a:spcAft>
-              <a:buClr>
-                <a:schemeClr val="dk1"/>
-              </a:buClr>
-              <a:buSzPts val="5200"/>
-              <a:buFont typeface="Arial"/>
-              <a:buNone/>
-              <a:defRPr sz="5200" b="0" i="0" u="none" strike="noStrike" cap="none">
-                <a:solidFill>
-                  <a:schemeClr val="dk1"/>
-                </a:solidFill>
-                <a:latin typeface="Arial"/>
-                <a:ea typeface="Arial"/>
-                <a:cs typeface="Arial"/>
-                <a:sym typeface="Arial"/>
-              </a:defRPr>
-            </a:lvl2pPr>
-            <a:lvl3pPr marR="0" lvl="2" algn="ctr" rtl="0">
-              <a:lnSpc>
-                <a:spcPct val="100000"/>
-              </a:lnSpc>
-              <a:spcBef>
-                <a:spcPts val="0"/>
-              </a:spcBef>
-              <a:spcAft>
-                <a:spcPts val="0"/>
-              </a:spcAft>
-              <a:buClr>
-                <a:schemeClr val="dk1"/>
-              </a:buClr>
-              <a:buSzPts val="5200"/>
-              <a:buFont typeface="Arial"/>
-              <a:buNone/>
-              <a:defRPr sz="5200" b="0" i="0" u="none" strike="noStrike" cap="none">
-                <a:solidFill>
-                  <a:schemeClr val="dk1"/>
-                </a:solidFill>
-                <a:latin typeface="Arial"/>
-                <a:ea typeface="Arial"/>
-                <a:cs typeface="Arial"/>
-                <a:sym typeface="Arial"/>
-              </a:defRPr>
-            </a:lvl3pPr>
-            <a:lvl4pPr marR="0" lvl="3" algn="ctr" rtl="0">
-              <a:lnSpc>
-                <a:spcPct val="100000"/>
-              </a:lnSpc>
-              <a:spcBef>
-                <a:spcPts val="0"/>
-              </a:spcBef>
-              <a:spcAft>
-                <a:spcPts val="0"/>
-              </a:spcAft>
-              <a:buClr>
-                <a:schemeClr val="dk1"/>
-              </a:buClr>
-              <a:buSzPts val="5200"/>
-              <a:buFont typeface="Arial"/>
-              <a:buNone/>
-              <a:defRPr sz="5200" b="0" i="0" u="none" strike="noStrike" cap="none">
-                <a:solidFill>
-                  <a:schemeClr val="dk1"/>
-                </a:solidFill>
-                <a:latin typeface="Arial"/>
-                <a:ea typeface="Arial"/>
-                <a:cs typeface="Arial"/>
-                <a:sym typeface="Arial"/>
-              </a:defRPr>
-            </a:lvl4pPr>
-            <a:lvl5pPr marR="0" lvl="4" algn="ctr" rtl="0">
-              <a:lnSpc>
-                <a:spcPct val="100000"/>
-              </a:lnSpc>
-              <a:spcBef>
-                <a:spcPts val="0"/>
-              </a:spcBef>
-              <a:spcAft>
-                <a:spcPts val="0"/>
-              </a:spcAft>
-              <a:buClr>
-                <a:schemeClr val="dk1"/>
-              </a:buClr>
-              <a:buSzPts val="5200"/>
-              <a:buFont typeface="Arial"/>
-              <a:buNone/>
-              <a:defRPr sz="5200" b="0" i="0" u="none" strike="noStrike" cap="none">
-                <a:solidFill>
-                  <a:schemeClr val="dk1"/>
-                </a:solidFill>
-                <a:latin typeface="Arial"/>
-                <a:ea typeface="Arial"/>
-                <a:cs typeface="Arial"/>
-                <a:sym typeface="Arial"/>
-              </a:defRPr>
-            </a:lvl5pPr>
-            <a:lvl6pPr marR="0" lvl="5" algn="ctr" rtl="0">
-              <a:lnSpc>
-                <a:spcPct val="100000"/>
-              </a:lnSpc>
-              <a:spcBef>
-                <a:spcPts val="0"/>
-              </a:spcBef>
-              <a:spcAft>
-                <a:spcPts val="0"/>
-              </a:spcAft>
-              <a:buClr>
-                <a:schemeClr val="dk1"/>
-              </a:buClr>
-              <a:buSzPts val="5200"/>
-              <a:buFont typeface="Arial"/>
-              <a:buNone/>
-              <a:defRPr sz="5200" b="0" i="0" u="none" strike="noStrike" cap="none">
-                <a:solidFill>
-                  <a:schemeClr val="dk1"/>
-                </a:solidFill>
-                <a:latin typeface="Arial"/>
-                <a:ea typeface="Arial"/>
-                <a:cs typeface="Arial"/>
-                <a:sym typeface="Arial"/>
-              </a:defRPr>
-            </a:lvl6pPr>
-            <a:lvl7pPr marR="0" lvl="6" algn="ctr" rtl="0">
-              <a:lnSpc>
-                <a:spcPct val="100000"/>
-              </a:lnSpc>
-              <a:spcBef>
-                <a:spcPts val="0"/>
-              </a:spcBef>
-              <a:spcAft>
-                <a:spcPts val="0"/>
-              </a:spcAft>
-              <a:buClr>
-                <a:schemeClr val="dk1"/>
-              </a:buClr>
-              <a:buSzPts val="5200"/>
-              <a:buFont typeface="Arial"/>
-              <a:buNone/>
-              <a:defRPr sz="5200" b="0" i="0" u="none" strike="noStrike" cap="none">
-                <a:solidFill>
-                  <a:schemeClr val="dk1"/>
-                </a:solidFill>
-                <a:latin typeface="Arial"/>
-                <a:ea typeface="Arial"/>
-                <a:cs typeface="Arial"/>
-                <a:sym typeface="Arial"/>
-              </a:defRPr>
-            </a:lvl7pPr>
-            <a:lvl8pPr marR="0" lvl="7" algn="ctr" rtl="0">
-              <a:lnSpc>
-                <a:spcPct val="100000"/>
-              </a:lnSpc>
-              <a:spcBef>
-                <a:spcPts val="0"/>
-              </a:spcBef>
-              <a:spcAft>
-                <a:spcPts val="0"/>
-              </a:spcAft>
-              <a:buClr>
-                <a:schemeClr val="dk1"/>
-              </a:buClr>
-              <a:buSzPts val="5200"/>
-              <a:buFont typeface="Arial"/>
-              <a:buNone/>
-              <a:defRPr sz="5200" b="0" i="0" u="none" strike="noStrike" cap="none">
-                <a:solidFill>
-                  <a:schemeClr val="dk1"/>
-                </a:solidFill>
-                <a:latin typeface="Arial"/>
-                <a:ea typeface="Arial"/>
-                <a:cs typeface="Arial"/>
-                <a:sym typeface="Arial"/>
-              </a:defRPr>
-            </a:lvl8pPr>
-            <a:lvl9pPr marR="0" lvl="8" algn="ctr" rtl="0">
-              <a:lnSpc>
-                <a:spcPct val="100000"/>
-              </a:lnSpc>
-              <a:spcBef>
-                <a:spcPts val="0"/>
-              </a:spcBef>
-              <a:spcAft>
-                <a:spcPts val="0"/>
-              </a:spcAft>
-              <a:buClr>
-                <a:schemeClr val="dk1"/>
-              </a:buClr>
-              <a:buSzPts val="5200"/>
-              <a:buFont typeface="Arial"/>
-              <a:buNone/>
-              <a:defRPr sz="5200" b="0" i="0" u="none" strike="noStrike" cap="none">
-                <a:solidFill>
-                  <a:schemeClr val="dk1"/>
-                </a:solidFill>
-                <a:latin typeface="Arial"/>
-                <a:ea typeface="Arial"/>
-                <a:cs typeface="Arial"/>
-                <a:sym typeface="Arial"/>
-              </a:defRPr>
-            </a:lvl9pPr>
-          </a:lstStyle>
-          <a:p>
-            <a:pPr algn="l"/>
-            <a:r>
-              <a:rPr lang="nl-BE" sz="1400" dirty="0">
-                <a:latin typeface="Cascadia Mono" panose="020B0609020000020004" pitchFamily="49" charset="0"/>
-                <a:ea typeface="Cascadia Mono" panose="020B0609020000020004" pitchFamily="49" charset="0"/>
-                <a:cs typeface="Cascadia Mono" panose="020B0609020000020004" pitchFamily="49" charset="0"/>
-                <a:sym typeface="Montserrat"/>
-              </a:rPr>
-              <a:t>11/02/2022</a:t>
             </a:r>
           </a:p>
         </p:txBody>
@@ -44421,6 +35613,14 @@
 </file>
 
 <file path=customXml/item1.xml><?xml version="1.0" encoding="utf-8"?>
+<p:properties xmlns:p="http://schemas.microsoft.com/office/2006/metadata/properties" xmlns:xsi="http://www.w3.org/2001/XMLSchema-instance" xmlns:pc="http://schemas.microsoft.com/office/infopath/2007/PartnerControls">
+  <documentManagement>
+    <MediaLengthInSeconds xmlns="4fce6d0c-2df1-41ae-b231-b2281c3c593b" xsi:nil="true"/>
+  </documentManagement>
+</p:properties>
+</file>
+
+<file path=customXml/item2.xml><?xml version="1.0" encoding="utf-8"?>
 <ct:contentTypeSchema xmlns:ct="http://schemas.microsoft.com/office/2006/metadata/contentType" xmlns:ma="http://schemas.microsoft.com/office/2006/metadata/properties/metaAttributes" ct:_="" ma:_="" ma:contentTypeName="Document" ma:contentTypeID="0x0101009725262E7164374C9F63042B19F6DB56" ma:contentTypeVersion="10" ma:contentTypeDescription="Create a new document." ma:contentTypeScope="" ma:versionID="604f6179a0c81f21f9f3992e603bcc42">
   <xsd:schema xmlns:xsd="http://www.w3.org/2001/XMLSchema" xmlns:xs="http://www.w3.org/2001/XMLSchema" xmlns:p="http://schemas.microsoft.com/office/2006/metadata/properties" xmlns:ns2="4fce6d0c-2df1-41ae-b231-b2281c3c593b" targetNamespace="http://schemas.microsoft.com/office/2006/metadata/properties" ma:root="true" ma:fieldsID="51cd9ca7c5cf164f252069e497b097a7" ns2:_="">
     <xsd:import namespace="4fce6d0c-2df1-41ae-b231-b2281c3c593b"/>
@@ -44604,7 +35804,7 @@
 </ct:contentTypeSchema>
 </file>
 
-<file path=customXml/item2.xml><?xml version="1.0" encoding="utf-8"?>
+<file path=customXml/item3.xml><?xml version="1.0" encoding="utf-8"?>
 <?mso-contentType ?>
 <FormTemplates xmlns="http://schemas.microsoft.com/sharepoint/v3/contenttype/forms">
   <Display>DocumentLibraryForm</Display>
@@ -44613,27 +35813,7 @@
 </FormTemplates>
 </file>
 
-<file path=customXml/item3.xml><?xml version="1.0" encoding="utf-8"?>
-<p:properties xmlns:p="http://schemas.microsoft.com/office/2006/metadata/properties" xmlns:xsi="http://www.w3.org/2001/XMLSchema-instance" xmlns:pc="http://schemas.microsoft.com/office/infopath/2007/PartnerControls">
-  <documentManagement>
-    <MediaLengthInSeconds xmlns="4fce6d0c-2df1-41ae-b231-b2281c3c593b" xsi:nil="true"/>
-  </documentManagement>
-</p:properties>
-</file>
-
 <file path=customXml/itemProps1.xml><?xml version="1.0" encoding="utf-8"?>
-<ds:datastoreItem xmlns:ds="http://schemas.openxmlformats.org/officeDocument/2006/customXml" ds:itemID="{6D6B22FF-FF82-43FE-8122-08A5B7C57880}"/>
-</file>
-
-<file path=customXml/itemProps2.xml><?xml version="1.0" encoding="utf-8"?>
-<ds:datastoreItem xmlns:ds="http://schemas.openxmlformats.org/officeDocument/2006/customXml" ds:itemID="{765C75CB-2A2C-46D1-B7C3-05A5AAF18922}">
-  <ds:schemaRefs>
-    <ds:schemaRef ds:uri="http://schemas.microsoft.com/sharepoint/v3/contenttype/forms"/>
-  </ds:schemaRefs>
-</ds:datastoreItem>
-</file>
-
-<file path=customXml/itemProps3.xml><?xml version="1.0" encoding="utf-8"?>
 <ds:datastoreItem xmlns:ds="http://schemas.openxmlformats.org/officeDocument/2006/customXml" ds:itemID="{AF982993-9F4A-440A-88DA-988AD52FDFFC}">
   <ds:schemaRefs>
     <ds:schemaRef ds:uri="http://schemas.microsoft.com/office/2006/metadata/properties"/>
@@ -44641,4 +35821,30 @@
     <ds:schemaRef ds:uri="4fce6d0c-2df1-41ae-b231-b2281c3c593b"/>
   </ds:schemaRefs>
 </ds:datastoreItem>
+</file>
+
+<file path=customXml/itemProps2.xml><?xml version="1.0" encoding="utf-8"?>
+<ds:datastoreItem xmlns:ds="http://schemas.openxmlformats.org/officeDocument/2006/customXml" ds:itemID="{6D6B22FF-FF82-43FE-8122-08A5B7C57880}">
+  <ds:schemaRefs>
+    <ds:schemaRef ds:uri="http://schemas.microsoft.com/office/2006/metadata/contentType"/>
+    <ds:schemaRef ds:uri="http://schemas.microsoft.com/office/2006/metadata/properties/metaAttributes"/>
+    <ds:schemaRef ds:uri="http://www.w3.org/2001/XMLSchema"/>
+    <ds:schemaRef ds:uri="http://schemas.microsoft.com/office/2006/metadata/properties"/>
+    <ds:schemaRef ds:uri="4fce6d0c-2df1-41ae-b231-b2281c3c593b"/>
+    <ds:schemaRef ds:uri="http://schemas.microsoft.com/office/2006/documentManagement/types"/>
+    <ds:schemaRef ds:uri="http://schemas.microsoft.com/office/infopath/2007/PartnerControls"/>
+    <ds:schemaRef ds:uri="http://schemas.openxmlformats.org/package/2006/metadata/core-properties"/>
+    <ds:schemaRef ds:uri="http://purl.org/dc/elements/1.1/"/>
+    <ds:schemaRef ds:uri="http://purl.org/dc/terms/"/>
+    <ds:schemaRef ds:uri="http://schemas.microsoft.com/internal/obd"/>
+  </ds:schemaRefs>
+</ds:datastoreItem>
+</file>
+
+<file path=customXml/itemProps3.xml><?xml version="1.0" encoding="utf-8"?>
+<ds:datastoreItem xmlns:ds="http://schemas.openxmlformats.org/officeDocument/2006/customXml" ds:itemID="{765C75CB-2A2C-46D1-B7C3-05A5AAF18922}">
+  <ds:schemaRefs>
+    <ds:schemaRef ds:uri="http://schemas.microsoft.com/sharepoint/v3/contenttype/forms"/>
+  </ds:schemaRefs>
+</ds:datastoreItem>
 </file>